--- a/docs/oral_presentation.pptx
+++ b/docs/oral_presentation.pptx
@@ -5,10 +5,10 @@
     <p:sldMasterId id="2147483648" r:id="rId4"/>
   </p:sldMasterIdLst>
   <p:notesMasterIdLst>
-    <p:notesMasterId r:id="rId28"/>
+    <p:notesMasterId r:id="rId22"/>
   </p:notesMasterIdLst>
   <p:handoutMasterIdLst>
-    <p:handoutMasterId r:id="rId29"/>
+    <p:handoutMasterId r:id="rId23"/>
   </p:handoutMasterIdLst>
   <p:sldIdLst>
     <p:sldId id="256" r:id="rId5"/>
@@ -20,20 +20,14 @@
     <p:sldId id="294" r:id="rId11"/>
     <p:sldId id="292" r:id="rId12"/>
     <p:sldId id="293" r:id="rId13"/>
-    <p:sldId id="284" r:id="rId14"/>
-    <p:sldId id="291" r:id="rId15"/>
-    <p:sldId id="290" r:id="rId16"/>
-    <p:sldId id="285" r:id="rId17"/>
-    <p:sldId id="288" r:id="rId18"/>
-    <p:sldId id="269" r:id="rId19"/>
-    <p:sldId id="268" r:id="rId20"/>
-    <p:sldId id="258" r:id="rId21"/>
-    <p:sldId id="261" r:id="rId22"/>
-    <p:sldId id="262" r:id="rId23"/>
-    <p:sldId id="283" r:id="rId24"/>
-    <p:sldId id="264" r:id="rId25"/>
-    <p:sldId id="266" r:id="rId26"/>
-    <p:sldId id="267" r:id="rId27"/>
+    <p:sldId id="285" r:id="rId14"/>
+    <p:sldId id="288" r:id="rId15"/>
+    <p:sldId id="284" r:id="rId16"/>
+    <p:sldId id="291" r:id="rId17"/>
+    <p:sldId id="290" r:id="rId18"/>
+    <p:sldId id="295" r:id="rId19"/>
+    <p:sldId id="269" r:id="rId20"/>
+    <p:sldId id="268" r:id="rId21"/>
   </p:sldIdLst>
   <p:sldSz cx="12192000" cy="6858000"/>
   <p:notesSz cx="6858000" cy="9144000"/>
@@ -248,7 +242,7 @@
           <a:p>
             <a:fld id="{1CA5457B-CDAE-4DEB-AEC8-C82DE2312E37}" type="datetimeFigureOut">
               <a:rPr lang="en-US" smtClean="0"/>
-              <a:t>12/13/2020</a:t>
+              <a:t>12/14/2020</a:t>
             </a:fld>
             <a:endParaRPr lang="en-US" dirty="0"/>
           </a:p>
@@ -425,7 +419,7 @@
           <a:p>
             <a:fld id="{090B78EA-28CE-41D8-9043-90E391E5F567}" type="datetimeFigureOut">
               <a:rPr lang="en-US" noProof="0" smtClean="0"/>
-              <a:t>12/13/2020</a:t>
+              <a:t>12/14/2020</a:t>
             </a:fld>
             <a:endParaRPr lang="en-US" noProof="0" dirty="0"/>
           </a:p>
@@ -25589,7 +25583,7 @@
           <p:cNvPr id="4" name="Title 3">
             <a:extLst>
               <a:ext uri="{FF2B5EF4-FFF2-40B4-BE49-F238E27FC236}">
-                <a16:creationId xmlns:a16="http://schemas.microsoft.com/office/drawing/2014/main" id="{E3BD8413-C238-49D7-A4E1-E8FEF1811A0E}"/>
+                <a16:creationId xmlns:a16="http://schemas.microsoft.com/office/drawing/2014/main" id="{BD179B88-D43C-4A31-9A52-3498E9430782}"/>
               </a:ext>
             </a:extLst>
           </p:cNvPr>
@@ -25607,7 +25601,7 @@
           <a:p>
             <a:r>
               <a:rPr lang="en-US" dirty="0"/>
-              <a:t>Jira &amp; Git</a:t>
+              <a:t>The objectives</a:t>
             </a:r>
           </a:p>
         </p:txBody>
@@ -25617,7 +25611,7 @@
           <p:cNvPr id="2" name="Slide Number Placeholder 1">
             <a:extLst>
               <a:ext uri="{FF2B5EF4-FFF2-40B4-BE49-F238E27FC236}">
-                <a16:creationId xmlns:a16="http://schemas.microsoft.com/office/drawing/2014/main" id="{0B24BF10-2B55-43AB-9F77-F1A1410384A9}"/>
+                <a16:creationId xmlns:a16="http://schemas.microsoft.com/office/drawing/2014/main" id="{8B065C75-272B-4BB5-BA23-D80E8654D621}"/>
               </a:ext>
             </a:extLst>
           </p:cNvPr>
@@ -25647,7 +25641,7 @@
           <p:cNvPr id="6" name="Text Placeholder 5">
             <a:extLst>
               <a:ext uri="{FF2B5EF4-FFF2-40B4-BE49-F238E27FC236}">
-                <a16:creationId xmlns:a16="http://schemas.microsoft.com/office/drawing/2014/main" id="{9DFAC933-A558-4471-B927-BED767E3D9EB}"/>
+                <a16:creationId xmlns:a16="http://schemas.microsoft.com/office/drawing/2014/main" id="{81BF1A55-F842-429F-BFFA-0F23402804E9}"/>
               </a:ext>
             </a:extLst>
           </p:cNvPr>
@@ -25670,7 +25664,7 @@
     </p:spTree>
     <p:extLst>
       <p:ext uri="{BB962C8B-B14F-4D97-AF65-F5344CB8AC3E}">
-        <p14:creationId xmlns:p14="http://schemas.microsoft.com/office/powerpoint/2010/main" val="1160177489"/>
+        <p14:creationId xmlns:p14="http://schemas.microsoft.com/office/powerpoint/2010/main" val="387083346"/>
       </p:ext>
     </p:extLst>
   </p:cSld>
@@ -25725,14 +25719,26 @@
             <p:ph type="title"/>
           </p:nvPr>
         </p:nvSpPr>
-        <p:spPr/>
+        <p:spPr>
+          <a:xfrm>
+            <a:off x="444500" y="542925"/>
+            <a:ext cx="11214100" cy="978729"/>
+          </a:xfrm>
+        </p:spPr>
         <p:txBody>
           <a:bodyPr/>
           <a:lstStyle/>
           <a:p>
             <a:r>
               <a:rPr lang="en-US" dirty="0"/>
-              <a:t>Jira</a:t>
+              <a:t>What are the current objectives of the </a:t>
+            </a:r>
+            <a:br>
+              <a:rPr lang="en-US" dirty="0"/>
+            </a:br>
+            <a:r>
+              <a:rPr lang="en-US" dirty="0"/>
+              <a:t>whiteboard?</a:t>
             </a:r>
           </a:p>
         </p:txBody>
@@ -25759,12 +25765,57 @@
           <a:lstStyle/>
           <a:p>
             <a:r>
-              <a:rPr lang="en-US" dirty="0"/>
-              <a:t>I have used Jira to track things to-do in the near future, and all past milestones that I have completed. I haven’t added long-term goals yet as I’m not fully sure on what the end-goals of the project will be, so they are subject to change.</a:t>
+              <a:rPr lang="en-GB" dirty="0"/>
+              <a:t>The ability to draw, add text, images &amp; shapes to a whiteboard</a:t>
             </a:r>
           </a:p>
           <a:p>
-            <a:endParaRPr lang="en-US" dirty="0"/>
+            <a:r>
+              <a:rPr lang="en-GB" dirty="0"/>
+              <a:t>The ability to undo and redo changes to a whiteboard</a:t>
+            </a:r>
+          </a:p>
+          <a:p>
+            <a:r>
+              <a:rPr lang="en-GB" dirty="0"/>
+              <a:t>A networked whiteboard which allows for an unlimited amount of people to spectate or edit a whiteboard</a:t>
+            </a:r>
+          </a:p>
+          <a:p>
+            <a:r>
+              <a:rPr lang="en-GB" dirty="0"/>
+              <a:t>A saving system to store and load whiteboards</a:t>
+            </a:r>
+          </a:p>
+          <a:p>
+            <a:r>
+              <a:rPr lang="en-GB" dirty="0"/>
+              <a:t>The ability to edit objects on the whiteboard (move, rescale, change text)</a:t>
+            </a:r>
+          </a:p>
+          <a:p>
+            <a:r>
+              <a:rPr lang="en-GB" dirty="0"/>
+              <a:t>The ability to rescale the whiteboard (both zooming in and out and moving in any direction)</a:t>
+            </a:r>
+          </a:p>
+          <a:p>
+            <a:r>
+              <a:rPr lang="en-GB" dirty="0"/>
+              <a:t>The ability to set permissions on whiteboards, for example letting a teacher or presenter have control over a whiteboard and students or spectators only being able to view them</a:t>
+            </a:r>
+          </a:p>
+          <a:p>
+            <a:r>
+              <a:rPr lang="en-GB" dirty="0"/>
+              <a:t>Full mobile support</a:t>
+            </a:r>
+          </a:p>
+          <a:p>
+            <a:r>
+              <a:rPr lang="en-GB" dirty="0"/>
+              <a:t>A fully accessible UI (for including anyone with potential learning or visual difficulties)</a:t>
+            </a:r>
           </a:p>
         </p:txBody>
       </p:sp>
@@ -25793,6 +25844,262 @@
               <a:rPr lang="en-US" smtClean="0"/>
               <a:pPr/>
               <a:t>11</a:t>
+            </a:fld>
+            <a:endParaRPr lang="en-US" dirty="0"/>
+          </a:p>
+        </p:txBody>
+      </p:sp>
+    </p:spTree>
+    <p:extLst>
+      <p:ext uri="{BB962C8B-B14F-4D97-AF65-F5344CB8AC3E}">
+        <p14:creationId xmlns:p14="http://schemas.microsoft.com/office/powerpoint/2010/main" val="2873016066"/>
+      </p:ext>
+    </p:extLst>
+  </p:cSld>
+  <p:clrMapOvr>
+    <a:masterClrMapping/>
+  </p:clrMapOvr>
+  <mc:AlternateContent xmlns:mc="http://schemas.openxmlformats.org/markup-compatibility/2006" xmlns:p14="http://schemas.microsoft.com/office/powerpoint/2010/main">
+    <mc:Choice Requires="p14">
+      <p:transition spd="med" p14:dur="700">
+        <p:fade/>
+      </p:transition>
+    </mc:Choice>
+    <mc:Fallback xmlns="">
+      <p:transition spd="med">
+        <p:fade/>
+      </p:transition>
+    </mc:Fallback>
+  </mc:AlternateContent>
+</p:sld>
+</file>
+
+<file path=ppt/slides/slide12.xml><?xml version="1.0" encoding="utf-8"?>
+<p:sld xmlns:a="http://schemas.openxmlformats.org/drawingml/2006/main" xmlns:r="http://schemas.openxmlformats.org/officeDocument/2006/relationships" xmlns:p="http://schemas.openxmlformats.org/presentationml/2006/main">
+  <p:cSld>
+    <p:spTree>
+      <p:nvGrpSpPr>
+        <p:cNvPr id="1" name=""/>
+        <p:cNvGrpSpPr/>
+        <p:nvPr/>
+      </p:nvGrpSpPr>
+      <p:grpSpPr>
+        <a:xfrm>
+          <a:off x="0" y="0"/>
+          <a:ext cx="0" cy="0"/>
+          <a:chOff x="0" y="0"/>
+          <a:chExt cx="0" cy="0"/>
+        </a:xfrm>
+      </p:grpSpPr>
+      <p:sp>
+        <p:nvSpPr>
+          <p:cNvPr id="4" name="Title 3">
+            <a:extLst>
+              <a:ext uri="{FF2B5EF4-FFF2-40B4-BE49-F238E27FC236}">
+                <a16:creationId xmlns:a16="http://schemas.microsoft.com/office/drawing/2014/main" id="{E3BD8413-C238-49D7-A4E1-E8FEF1811A0E}"/>
+              </a:ext>
+            </a:extLst>
+          </p:cNvPr>
+          <p:cNvSpPr>
+            <a:spLocks noGrp="1"/>
+          </p:cNvSpPr>
+          <p:nvPr>
+            <p:ph type="title"/>
+          </p:nvPr>
+        </p:nvSpPr>
+        <p:spPr/>
+        <p:txBody>
+          <a:bodyPr/>
+          <a:lstStyle/>
+          <a:p>
+            <a:r>
+              <a:rPr lang="en-US" dirty="0"/>
+              <a:t>Jira &amp; Git</a:t>
+            </a:r>
+          </a:p>
+        </p:txBody>
+      </p:sp>
+      <p:sp>
+        <p:nvSpPr>
+          <p:cNvPr id="2" name="Slide Number Placeholder 1">
+            <a:extLst>
+              <a:ext uri="{FF2B5EF4-FFF2-40B4-BE49-F238E27FC236}">
+                <a16:creationId xmlns:a16="http://schemas.microsoft.com/office/drawing/2014/main" id="{0B24BF10-2B55-43AB-9F77-F1A1410384A9}"/>
+              </a:ext>
+            </a:extLst>
+          </p:cNvPr>
+          <p:cNvSpPr>
+            <a:spLocks noGrp="1"/>
+          </p:cNvSpPr>
+          <p:nvPr>
+            <p:ph type="sldNum" sz="quarter" idx="12"/>
+          </p:nvPr>
+        </p:nvSpPr>
+        <p:spPr/>
+        <p:txBody>
+          <a:bodyPr/>
+          <a:lstStyle/>
+          <a:p>
+            <a:fld id="{C263D6C4-4840-40CC-AC84-17E24B3B7BDE}" type="slidenum">
+              <a:rPr lang="en-US" smtClean="0"/>
+              <a:pPr/>
+              <a:t>12</a:t>
+            </a:fld>
+            <a:endParaRPr lang="en-US" dirty="0"/>
+          </a:p>
+        </p:txBody>
+      </p:sp>
+      <p:sp>
+        <p:nvSpPr>
+          <p:cNvPr id="6" name="Text Placeholder 5">
+            <a:extLst>
+              <a:ext uri="{FF2B5EF4-FFF2-40B4-BE49-F238E27FC236}">
+                <a16:creationId xmlns:a16="http://schemas.microsoft.com/office/drawing/2014/main" id="{9DFAC933-A558-4471-B927-BED767E3D9EB}"/>
+              </a:ext>
+            </a:extLst>
+          </p:cNvPr>
+          <p:cNvSpPr>
+            <a:spLocks noGrp="1"/>
+          </p:cNvSpPr>
+          <p:nvPr>
+            <p:ph type="body" idx="1"/>
+          </p:nvPr>
+        </p:nvSpPr>
+        <p:spPr/>
+        <p:txBody>
+          <a:bodyPr/>
+          <a:lstStyle/>
+          <a:p>
+            <a:endParaRPr lang="en-GB"/>
+          </a:p>
+        </p:txBody>
+      </p:sp>
+    </p:spTree>
+    <p:extLst>
+      <p:ext uri="{BB962C8B-B14F-4D97-AF65-F5344CB8AC3E}">
+        <p14:creationId xmlns:p14="http://schemas.microsoft.com/office/powerpoint/2010/main" val="1160177489"/>
+      </p:ext>
+    </p:extLst>
+  </p:cSld>
+  <p:clrMapOvr>
+    <a:masterClrMapping/>
+  </p:clrMapOvr>
+  <mc:AlternateContent xmlns:mc="http://schemas.openxmlformats.org/markup-compatibility/2006" xmlns:p14="http://schemas.microsoft.com/office/powerpoint/2010/main">
+    <mc:Choice Requires="p14">
+      <p:transition spd="med" p14:dur="700">
+        <p:fade/>
+      </p:transition>
+    </mc:Choice>
+    <mc:Fallback xmlns="">
+      <p:transition spd="med">
+        <p:fade/>
+      </p:transition>
+    </mc:Fallback>
+  </mc:AlternateContent>
+</p:sld>
+</file>
+
+<file path=ppt/slides/slide13.xml><?xml version="1.0" encoding="utf-8"?>
+<p:sld xmlns:a="http://schemas.openxmlformats.org/drawingml/2006/main" xmlns:r="http://schemas.openxmlformats.org/officeDocument/2006/relationships" xmlns:p="http://schemas.openxmlformats.org/presentationml/2006/main">
+  <p:cSld>
+    <p:spTree>
+      <p:nvGrpSpPr>
+        <p:cNvPr id="1" name=""/>
+        <p:cNvGrpSpPr/>
+        <p:nvPr/>
+      </p:nvGrpSpPr>
+      <p:grpSpPr>
+        <a:xfrm>
+          <a:off x="0" y="0"/>
+          <a:ext cx="0" cy="0"/>
+          <a:chOff x="0" y="0"/>
+          <a:chExt cx="0" cy="0"/>
+        </a:xfrm>
+      </p:grpSpPr>
+      <p:sp>
+        <p:nvSpPr>
+          <p:cNvPr id="7" name="Title 6">
+            <a:extLst>
+              <a:ext uri="{FF2B5EF4-FFF2-40B4-BE49-F238E27FC236}">
+                <a16:creationId xmlns:a16="http://schemas.microsoft.com/office/drawing/2014/main" id="{7875C19A-1AAE-476A-A316-A2CF92D763D3}"/>
+              </a:ext>
+            </a:extLst>
+          </p:cNvPr>
+          <p:cNvSpPr>
+            <a:spLocks noGrp="1"/>
+          </p:cNvSpPr>
+          <p:nvPr>
+            <p:ph type="title"/>
+          </p:nvPr>
+        </p:nvSpPr>
+        <p:spPr/>
+        <p:txBody>
+          <a:bodyPr/>
+          <a:lstStyle/>
+          <a:p>
+            <a:r>
+              <a:rPr lang="en-US" dirty="0"/>
+              <a:t>Jira</a:t>
+            </a:r>
+          </a:p>
+        </p:txBody>
+      </p:sp>
+      <p:sp>
+        <p:nvSpPr>
+          <p:cNvPr id="10" name="Text Placeholder 9">
+            <a:extLst>
+              <a:ext uri="{FF2B5EF4-FFF2-40B4-BE49-F238E27FC236}">
+                <a16:creationId xmlns:a16="http://schemas.microsoft.com/office/drawing/2014/main" id="{EF2BC084-E6DB-4DE7-B309-042A85EBA700}"/>
+              </a:ext>
+            </a:extLst>
+          </p:cNvPr>
+          <p:cNvSpPr>
+            <a:spLocks noGrp="1"/>
+          </p:cNvSpPr>
+          <p:nvPr>
+            <p:ph type="body" sz="quarter" idx="13"/>
+          </p:nvPr>
+        </p:nvSpPr>
+        <p:spPr/>
+        <p:txBody>
+          <a:bodyPr/>
+          <a:lstStyle/>
+          <a:p>
+            <a:r>
+              <a:rPr lang="en-US" dirty="0"/>
+              <a:t>I have used Jira to track things to-do in the near future, and all past milestones that I have completed. I haven’t added long-term goals yet as I’m not fully sure on what the end-goals of the project will be, so they are subject to change.</a:t>
+            </a:r>
+          </a:p>
+          <a:p>
+            <a:endParaRPr lang="en-US" dirty="0"/>
+          </a:p>
+        </p:txBody>
+      </p:sp>
+      <p:sp>
+        <p:nvSpPr>
+          <p:cNvPr id="2" name="Slide Number Placeholder 1">
+            <a:extLst>
+              <a:ext uri="{FF2B5EF4-FFF2-40B4-BE49-F238E27FC236}">
+                <a16:creationId xmlns:a16="http://schemas.microsoft.com/office/drawing/2014/main" id="{BE9800F6-D571-48C4-8466-12AA1ADB6599}"/>
+              </a:ext>
+            </a:extLst>
+          </p:cNvPr>
+          <p:cNvSpPr>
+            <a:spLocks noGrp="1"/>
+          </p:cNvSpPr>
+          <p:nvPr>
+            <p:ph type="sldNum" sz="quarter" idx="12"/>
+          </p:nvPr>
+        </p:nvSpPr>
+        <p:spPr/>
+        <p:txBody>
+          <a:bodyPr/>
+          <a:lstStyle/>
+          <a:p>
+            <a:fld id="{C263D6C4-4840-40CC-AC84-17E24B3B7BDE}" type="slidenum">
+              <a:rPr lang="en-US" smtClean="0"/>
+              <a:pPr/>
+              <a:t>13</a:t>
             </a:fld>
             <a:endParaRPr lang="en-US" dirty="0"/>
           </a:p>
@@ -25913,7 +26220,7 @@
 </p:sld>
 </file>
 
-<file path=ppt/slides/slide12.xml><?xml version="1.0" encoding="utf-8"?>
+<file path=ppt/slides/slide14.xml><?xml version="1.0" encoding="utf-8"?>
 <p:sld xmlns:a="http://schemas.openxmlformats.org/drawingml/2006/main" xmlns:r="http://schemas.openxmlformats.org/officeDocument/2006/relationships" xmlns:p="http://schemas.openxmlformats.org/presentationml/2006/main">
   <p:cSld>
     <p:spTree>
@@ -26021,7 +26328,7 @@
             <a:fld id="{C263D6C4-4840-40CC-AC84-17E24B3B7BDE}" type="slidenum">
               <a:rPr lang="en-US" smtClean="0"/>
               <a:pPr/>
-              <a:t>12</a:t>
+              <a:t>14</a:t>
             </a:fld>
             <a:endParaRPr lang="en-US" dirty="0"/>
           </a:p>
@@ -26049,8 +26356,8 @@
         </p:blipFill>
         <p:spPr>
           <a:xfrm>
-            <a:off x="640316" y="3429000"/>
-            <a:ext cx="4264448" cy="2966846"/>
+            <a:off x="640316" y="3611353"/>
+            <a:ext cx="3891105" cy="2707105"/>
           </a:xfrm>
           <a:prstGeom prst="rect">
             <a:avLst/>
@@ -26079,8 +26386,38 @@
         </p:blipFill>
         <p:spPr>
           <a:xfrm>
-            <a:off x="5668162" y="3429000"/>
-            <a:ext cx="4264448" cy="2978552"/>
+            <a:off x="4764197" y="3611353"/>
+            <a:ext cx="3870968" cy="2703722"/>
+          </a:xfrm>
+          <a:prstGeom prst="rect">
+            <a:avLst/>
+          </a:prstGeom>
+        </p:spPr>
+      </p:pic>
+      <p:pic>
+        <p:nvPicPr>
+          <p:cNvPr id="5" name="Picture 4">
+            <a:extLst>
+              <a:ext uri="{FF2B5EF4-FFF2-40B4-BE49-F238E27FC236}">
+                <a16:creationId xmlns:a16="http://schemas.microsoft.com/office/drawing/2014/main" id="{A7024A31-8EBE-4819-90D6-4F4AEAE26E80}"/>
+              </a:ext>
+            </a:extLst>
+          </p:cNvPr>
+          <p:cNvPicPr>
+            <a:picLocks noChangeAspect="1"/>
+          </p:cNvPicPr>
+          <p:nvPr/>
+        </p:nvPicPr>
+        <p:blipFill>
+          <a:blip r:embed="rId4"/>
+          <a:stretch>
+            <a:fillRect/>
+          </a:stretch>
+        </p:blipFill>
+        <p:spPr>
+          <a:xfrm>
+            <a:off x="8841070" y="3611353"/>
+            <a:ext cx="3023435" cy="2731255"/>
           </a:xfrm>
           <a:prstGeom prst="rect">
             <a:avLst/>
@@ -26091,319 +26428,6 @@
     <p:extLst>
       <p:ext uri="{BB962C8B-B14F-4D97-AF65-F5344CB8AC3E}">
         <p14:creationId xmlns:p14="http://schemas.microsoft.com/office/powerpoint/2010/main" val="1488544749"/>
-      </p:ext>
-    </p:extLst>
-  </p:cSld>
-  <p:clrMapOvr>
-    <a:masterClrMapping/>
-  </p:clrMapOvr>
-  <mc:AlternateContent xmlns:mc="http://schemas.openxmlformats.org/markup-compatibility/2006" xmlns:p14="http://schemas.microsoft.com/office/powerpoint/2010/main">
-    <mc:Choice Requires="p14">
-      <p:transition spd="med" p14:dur="700">
-        <p:fade/>
-      </p:transition>
-    </mc:Choice>
-    <mc:Fallback xmlns="">
-      <p:transition spd="med">
-        <p:fade/>
-      </p:transition>
-    </mc:Fallback>
-  </mc:AlternateContent>
-</p:sld>
-</file>
-
-<file path=ppt/slides/slide13.xml><?xml version="1.0" encoding="utf-8"?>
-<p:sld xmlns:a="http://schemas.openxmlformats.org/drawingml/2006/main" xmlns:r="http://schemas.openxmlformats.org/officeDocument/2006/relationships" xmlns:p="http://schemas.openxmlformats.org/presentationml/2006/main">
-  <p:cSld>
-    <p:spTree>
-      <p:nvGrpSpPr>
-        <p:cNvPr id="1" name=""/>
-        <p:cNvGrpSpPr/>
-        <p:nvPr/>
-      </p:nvGrpSpPr>
-      <p:grpSpPr>
-        <a:xfrm>
-          <a:off x="0" y="0"/>
-          <a:ext cx="0" cy="0"/>
-          <a:chOff x="0" y="0"/>
-          <a:chExt cx="0" cy="0"/>
-        </a:xfrm>
-      </p:grpSpPr>
-      <p:sp>
-        <p:nvSpPr>
-          <p:cNvPr id="4" name="Title 3">
-            <a:extLst>
-              <a:ext uri="{FF2B5EF4-FFF2-40B4-BE49-F238E27FC236}">
-                <a16:creationId xmlns:a16="http://schemas.microsoft.com/office/drawing/2014/main" id="{BD179B88-D43C-4A31-9A52-3498E9430782}"/>
-              </a:ext>
-            </a:extLst>
-          </p:cNvPr>
-          <p:cNvSpPr>
-            <a:spLocks noGrp="1"/>
-          </p:cNvSpPr>
-          <p:nvPr>
-            <p:ph type="title"/>
-          </p:nvPr>
-        </p:nvSpPr>
-        <p:spPr/>
-        <p:txBody>
-          <a:bodyPr/>
-          <a:lstStyle/>
-          <a:p>
-            <a:r>
-              <a:rPr lang="en-US" dirty="0"/>
-              <a:t>The objectives</a:t>
-            </a:r>
-          </a:p>
-        </p:txBody>
-      </p:sp>
-      <p:sp>
-        <p:nvSpPr>
-          <p:cNvPr id="2" name="Slide Number Placeholder 1">
-            <a:extLst>
-              <a:ext uri="{FF2B5EF4-FFF2-40B4-BE49-F238E27FC236}">
-                <a16:creationId xmlns:a16="http://schemas.microsoft.com/office/drawing/2014/main" id="{8B065C75-272B-4BB5-BA23-D80E8654D621}"/>
-              </a:ext>
-            </a:extLst>
-          </p:cNvPr>
-          <p:cNvSpPr>
-            <a:spLocks noGrp="1"/>
-          </p:cNvSpPr>
-          <p:nvPr>
-            <p:ph type="sldNum" sz="quarter" idx="12"/>
-          </p:nvPr>
-        </p:nvSpPr>
-        <p:spPr/>
-        <p:txBody>
-          <a:bodyPr/>
-          <a:lstStyle/>
-          <a:p>
-            <a:fld id="{C263D6C4-4840-40CC-AC84-17E24B3B7BDE}" type="slidenum">
-              <a:rPr lang="en-US" smtClean="0"/>
-              <a:pPr/>
-              <a:t>13</a:t>
-            </a:fld>
-            <a:endParaRPr lang="en-US" dirty="0"/>
-          </a:p>
-        </p:txBody>
-      </p:sp>
-      <p:sp>
-        <p:nvSpPr>
-          <p:cNvPr id="6" name="Text Placeholder 5">
-            <a:extLst>
-              <a:ext uri="{FF2B5EF4-FFF2-40B4-BE49-F238E27FC236}">
-                <a16:creationId xmlns:a16="http://schemas.microsoft.com/office/drawing/2014/main" id="{81BF1A55-F842-429F-BFFA-0F23402804E9}"/>
-              </a:ext>
-            </a:extLst>
-          </p:cNvPr>
-          <p:cNvSpPr>
-            <a:spLocks noGrp="1"/>
-          </p:cNvSpPr>
-          <p:nvPr>
-            <p:ph type="body" idx="1"/>
-          </p:nvPr>
-        </p:nvSpPr>
-        <p:spPr/>
-        <p:txBody>
-          <a:bodyPr/>
-          <a:lstStyle/>
-          <a:p>
-            <a:endParaRPr lang="en-GB"/>
-          </a:p>
-        </p:txBody>
-      </p:sp>
-    </p:spTree>
-    <p:extLst>
-      <p:ext uri="{BB962C8B-B14F-4D97-AF65-F5344CB8AC3E}">
-        <p14:creationId xmlns:p14="http://schemas.microsoft.com/office/powerpoint/2010/main" val="387083346"/>
-      </p:ext>
-    </p:extLst>
-  </p:cSld>
-  <p:clrMapOvr>
-    <a:masterClrMapping/>
-  </p:clrMapOvr>
-  <mc:AlternateContent xmlns:mc="http://schemas.openxmlformats.org/markup-compatibility/2006" xmlns:p14="http://schemas.microsoft.com/office/powerpoint/2010/main">
-    <mc:Choice Requires="p14">
-      <p:transition spd="med" p14:dur="700">
-        <p:fade/>
-      </p:transition>
-    </mc:Choice>
-    <mc:Fallback xmlns="">
-      <p:transition spd="med">
-        <p:fade/>
-      </p:transition>
-    </mc:Fallback>
-  </mc:AlternateContent>
-</p:sld>
-</file>
-
-<file path=ppt/slides/slide14.xml><?xml version="1.0" encoding="utf-8"?>
-<p:sld xmlns:a="http://schemas.openxmlformats.org/drawingml/2006/main" xmlns:r="http://schemas.openxmlformats.org/officeDocument/2006/relationships" xmlns:p="http://schemas.openxmlformats.org/presentationml/2006/main">
-  <p:cSld>
-    <p:spTree>
-      <p:nvGrpSpPr>
-        <p:cNvPr id="1" name=""/>
-        <p:cNvGrpSpPr/>
-        <p:nvPr/>
-      </p:nvGrpSpPr>
-      <p:grpSpPr>
-        <a:xfrm>
-          <a:off x="0" y="0"/>
-          <a:ext cx="0" cy="0"/>
-          <a:chOff x="0" y="0"/>
-          <a:chExt cx="0" cy="0"/>
-        </a:xfrm>
-      </p:grpSpPr>
-      <p:sp>
-        <p:nvSpPr>
-          <p:cNvPr id="7" name="Title 6">
-            <a:extLst>
-              <a:ext uri="{FF2B5EF4-FFF2-40B4-BE49-F238E27FC236}">
-                <a16:creationId xmlns:a16="http://schemas.microsoft.com/office/drawing/2014/main" id="{7875C19A-1AAE-476A-A316-A2CF92D763D3}"/>
-              </a:ext>
-            </a:extLst>
-          </p:cNvPr>
-          <p:cNvSpPr>
-            <a:spLocks noGrp="1"/>
-          </p:cNvSpPr>
-          <p:nvPr>
-            <p:ph type="title"/>
-          </p:nvPr>
-        </p:nvSpPr>
-        <p:spPr>
-          <a:xfrm>
-            <a:off x="444500" y="542925"/>
-            <a:ext cx="11214100" cy="978729"/>
-          </a:xfrm>
-        </p:spPr>
-        <p:txBody>
-          <a:bodyPr/>
-          <a:lstStyle/>
-          <a:p>
-            <a:r>
-              <a:rPr lang="en-US" dirty="0"/>
-              <a:t>What are the current objectives of the </a:t>
-            </a:r>
-            <a:br>
-              <a:rPr lang="en-US" dirty="0"/>
-            </a:br>
-            <a:r>
-              <a:rPr lang="en-US" dirty="0"/>
-              <a:t>whiteboard?</a:t>
-            </a:r>
-          </a:p>
-        </p:txBody>
-      </p:sp>
-      <p:sp>
-        <p:nvSpPr>
-          <p:cNvPr id="10" name="Text Placeholder 9">
-            <a:extLst>
-              <a:ext uri="{FF2B5EF4-FFF2-40B4-BE49-F238E27FC236}">
-                <a16:creationId xmlns:a16="http://schemas.microsoft.com/office/drawing/2014/main" id="{EF2BC084-E6DB-4DE7-B309-042A85EBA700}"/>
-              </a:ext>
-            </a:extLst>
-          </p:cNvPr>
-          <p:cNvSpPr>
-            <a:spLocks noGrp="1"/>
-          </p:cNvSpPr>
-          <p:nvPr>
-            <p:ph type="body" sz="quarter" idx="13"/>
-          </p:nvPr>
-        </p:nvSpPr>
-        <p:spPr/>
-        <p:txBody>
-          <a:bodyPr/>
-          <a:lstStyle/>
-          <a:p>
-            <a:r>
-              <a:rPr lang="en-GB" dirty="0"/>
-              <a:t>The ability to draw, add text, images &amp; shapes to a whiteboard</a:t>
-            </a:r>
-          </a:p>
-          <a:p>
-            <a:r>
-              <a:rPr lang="en-GB" dirty="0"/>
-              <a:t>The ability to undo and redo changes to a whiteboard</a:t>
-            </a:r>
-          </a:p>
-          <a:p>
-            <a:r>
-              <a:rPr lang="en-GB" dirty="0"/>
-              <a:t>A networked whiteboard which allows for an unlimited amount of people to spectate or edit a whiteboard</a:t>
-            </a:r>
-          </a:p>
-          <a:p>
-            <a:r>
-              <a:rPr lang="en-GB" dirty="0"/>
-              <a:t>A saving system to store and load whiteboards</a:t>
-            </a:r>
-          </a:p>
-          <a:p>
-            <a:r>
-              <a:rPr lang="en-GB" dirty="0"/>
-              <a:t>The ability to edit objects on the whiteboard (move, rescale, change text)</a:t>
-            </a:r>
-          </a:p>
-          <a:p>
-            <a:r>
-              <a:rPr lang="en-GB" dirty="0"/>
-              <a:t>The ability to rescale the whiteboard (both zooming in and out and moving in any direction)</a:t>
-            </a:r>
-          </a:p>
-          <a:p>
-            <a:r>
-              <a:rPr lang="en-GB" dirty="0"/>
-              <a:t>The ability to set permissions on whiteboards, for example letting a teacher or presenter have control over a whiteboard and students or spectators only being able to view them</a:t>
-            </a:r>
-          </a:p>
-          <a:p>
-            <a:r>
-              <a:rPr lang="en-GB" dirty="0"/>
-              <a:t>Full mobile support</a:t>
-            </a:r>
-          </a:p>
-          <a:p>
-            <a:r>
-              <a:rPr lang="en-GB" dirty="0"/>
-              <a:t>A fully accessible UI (for including anyone with potential learning or visual difficulties)</a:t>
-            </a:r>
-          </a:p>
-        </p:txBody>
-      </p:sp>
-      <p:sp>
-        <p:nvSpPr>
-          <p:cNvPr id="2" name="Slide Number Placeholder 1">
-            <a:extLst>
-              <a:ext uri="{FF2B5EF4-FFF2-40B4-BE49-F238E27FC236}">
-                <a16:creationId xmlns:a16="http://schemas.microsoft.com/office/drawing/2014/main" id="{BE9800F6-D571-48C4-8466-12AA1ADB6599}"/>
-              </a:ext>
-            </a:extLst>
-          </p:cNvPr>
-          <p:cNvSpPr>
-            <a:spLocks noGrp="1"/>
-          </p:cNvSpPr>
-          <p:nvPr>
-            <p:ph type="sldNum" sz="quarter" idx="12"/>
-          </p:nvPr>
-        </p:nvSpPr>
-        <p:spPr/>
-        <p:txBody>
-          <a:bodyPr/>
-          <a:lstStyle/>
-          <a:p>
-            <a:fld id="{C263D6C4-4840-40CC-AC84-17E24B3B7BDE}" type="slidenum">
-              <a:rPr lang="en-US" smtClean="0"/>
-              <a:pPr/>
-              <a:t>14</a:t>
-            </a:fld>
-            <a:endParaRPr lang="en-US" dirty="0"/>
-          </a:p>
-        </p:txBody>
-      </p:sp>
-    </p:spTree>
-    <p:extLst>
-      <p:ext uri="{BB962C8B-B14F-4D97-AF65-F5344CB8AC3E}">
-        <p14:creationId xmlns:p14="http://schemas.microsoft.com/office/powerpoint/2010/main" val="2873016066"/>
       </p:ext>
     </p:extLst>
   </p:cSld>
@@ -26444,6 +26468,167 @@
       </p:grpSpPr>
       <p:sp>
         <p:nvSpPr>
+          <p:cNvPr id="7" name="Title 6">
+            <a:extLst>
+              <a:ext uri="{FF2B5EF4-FFF2-40B4-BE49-F238E27FC236}">
+                <a16:creationId xmlns:a16="http://schemas.microsoft.com/office/drawing/2014/main" id="{7875C19A-1AAE-476A-A316-A2CF92D763D3}"/>
+              </a:ext>
+            </a:extLst>
+          </p:cNvPr>
+          <p:cNvSpPr>
+            <a:spLocks noGrp="1"/>
+          </p:cNvSpPr>
+          <p:nvPr>
+            <p:ph type="title"/>
+          </p:nvPr>
+        </p:nvSpPr>
+        <p:spPr/>
+        <p:txBody>
+          <a:bodyPr/>
+          <a:lstStyle/>
+          <a:p>
+            <a:r>
+              <a:rPr lang="en-US" dirty="0"/>
+              <a:t>Technical documentation</a:t>
+            </a:r>
+          </a:p>
+        </p:txBody>
+      </p:sp>
+      <p:sp>
+        <p:nvSpPr>
+          <p:cNvPr id="10" name="Text Placeholder 9">
+            <a:extLst>
+              <a:ext uri="{FF2B5EF4-FFF2-40B4-BE49-F238E27FC236}">
+                <a16:creationId xmlns:a16="http://schemas.microsoft.com/office/drawing/2014/main" id="{EF2BC084-E6DB-4DE7-B309-042A85EBA700}"/>
+              </a:ext>
+            </a:extLst>
+          </p:cNvPr>
+          <p:cNvSpPr>
+            <a:spLocks noGrp="1"/>
+          </p:cNvSpPr>
+          <p:nvPr>
+            <p:ph type="body" sz="quarter" idx="13"/>
+          </p:nvPr>
+        </p:nvSpPr>
+        <p:spPr/>
+        <p:txBody>
+          <a:bodyPr/>
+          <a:lstStyle/>
+          <a:p>
+            <a:pPr marL="0" indent="0">
+              <a:buNone/>
+            </a:pPr>
+            <a:r>
+              <a:rPr lang="en-US" dirty="0"/>
+              <a:t>Some technical documentation has also been made</a:t>
+            </a:r>
+          </a:p>
+        </p:txBody>
+      </p:sp>
+      <p:sp>
+        <p:nvSpPr>
+          <p:cNvPr id="2" name="Slide Number Placeholder 1">
+            <a:extLst>
+              <a:ext uri="{FF2B5EF4-FFF2-40B4-BE49-F238E27FC236}">
+                <a16:creationId xmlns:a16="http://schemas.microsoft.com/office/drawing/2014/main" id="{BE9800F6-D571-48C4-8466-12AA1ADB6599}"/>
+              </a:ext>
+            </a:extLst>
+          </p:cNvPr>
+          <p:cNvSpPr>
+            <a:spLocks noGrp="1"/>
+          </p:cNvSpPr>
+          <p:nvPr>
+            <p:ph type="sldNum" sz="quarter" idx="12"/>
+          </p:nvPr>
+        </p:nvSpPr>
+        <p:spPr/>
+        <p:txBody>
+          <a:bodyPr/>
+          <a:lstStyle/>
+          <a:p>
+            <a:fld id="{C263D6C4-4840-40CC-AC84-17E24B3B7BDE}" type="slidenum">
+              <a:rPr lang="en-US" smtClean="0"/>
+              <a:pPr/>
+              <a:t>15</a:t>
+            </a:fld>
+            <a:endParaRPr lang="en-US" dirty="0"/>
+          </a:p>
+        </p:txBody>
+      </p:sp>
+      <p:pic>
+        <p:nvPicPr>
+          <p:cNvPr id="5" name="Picture 4">
+            <a:extLst>
+              <a:ext uri="{FF2B5EF4-FFF2-40B4-BE49-F238E27FC236}">
+                <a16:creationId xmlns:a16="http://schemas.microsoft.com/office/drawing/2014/main" id="{71CCA2A3-5AD0-468C-882B-5AD2CF3DF68A}"/>
+              </a:ext>
+            </a:extLst>
+          </p:cNvPr>
+          <p:cNvPicPr>
+            <a:picLocks noChangeAspect="1"/>
+          </p:cNvPicPr>
+          <p:nvPr/>
+        </p:nvPicPr>
+        <p:blipFill>
+          <a:blip r:embed="rId2"/>
+          <a:stretch>
+            <a:fillRect/>
+          </a:stretch>
+        </p:blipFill>
+        <p:spPr>
+          <a:xfrm>
+            <a:off x="533400" y="2144036"/>
+            <a:ext cx="5418572" cy="4353601"/>
+          </a:xfrm>
+          <a:prstGeom prst="rect">
+            <a:avLst/>
+          </a:prstGeom>
+        </p:spPr>
+      </p:pic>
+    </p:spTree>
+    <p:extLst>
+      <p:ext uri="{BB962C8B-B14F-4D97-AF65-F5344CB8AC3E}">
+        <p14:creationId xmlns:p14="http://schemas.microsoft.com/office/powerpoint/2010/main" val="4194559654"/>
+      </p:ext>
+    </p:extLst>
+  </p:cSld>
+  <p:clrMapOvr>
+    <a:masterClrMapping/>
+  </p:clrMapOvr>
+  <mc:AlternateContent xmlns:mc="http://schemas.openxmlformats.org/markup-compatibility/2006">
+    <mc:Choice xmlns:p14="http://schemas.microsoft.com/office/powerpoint/2010/main" Requires="p14">
+      <p:transition spd="med" p14:dur="700">
+        <p:fade/>
+      </p:transition>
+    </mc:Choice>
+    <mc:Fallback>
+      <p:transition spd="med">
+        <p:fade/>
+      </p:transition>
+    </mc:Fallback>
+  </mc:AlternateContent>
+</p:sld>
+</file>
+
+<file path=ppt/slides/slide16.xml><?xml version="1.0" encoding="utf-8"?>
+<p:sld xmlns:a="http://schemas.openxmlformats.org/drawingml/2006/main" xmlns:r="http://schemas.openxmlformats.org/officeDocument/2006/relationships" xmlns:p="http://schemas.openxmlformats.org/presentationml/2006/main">
+  <p:cSld>
+    <p:spTree>
+      <p:nvGrpSpPr>
+        <p:cNvPr id="1" name=""/>
+        <p:cNvGrpSpPr/>
+        <p:nvPr/>
+      </p:nvGrpSpPr>
+      <p:grpSpPr>
+        <a:xfrm>
+          <a:off x="0" y="0"/>
+          <a:ext cx="0" cy="0"/>
+          <a:chOff x="0" y="0"/>
+          <a:chExt cx="0" cy="0"/>
+        </a:xfrm>
+      </p:grpSpPr>
+      <p:sp>
+        <p:nvSpPr>
           <p:cNvPr id="2" name="Title 1">
             <a:extLst>
               <a:ext uri="{FF2B5EF4-FFF2-40B4-BE49-F238E27FC236}">
@@ -26487,7 +26672,7 @@
 </p:sld>
 </file>
 
-<file path=ppt/slides/slide16.xml><?xml version="1.0" encoding="utf-8"?>
+<file path=ppt/slides/slide17.xml><?xml version="1.0" encoding="utf-8"?>
 <p:sld xmlns:a="http://schemas.openxmlformats.org/drawingml/2006/main" xmlns:r="http://schemas.openxmlformats.org/officeDocument/2006/relationships" xmlns:p="http://schemas.openxmlformats.org/presentationml/2006/main">
   <p:cSld>
     <p:spTree>
@@ -26554,794 +26739,6 @@
 </p:sld>
 </file>
 
-<file path=ppt/slides/slide17.xml><?xml version="1.0" encoding="utf-8"?>
-<p:sld xmlns:a="http://schemas.openxmlformats.org/drawingml/2006/main" xmlns:r="http://schemas.openxmlformats.org/officeDocument/2006/relationships" xmlns:p="http://schemas.openxmlformats.org/presentationml/2006/main">
-  <p:cSld>
-    <p:spTree>
-      <p:nvGrpSpPr>
-        <p:cNvPr id="1" name=""/>
-        <p:cNvGrpSpPr/>
-        <p:nvPr/>
-      </p:nvGrpSpPr>
-      <p:grpSpPr>
-        <a:xfrm>
-          <a:off x="0" y="0"/>
-          <a:ext cx="0" cy="0"/>
-          <a:chOff x="0" y="0"/>
-          <a:chExt cx="0" cy="0"/>
-        </a:xfrm>
-      </p:grpSpPr>
-      <p:sp>
-        <p:nvSpPr>
-          <p:cNvPr id="7" name="Title 6">
-            <a:extLst>
-              <a:ext uri="{FF2B5EF4-FFF2-40B4-BE49-F238E27FC236}">
-                <a16:creationId xmlns:a16="http://schemas.microsoft.com/office/drawing/2014/main" id="{7875C19A-1AAE-476A-A316-A2CF92D763D3}"/>
-              </a:ext>
-            </a:extLst>
-          </p:cNvPr>
-          <p:cNvSpPr>
-            <a:spLocks noGrp="1"/>
-          </p:cNvSpPr>
-          <p:nvPr>
-            <p:ph type="title"/>
-          </p:nvPr>
-        </p:nvSpPr>
-        <p:spPr/>
-        <p:txBody>
-          <a:bodyPr/>
-          <a:lstStyle/>
-          <a:p>
-            <a:r>
-              <a:rPr lang="en-US" dirty="0"/>
-              <a:t>Content Title 01</a:t>
-            </a:r>
-          </a:p>
-        </p:txBody>
-      </p:sp>
-      <p:sp>
-        <p:nvSpPr>
-          <p:cNvPr id="10" name="Text Placeholder 9">
-            <a:extLst>
-              <a:ext uri="{FF2B5EF4-FFF2-40B4-BE49-F238E27FC236}">
-                <a16:creationId xmlns:a16="http://schemas.microsoft.com/office/drawing/2014/main" id="{EF2BC084-E6DB-4DE7-B309-042A85EBA700}"/>
-              </a:ext>
-            </a:extLst>
-          </p:cNvPr>
-          <p:cNvSpPr>
-            <a:spLocks noGrp="1"/>
-          </p:cNvSpPr>
-          <p:nvPr>
-            <p:ph type="body" sz="quarter" idx="13"/>
-          </p:nvPr>
-        </p:nvSpPr>
-        <p:spPr/>
-        <p:txBody>
-          <a:bodyPr/>
-          <a:lstStyle/>
-          <a:p>
-            <a:r>
-              <a:rPr lang="en-US" dirty="0"/>
-              <a:t>Lorem ipsum dolor sit amet, consectetuer adipiscing elit. Maecenas porttitor congue massa. Fusce posuere, magna sed pulvinar ultricies, purus lectus malesuada libero, sit amet commodo magna eros quis urna.</a:t>
-            </a:r>
-          </a:p>
-          <a:p>
-            <a:r>
-              <a:rPr lang="en-US" dirty="0"/>
-              <a:t>Nunc viverra imperdiet enim. Fusce est. Vivamus a tellus.</a:t>
-            </a:r>
-          </a:p>
-          <a:p>
-            <a:r>
-              <a:rPr lang="en-US" dirty="0"/>
-              <a:t>Pellentesque habitant morbi tristique senectus et netus et malesuada fames ac turpis egestas. Proin pharetra nonummy pede. Mauris et orci.</a:t>
-            </a:r>
-          </a:p>
-        </p:txBody>
-      </p:sp>
-      <p:sp>
-        <p:nvSpPr>
-          <p:cNvPr id="2" name="Slide Number Placeholder 1">
-            <a:extLst>
-              <a:ext uri="{FF2B5EF4-FFF2-40B4-BE49-F238E27FC236}">
-                <a16:creationId xmlns:a16="http://schemas.microsoft.com/office/drawing/2014/main" id="{BE9800F6-D571-48C4-8466-12AA1ADB6599}"/>
-              </a:ext>
-            </a:extLst>
-          </p:cNvPr>
-          <p:cNvSpPr>
-            <a:spLocks noGrp="1"/>
-          </p:cNvSpPr>
-          <p:nvPr>
-            <p:ph type="sldNum" sz="quarter" idx="12"/>
-          </p:nvPr>
-        </p:nvSpPr>
-        <p:spPr/>
-        <p:txBody>
-          <a:bodyPr/>
-          <a:lstStyle/>
-          <a:p>
-            <a:fld id="{C263D6C4-4840-40CC-AC84-17E24B3B7BDE}" type="slidenum">
-              <a:rPr lang="en-US" smtClean="0"/>
-              <a:pPr/>
-              <a:t>17</a:t>
-            </a:fld>
-            <a:endParaRPr lang="en-US" dirty="0"/>
-          </a:p>
-        </p:txBody>
-      </p:sp>
-    </p:spTree>
-    <p:extLst>
-      <p:ext uri="{BB962C8B-B14F-4D97-AF65-F5344CB8AC3E}">
-        <p14:creationId xmlns:p14="http://schemas.microsoft.com/office/powerpoint/2010/main" val="3733486012"/>
-      </p:ext>
-    </p:extLst>
-  </p:cSld>
-  <p:clrMapOvr>
-    <a:masterClrMapping/>
-  </p:clrMapOvr>
-  <mc:AlternateContent xmlns:mc="http://schemas.openxmlformats.org/markup-compatibility/2006" xmlns:p14="http://schemas.microsoft.com/office/powerpoint/2010/main">
-    <mc:Choice Requires="p14">
-      <p:transition spd="med" p14:dur="700">
-        <p:fade/>
-      </p:transition>
-    </mc:Choice>
-    <mc:Fallback xmlns="">
-      <p:transition spd="med">
-        <p:fade/>
-      </p:transition>
-    </mc:Fallback>
-  </mc:AlternateContent>
-</p:sld>
-</file>
-
-<file path=ppt/slides/slide18.xml><?xml version="1.0" encoding="utf-8"?>
-<p:sld xmlns:a="http://schemas.openxmlformats.org/drawingml/2006/main" xmlns:r="http://schemas.openxmlformats.org/officeDocument/2006/relationships" xmlns:p="http://schemas.openxmlformats.org/presentationml/2006/main">
-  <p:cSld>
-    <p:spTree>
-      <p:nvGrpSpPr>
-        <p:cNvPr id="1" name=""/>
-        <p:cNvGrpSpPr/>
-        <p:nvPr/>
-      </p:nvGrpSpPr>
-      <p:grpSpPr>
-        <a:xfrm>
-          <a:off x="0" y="0"/>
-          <a:ext cx="0" cy="0"/>
-          <a:chOff x="0" y="0"/>
-          <a:chExt cx="0" cy="0"/>
-        </a:xfrm>
-      </p:grpSpPr>
-      <p:sp>
-        <p:nvSpPr>
-          <p:cNvPr id="4" name="Title 3">
-            <a:extLst>
-              <a:ext uri="{FF2B5EF4-FFF2-40B4-BE49-F238E27FC236}">
-                <a16:creationId xmlns:a16="http://schemas.microsoft.com/office/drawing/2014/main" id="{315E3981-F0D7-482C-A8E0-6A57700BECA7}"/>
-              </a:ext>
-            </a:extLst>
-          </p:cNvPr>
-          <p:cNvSpPr>
-            <a:spLocks noGrp="1"/>
-          </p:cNvSpPr>
-          <p:nvPr>
-            <p:ph type="title"/>
-          </p:nvPr>
-        </p:nvSpPr>
-        <p:spPr/>
-        <p:txBody>
-          <a:bodyPr/>
-          <a:lstStyle/>
-          <a:p>
-            <a:r>
-              <a:rPr lang="en-US" dirty="0"/>
-              <a:t>Content Title 02</a:t>
-            </a:r>
-          </a:p>
-        </p:txBody>
-      </p:sp>
-      <p:sp>
-        <p:nvSpPr>
-          <p:cNvPr id="2" name="Slide Number Placeholder 1">
-            <a:extLst>
-              <a:ext uri="{FF2B5EF4-FFF2-40B4-BE49-F238E27FC236}">
-                <a16:creationId xmlns:a16="http://schemas.microsoft.com/office/drawing/2014/main" id="{520FC4EE-F318-4344-9E3C-B950ADB63865}"/>
-              </a:ext>
-            </a:extLst>
-          </p:cNvPr>
-          <p:cNvSpPr>
-            <a:spLocks noGrp="1"/>
-          </p:cNvSpPr>
-          <p:nvPr>
-            <p:ph type="sldNum" sz="quarter" idx="12"/>
-          </p:nvPr>
-        </p:nvSpPr>
-        <p:spPr/>
-        <p:txBody>
-          <a:bodyPr/>
-          <a:lstStyle/>
-          <a:p>
-            <a:fld id="{C263D6C4-4840-40CC-AC84-17E24B3B7BDE}" type="slidenum">
-              <a:rPr lang="en-US" smtClean="0"/>
-              <a:pPr/>
-              <a:t>18</a:t>
-            </a:fld>
-            <a:endParaRPr lang="en-US" dirty="0"/>
-          </a:p>
-        </p:txBody>
-      </p:sp>
-      <p:sp>
-        <p:nvSpPr>
-          <p:cNvPr id="7" name="Text Placeholder 6">
-            <a:extLst>
-              <a:ext uri="{FF2B5EF4-FFF2-40B4-BE49-F238E27FC236}">
-                <a16:creationId xmlns:a16="http://schemas.microsoft.com/office/drawing/2014/main" id="{B74126B4-1E6C-4FFF-9282-40E18A85A07F}"/>
-              </a:ext>
-            </a:extLst>
-          </p:cNvPr>
-          <p:cNvSpPr>
-            <a:spLocks noGrp="1"/>
-          </p:cNvSpPr>
-          <p:nvPr>
-            <p:ph type="body" sz="quarter" idx="1"/>
-          </p:nvPr>
-        </p:nvSpPr>
-        <p:spPr/>
-        <p:txBody>
-          <a:bodyPr/>
-          <a:lstStyle/>
-          <a:p>
-            <a:r>
-              <a:rPr lang="en-US" dirty="0"/>
-              <a:t>Lorem ipsum dolor sit amet</a:t>
-            </a:r>
-          </a:p>
-        </p:txBody>
-      </p:sp>
-      <p:sp>
-        <p:nvSpPr>
-          <p:cNvPr id="5" name="Text Placeholder 4">
-            <a:extLst>
-              <a:ext uri="{FF2B5EF4-FFF2-40B4-BE49-F238E27FC236}">
-                <a16:creationId xmlns:a16="http://schemas.microsoft.com/office/drawing/2014/main" id="{E0C87788-476B-4620-8002-A5C1177AD6C1}"/>
-              </a:ext>
-            </a:extLst>
-          </p:cNvPr>
-          <p:cNvSpPr>
-            <a:spLocks noGrp="1"/>
-          </p:cNvSpPr>
-          <p:nvPr>
-            <p:ph type="body" sz="quarter" idx="3"/>
-          </p:nvPr>
-        </p:nvSpPr>
-        <p:spPr/>
-        <p:txBody>
-          <a:bodyPr/>
-          <a:lstStyle/>
-          <a:p>
-            <a:r>
-              <a:rPr lang="en-US" dirty="0"/>
-              <a:t>Lorem ipsum dolor sit amet</a:t>
-            </a:r>
-          </a:p>
-        </p:txBody>
-      </p:sp>
-      <p:sp>
-        <p:nvSpPr>
-          <p:cNvPr id="8" name="Text Placeholder 7">
-            <a:extLst>
-              <a:ext uri="{FF2B5EF4-FFF2-40B4-BE49-F238E27FC236}">
-                <a16:creationId xmlns:a16="http://schemas.microsoft.com/office/drawing/2014/main" id="{47DC4E62-1A34-4F98-A451-214F1808519C}"/>
-              </a:ext>
-            </a:extLst>
-          </p:cNvPr>
-          <p:cNvSpPr>
-            <a:spLocks noGrp="1"/>
-          </p:cNvSpPr>
-          <p:nvPr>
-            <p:ph type="body" sz="quarter" idx="2"/>
-          </p:nvPr>
-        </p:nvSpPr>
-        <p:spPr/>
-        <p:txBody>
-          <a:bodyPr/>
-          <a:lstStyle/>
-          <a:p>
-            <a:r>
-              <a:rPr lang="en-US" dirty="0"/>
-              <a:t>Lorem ipsum dolor sit amet, consectetuer adipiscing elit. Maecenas porttitor congue massa. Fusce posuere, magna sed pulvinar ultricies, purus lectus malesuada libero, sit amet commodo magna eros quis urna. Nunc viverra imperdiet enim. Fusce est. Vivamus a tellus.</a:t>
-            </a:r>
-          </a:p>
-          <a:p>
-            <a:r>
-              <a:rPr lang="en-US" dirty="0"/>
-              <a:t>Pellentesque habitant morbi tristique senectus et netus et malesuada fames ac turpis egestas. Proin pharetra nonummy pede. Mauris et orci.</a:t>
-            </a:r>
-          </a:p>
-          <a:p>
-            <a:endParaRPr lang="en-US" dirty="0"/>
-          </a:p>
-          <a:p>
-            <a:endParaRPr lang="en-US" dirty="0"/>
-          </a:p>
-        </p:txBody>
-      </p:sp>
-      <p:sp>
-        <p:nvSpPr>
-          <p:cNvPr id="6" name="Text Placeholder 5">
-            <a:extLst>
-              <a:ext uri="{FF2B5EF4-FFF2-40B4-BE49-F238E27FC236}">
-                <a16:creationId xmlns:a16="http://schemas.microsoft.com/office/drawing/2014/main" id="{000A9570-5EF6-4AFB-9FCA-7C8998E3FEB1}"/>
-              </a:ext>
-            </a:extLst>
-          </p:cNvPr>
-          <p:cNvSpPr>
-            <a:spLocks noGrp="1"/>
-          </p:cNvSpPr>
-          <p:nvPr>
-            <p:ph type="body" sz="quarter" idx="4"/>
-          </p:nvPr>
-        </p:nvSpPr>
-        <p:spPr/>
-        <p:txBody>
-          <a:bodyPr/>
-          <a:lstStyle/>
-          <a:p>
-            <a:r>
-              <a:rPr lang="en-US" dirty="0"/>
-              <a:t>Lorem ipsum dolor sit amet, consectetuer adipiscing elit. Maecenas porttitor congue massa. Fusce posuere, magna sed pulvinar ultricies, purus lectus malesuada libero, sit amet commodo magna eros quis urna. Nunc viverra imperdiet enim. Fusce est. Vivamus a tellus.</a:t>
-            </a:r>
-          </a:p>
-          <a:p>
-            <a:r>
-              <a:rPr lang="en-US" dirty="0"/>
-              <a:t>Pellentesque habitant morbi tristique senectus et netus et malesuada fames ac turpis egestas. Proin pharetra nonummy pede. Mauris et orci.</a:t>
-            </a:r>
-          </a:p>
-          <a:p>
-            <a:endParaRPr lang="en-US" dirty="0"/>
-          </a:p>
-        </p:txBody>
-      </p:sp>
-    </p:spTree>
-    <p:extLst>
-      <p:ext uri="{BB962C8B-B14F-4D97-AF65-F5344CB8AC3E}">
-        <p14:creationId xmlns:p14="http://schemas.microsoft.com/office/powerpoint/2010/main" val="3607270498"/>
-      </p:ext>
-    </p:extLst>
-  </p:cSld>
-  <p:clrMapOvr>
-    <a:masterClrMapping/>
-  </p:clrMapOvr>
-  <mc:AlternateContent xmlns:mc="http://schemas.openxmlformats.org/markup-compatibility/2006" xmlns:p14="http://schemas.microsoft.com/office/powerpoint/2010/main">
-    <mc:Choice Requires="p14">
-      <p:transition spd="med" p14:dur="700">
-        <p:fade/>
-      </p:transition>
-    </mc:Choice>
-    <mc:Fallback xmlns="">
-      <p:transition spd="med">
-        <p:fade/>
-      </p:transition>
-    </mc:Fallback>
-  </mc:AlternateContent>
-</p:sld>
-</file>
-
-<file path=ppt/slides/slide19.xml><?xml version="1.0" encoding="utf-8"?>
-<p:sld xmlns:a="http://schemas.openxmlformats.org/drawingml/2006/main" xmlns:r="http://schemas.openxmlformats.org/officeDocument/2006/relationships" xmlns:p="http://schemas.openxmlformats.org/presentationml/2006/main">
-  <p:cSld>
-    <p:spTree>
-      <p:nvGrpSpPr>
-        <p:cNvPr id="1" name=""/>
-        <p:cNvGrpSpPr/>
-        <p:nvPr/>
-      </p:nvGrpSpPr>
-      <p:grpSpPr>
-        <a:xfrm>
-          <a:off x="0" y="0"/>
-          <a:ext cx="0" cy="0"/>
-          <a:chOff x="0" y="0"/>
-          <a:chExt cx="0" cy="0"/>
-        </a:xfrm>
-      </p:grpSpPr>
-      <p:sp>
-        <p:nvSpPr>
-          <p:cNvPr id="4" name="Title 3">
-            <a:extLst>
-              <a:ext uri="{FF2B5EF4-FFF2-40B4-BE49-F238E27FC236}">
-                <a16:creationId xmlns:a16="http://schemas.microsoft.com/office/drawing/2014/main" id="{315E3981-F0D7-482C-A8E0-6A57700BECA7}"/>
-              </a:ext>
-            </a:extLst>
-          </p:cNvPr>
-          <p:cNvSpPr>
-            <a:spLocks noGrp="1"/>
-          </p:cNvSpPr>
-          <p:nvPr>
-            <p:ph type="title"/>
-          </p:nvPr>
-        </p:nvSpPr>
-        <p:spPr/>
-        <p:txBody>
-          <a:bodyPr/>
-          <a:lstStyle/>
-          <a:p>
-            <a:r>
-              <a:rPr lang="en-US" dirty="0"/>
-              <a:t>Content Title</a:t>
-            </a:r>
-          </a:p>
-        </p:txBody>
-      </p:sp>
-      <p:pic>
-        <p:nvPicPr>
-          <p:cNvPr id="25" name="Picture Placeholder 24" descr="Bar chart">
-            <a:extLst>
-              <a:ext uri="{FF2B5EF4-FFF2-40B4-BE49-F238E27FC236}">
-                <a16:creationId xmlns:a16="http://schemas.microsoft.com/office/drawing/2014/main" id="{C03AAFA7-022A-47F8-9DA1-7DC3897D1E52}"/>
-              </a:ext>
-            </a:extLst>
-          </p:cNvPr>
-          <p:cNvPicPr>
-            <a:picLocks noGrp="1" noChangeAspect="1"/>
-          </p:cNvPicPr>
-          <p:nvPr>
-            <p:ph type="pic" sz="quarter" idx="13"/>
-          </p:nvPr>
-        </p:nvPicPr>
-        <p:blipFill>
-          <a:blip r:embed="rId2">
-            <a:extLst>
-              <a:ext uri="{28A0092B-C50C-407E-A947-70E740481C1C}">
-                <a14:useLocalDpi xmlns:a14="http://schemas.microsoft.com/office/drawing/2010/main"/>
-              </a:ext>
-              <a:ext uri="{96DAC541-7B7A-43D3-8B79-37D633B846F1}">
-                <asvg:svgBlip xmlns:asvg="http://schemas.microsoft.com/office/drawing/2016/SVG/main" r:embed="rId3"/>
-              </a:ext>
-            </a:extLst>
-          </a:blip>
-          <a:srcRect t="63" b="63"/>
-          <a:stretch>
-            <a:fillRect/>
-          </a:stretch>
-        </p:blipFill>
-        <p:spPr>
-          <a:xfrm>
-            <a:off x="978212" y="2096716"/>
-            <a:ext cx="1259505" cy="1259505"/>
-          </a:xfrm>
-        </p:spPr>
-      </p:pic>
-      <p:sp>
-        <p:nvSpPr>
-          <p:cNvPr id="19" name="Text Placeholder 18">
-            <a:extLst>
-              <a:ext uri="{FF2B5EF4-FFF2-40B4-BE49-F238E27FC236}">
-                <a16:creationId xmlns:a16="http://schemas.microsoft.com/office/drawing/2014/main" id="{782206B1-586F-4254-9B36-D06C4E294ACF}"/>
-              </a:ext>
-            </a:extLst>
-          </p:cNvPr>
-          <p:cNvSpPr>
-            <a:spLocks noGrp="1"/>
-          </p:cNvSpPr>
-          <p:nvPr>
-            <p:ph type="body" sz="quarter" idx="18"/>
-          </p:nvPr>
-        </p:nvSpPr>
-        <p:spPr/>
-        <p:txBody>
-          <a:bodyPr/>
-          <a:lstStyle/>
-          <a:p>
-            <a:r>
-              <a:rPr lang="en-US" dirty="0"/>
-              <a:t>Caption01 appears here</a:t>
-            </a:r>
-          </a:p>
-        </p:txBody>
-      </p:sp>
-      <p:pic>
-        <p:nvPicPr>
-          <p:cNvPr id="27" name="Picture Placeholder 26" descr="Clock">
-            <a:extLst>
-              <a:ext uri="{FF2B5EF4-FFF2-40B4-BE49-F238E27FC236}">
-                <a16:creationId xmlns:a16="http://schemas.microsoft.com/office/drawing/2014/main" id="{6F737161-FE67-434D-A781-59EDB9EDCB23}"/>
-              </a:ext>
-            </a:extLst>
-          </p:cNvPr>
-          <p:cNvPicPr>
-            <a:picLocks noGrp="1" noChangeAspect="1"/>
-          </p:cNvPicPr>
-          <p:nvPr>
-            <p:ph type="pic" sz="quarter" idx="14"/>
-          </p:nvPr>
-        </p:nvPicPr>
-        <p:blipFill>
-          <a:blip r:embed="rId4">
-            <a:extLst>
-              <a:ext uri="{28A0092B-C50C-407E-A947-70E740481C1C}">
-                <a14:useLocalDpi xmlns:a14="http://schemas.microsoft.com/office/drawing/2010/main"/>
-              </a:ext>
-              <a:ext uri="{96DAC541-7B7A-43D3-8B79-37D633B846F1}">
-                <asvg:svgBlip xmlns:asvg="http://schemas.microsoft.com/office/drawing/2016/SVG/main" r:embed="rId5"/>
-              </a:ext>
-            </a:extLst>
-          </a:blip>
-          <a:srcRect/>
-          <a:stretch>
-            <a:fillRect/>
-          </a:stretch>
-        </p:blipFill>
-        <p:spPr/>
-      </p:pic>
-      <p:sp>
-        <p:nvSpPr>
-          <p:cNvPr id="20" name="Text Placeholder 19">
-            <a:extLst>
-              <a:ext uri="{FF2B5EF4-FFF2-40B4-BE49-F238E27FC236}">
-                <a16:creationId xmlns:a16="http://schemas.microsoft.com/office/drawing/2014/main" id="{CB924A29-3538-4A3F-82A6-D2A7538C2111}"/>
-              </a:ext>
-            </a:extLst>
-          </p:cNvPr>
-          <p:cNvSpPr>
-            <a:spLocks noGrp="1"/>
-          </p:cNvSpPr>
-          <p:nvPr>
-            <p:ph type="body" sz="quarter" idx="19"/>
-          </p:nvPr>
-        </p:nvSpPr>
-        <p:spPr/>
-        <p:txBody>
-          <a:bodyPr/>
-          <a:lstStyle/>
-          <a:p>
-            <a:r>
-              <a:rPr lang="en-US" dirty="0"/>
-              <a:t>Caption02 appears here</a:t>
-            </a:r>
-          </a:p>
-        </p:txBody>
-      </p:sp>
-      <p:pic>
-        <p:nvPicPr>
-          <p:cNvPr id="29" name="Picture Placeholder 28" descr="Microscope">
-            <a:extLst>
-              <a:ext uri="{FF2B5EF4-FFF2-40B4-BE49-F238E27FC236}">
-                <a16:creationId xmlns:a16="http://schemas.microsoft.com/office/drawing/2014/main" id="{9E5BF01B-21D6-4D43-9CAE-0298685C1A7B}"/>
-              </a:ext>
-            </a:extLst>
-          </p:cNvPr>
-          <p:cNvPicPr>
-            <a:picLocks noGrp="1" noChangeAspect="1"/>
-          </p:cNvPicPr>
-          <p:nvPr>
-            <p:ph type="pic" sz="quarter" idx="15"/>
-          </p:nvPr>
-        </p:nvPicPr>
-        <p:blipFill>
-          <a:blip r:embed="rId6">
-            <a:extLst>
-              <a:ext uri="{28A0092B-C50C-407E-A947-70E740481C1C}">
-                <a14:useLocalDpi xmlns:a14="http://schemas.microsoft.com/office/drawing/2010/main"/>
-              </a:ext>
-              <a:ext uri="{96DAC541-7B7A-43D3-8B79-37D633B846F1}">
-                <asvg:svgBlip xmlns:asvg="http://schemas.microsoft.com/office/drawing/2016/SVG/main" r:embed="rId7"/>
-              </a:ext>
-            </a:extLst>
-          </a:blip>
-          <a:srcRect t="63" b="63"/>
-          <a:stretch>
-            <a:fillRect/>
-          </a:stretch>
-        </p:blipFill>
-        <p:spPr/>
-      </p:pic>
-      <p:sp>
-        <p:nvSpPr>
-          <p:cNvPr id="21" name="Text Placeholder 20">
-            <a:extLst>
-              <a:ext uri="{FF2B5EF4-FFF2-40B4-BE49-F238E27FC236}">
-                <a16:creationId xmlns:a16="http://schemas.microsoft.com/office/drawing/2014/main" id="{1B8F0371-4F69-4131-91BF-9AB99E6EE89B}"/>
-              </a:ext>
-            </a:extLst>
-          </p:cNvPr>
-          <p:cNvSpPr>
-            <a:spLocks noGrp="1"/>
-          </p:cNvSpPr>
-          <p:nvPr>
-            <p:ph type="body" sz="quarter" idx="20"/>
-          </p:nvPr>
-        </p:nvSpPr>
-        <p:spPr/>
-        <p:txBody>
-          <a:bodyPr/>
-          <a:lstStyle/>
-          <a:p>
-            <a:r>
-              <a:rPr lang="en-US" dirty="0"/>
-              <a:t>Caption03 appears here</a:t>
-            </a:r>
-          </a:p>
-        </p:txBody>
-      </p:sp>
-      <p:pic>
-        <p:nvPicPr>
-          <p:cNvPr id="31" name="Picture Placeholder 30" descr="Magnifying glass">
-            <a:extLst>
-              <a:ext uri="{FF2B5EF4-FFF2-40B4-BE49-F238E27FC236}">
-                <a16:creationId xmlns:a16="http://schemas.microsoft.com/office/drawing/2014/main" id="{089E8AB6-C16E-4752-810F-8F98DB929DB5}"/>
-              </a:ext>
-            </a:extLst>
-          </p:cNvPr>
-          <p:cNvPicPr>
-            <a:picLocks noGrp="1" noChangeAspect="1"/>
-          </p:cNvPicPr>
-          <p:nvPr>
-            <p:ph type="pic" sz="quarter" idx="16"/>
-          </p:nvPr>
-        </p:nvPicPr>
-        <p:blipFill>
-          <a:blip r:embed="rId8">
-            <a:extLst>
-              <a:ext uri="{28A0092B-C50C-407E-A947-70E740481C1C}">
-                <a14:useLocalDpi xmlns:a14="http://schemas.microsoft.com/office/drawing/2010/main"/>
-              </a:ext>
-              <a:ext uri="{96DAC541-7B7A-43D3-8B79-37D633B846F1}">
-                <asvg:svgBlip xmlns:asvg="http://schemas.microsoft.com/office/drawing/2016/SVG/main" r:embed="rId9"/>
-              </a:ext>
-            </a:extLst>
-          </a:blip>
-          <a:srcRect/>
-          <a:stretch>
-            <a:fillRect/>
-          </a:stretch>
-        </p:blipFill>
-        <p:spPr/>
-      </p:pic>
-      <p:sp>
-        <p:nvSpPr>
-          <p:cNvPr id="22" name="Text Placeholder 21">
-            <a:extLst>
-              <a:ext uri="{FF2B5EF4-FFF2-40B4-BE49-F238E27FC236}">
-                <a16:creationId xmlns:a16="http://schemas.microsoft.com/office/drawing/2014/main" id="{78CACAF1-61EA-4605-A8FE-2EEE752B49FF}"/>
-              </a:ext>
-            </a:extLst>
-          </p:cNvPr>
-          <p:cNvSpPr>
-            <a:spLocks noGrp="1"/>
-          </p:cNvSpPr>
-          <p:nvPr>
-            <p:ph type="body" sz="quarter" idx="21"/>
-          </p:nvPr>
-        </p:nvSpPr>
-        <p:spPr/>
-        <p:txBody>
-          <a:bodyPr/>
-          <a:lstStyle/>
-          <a:p>
-            <a:r>
-              <a:rPr lang="en-US" dirty="0"/>
-              <a:t>Caption04 appears here</a:t>
-            </a:r>
-          </a:p>
-        </p:txBody>
-      </p:sp>
-      <p:pic>
-        <p:nvPicPr>
-          <p:cNvPr id="33" name="Picture Placeholder 32" descr="Head with Gears">
-            <a:extLst>
-              <a:ext uri="{FF2B5EF4-FFF2-40B4-BE49-F238E27FC236}">
-                <a16:creationId xmlns:a16="http://schemas.microsoft.com/office/drawing/2014/main" id="{CC9DBBE5-5AD0-41E8-A719-84509E5D9F9E}"/>
-              </a:ext>
-            </a:extLst>
-          </p:cNvPr>
-          <p:cNvPicPr>
-            <a:picLocks noGrp="1" noChangeAspect="1"/>
-          </p:cNvPicPr>
-          <p:nvPr>
-            <p:ph type="pic" sz="quarter" idx="17"/>
-          </p:nvPr>
-        </p:nvPicPr>
-        <p:blipFill>
-          <a:blip r:embed="rId10">
-            <a:extLst>
-              <a:ext uri="{28A0092B-C50C-407E-A947-70E740481C1C}">
-                <a14:useLocalDpi xmlns:a14="http://schemas.microsoft.com/office/drawing/2010/main"/>
-              </a:ext>
-              <a:ext uri="{96DAC541-7B7A-43D3-8B79-37D633B846F1}">
-                <asvg:svgBlip xmlns:asvg="http://schemas.microsoft.com/office/drawing/2016/SVG/main" r:embed="rId11"/>
-              </a:ext>
-            </a:extLst>
-          </a:blip>
-          <a:srcRect t="63" b="63"/>
-          <a:stretch>
-            <a:fillRect/>
-          </a:stretch>
-        </p:blipFill>
-        <p:spPr/>
-      </p:pic>
-      <p:sp>
-        <p:nvSpPr>
-          <p:cNvPr id="23" name="Text Placeholder 22">
-            <a:extLst>
-              <a:ext uri="{FF2B5EF4-FFF2-40B4-BE49-F238E27FC236}">
-                <a16:creationId xmlns:a16="http://schemas.microsoft.com/office/drawing/2014/main" id="{8D05A34F-7712-46DB-AB5B-272E294B62EE}"/>
-              </a:ext>
-            </a:extLst>
-          </p:cNvPr>
-          <p:cNvSpPr>
-            <a:spLocks noGrp="1"/>
-          </p:cNvSpPr>
-          <p:nvPr>
-            <p:ph type="body" sz="quarter" idx="22"/>
-          </p:nvPr>
-        </p:nvSpPr>
-        <p:spPr/>
-        <p:txBody>
-          <a:bodyPr/>
-          <a:lstStyle/>
-          <a:p>
-            <a:r>
-              <a:rPr lang="en-US" dirty="0"/>
-              <a:t>Caption05 appears here</a:t>
-            </a:r>
-          </a:p>
-        </p:txBody>
-      </p:sp>
-      <p:sp>
-        <p:nvSpPr>
-          <p:cNvPr id="2" name="Slide Number Placeholder 1">
-            <a:extLst>
-              <a:ext uri="{FF2B5EF4-FFF2-40B4-BE49-F238E27FC236}">
-                <a16:creationId xmlns:a16="http://schemas.microsoft.com/office/drawing/2014/main" id="{CC1F11E7-EDE5-4119-BA64-4FC57C285D19}"/>
-              </a:ext>
-            </a:extLst>
-          </p:cNvPr>
-          <p:cNvSpPr>
-            <a:spLocks noGrp="1"/>
-          </p:cNvSpPr>
-          <p:nvPr>
-            <p:ph type="sldNum" sz="quarter" idx="12"/>
-          </p:nvPr>
-        </p:nvSpPr>
-        <p:spPr/>
-        <p:txBody>
-          <a:bodyPr/>
-          <a:lstStyle/>
-          <a:p>
-            <a:fld id="{C263D6C4-4840-40CC-AC84-17E24B3B7BDE}" type="slidenum">
-              <a:rPr lang="en-US" smtClean="0"/>
-              <a:pPr/>
-              <a:t>19</a:t>
-            </a:fld>
-            <a:endParaRPr lang="en-US" dirty="0"/>
-          </a:p>
-        </p:txBody>
-      </p:sp>
-    </p:spTree>
-    <p:extLst>
-      <p:ext uri="{BB962C8B-B14F-4D97-AF65-F5344CB8AC3E}">
-        <p14:creationId xmlns:p14="http://schemas.microsoft.com/office/powerpoint/2010/main" val="3892131414"/>
-      </p:ext>
-    </p:extLst>
-  </p:cSld>
-  <p:clrMapOvr>
-    <a:masterClrMapping/>
-  </p:clrMapOvr>
-  <mc:AlternateContent xmlns:mc="http://schemas.openxmlformats.org/markup-compatibility/2006" xmlns:p14="http://schemas.microsoft.com/office/powerpoint/2010/main">
-    <mc:Choice Requires="p14">
-      <p:transition spd="med" p14:dur="700">
-        <p:fade/>
-      </p:transition>
-    </mc:Choice>
-    <mc:Fallback xmlns="">
-      <p:transition spd="med">
-        <p:fade/>
-      </p:transition>
-    </mc:Fallback>
-  </mc:AlternateContent>
-</p:sld>
-</file>
-
 <file path=ppt/slides/slide2.xml><?xml version="1.0" encoding="utf-8"?>
 <p:sld xmlns:a="http://schemas.openxmlformats.org/drawingml/2006/main" xmlns:r="http://schemas.openxmlformats.org/officeDocument/2006/relationships" xmlns:p="http://schemas.openxmlformats.org/presentationml/2006/main">
   <p:cSld>
@@ -27446,2430 +26843,6 @@
     <p:extLst>
       <p:ext uri="{BB962C8B-B14F-4D97-AF65-F5344CB8AC3E}">
         <p14:creationId xmlns:p14="http://schemas.microsoft.com/office/powerpoint/2010/main" val="2902794312"/>
-      </p:ext>
-    </p:extLst>
-  </p:cSld>
-  <p:clrMapOvr>
-    <a:masterClrMapping/>
-  </p:clrMapOvr>
-  <mc:AlternateContent xmlns:mc="http://schemas.openxmlformats.org/markup-compatibility/2006" xmlns:p14="http://schemas.microsoft.com/office/powerpoint/2010/main">
-    <mc:Choice Requires="p14">
-      <p:transition spd="med" p14:dur="700">
-        <p:fade/>
-      </p:transition>
-    </mc:Choice>
-    <mc:Fallback xmlns="">
-      <p:transition spd="med">
-        <p:fade/>
-      </p:transition>
-    </mc:Fallback>
-  </mc:AlternateContent>
-</p:sld>
-</file>
-
-<file path=ppt/slides/slide20.xml><?xml version="1.0" encoding="utf-8"?>
-<p:sld xmlns:a="http://schemas.openxmlformats.org/drawingml/2006/main" xmlns:r="http://schemas.openxmlformats.org/officeDocument/2006/relationships" xmlns:p="http://schemas.openxmlformats.org/presentationml/2006/main">
-  <p:cSld>
-    <p:spTree>
-      <p:nvGrpSpPr>
-        <p:cNvPr id="1" name=""/>
-        <p:cNvGrpSpPr/>
-        <p:nvPr/>
-      </p:nvGrpSpPr>
-      <p:grpSpPr>
-        <a:xfrm>
-          <a:off x="0" y="0"/>
-          <a:ext cx="0" cy="0"/>
-          <a:chOff x="0" y="0"/>
-          <a:chExt cx="0" cy="0"/>
-        </a:xfrm>
-      </p:grpSpPr>
-      <p:sp>
-        <p:nvSpPr>
-          <p:cNvPr id="4" name="Title 3">
-            <a:extLst>
-              <a:ext uri="{FF2B5EF4-FFF2-40B4-BE49-F238E27FC236}">
-                <a16:creationId xmlns:a16="http://schemas.microsoft.com/office/drawing/2014/main" id="{315E3981-F0D7-482C-A8E0-6A57700BECA7}"/>
-              </a:ext>
-            </a:extLst>
-          </p:cNvPr>
-          <p:cNvSpPr>
-            <a:spLocks noGrp="1"/>
-          </p:cNvSpPr>
-          <p:nvPr>
-            <p:ph type="title"/>
-          </p:nvPr>
-        </p:nvSpPr>
-        <p:spPr/>
-        <p:txBody>
-          <a:bodyPr/>
-          <a:lstStyle/>
-          <a:p>
-            <a:r>
-              <a:rPr lang="en-US" dirty="0"/>
-              <a:t>Content Title 03</a:t>
-            </a:r>
-          </a:p>
-        </p:txBody>
-      </p:sp>
-      <p:pic>
-        <p:nvPicPr>
-          <p:cNvPr id="20" name="Picture Placeholder 19" descr="Triangular pattern design with dimension">
-            <a:extLst>
-              <a:ext uri="{FF2B5EF4-FFF2-40B4-BE49-F238E27FC236}">
-                <a16:creationId xmlns:a16="http://schemas.microsoft.com/office/drawing/2014/main" id="{3DCA2B8E-64D3-7645-8DEB-688ED5756F52}"/>
-              </a:ext>
-            </a:extLst>
-          </p:cNvPr>
-          <p:cNvPicPr>
-            <a:picLocks noGrp="1" noChangeAspect="1"/>
-          </p:cNvPicPr>
-          <p:nvPr>
-            <p:ph type="pic" sz="quarter" idx="19"/>
-          </p:nvPr>
-        </p:nvPicPr>
-        <p:blipFill>
-          <a:blip r:embed="rId2">
-            <a:extLst>
-              <a:ext uri="{28A0092B-C50C-407E-A947-70E740481C1C}">
-                <a14:useLocalDpi xmlns:a14="http://schemas.microsoft.com/office/drawing/2010/main" val="0"/>
-              </a:ext>
-            </a:extLst>
-          </a:blip>
-          <a:srcRect/>
-          <a:stretch>
-            <a:fillRect/>
-          </a:stretch>
-        </p:blipFill>
-        <p:spPr/>
-      </p:pic>
-      <p:sp>
-        <p:nvSpPr>
-          <p:cNvPr id="19" name="Text Placeholder 18">
-            <a:extLst>
-              <a:ext uri="{FF2B5EF4-FFF2-40B4-BE49-F238E27FC236}">
-                <a16:creationId xmlns:a16="http://schemas.microsoft.com/office/drawing/2014/main" id="{782206B1-586F-4254-9B36-D06C4E294ACF}"/>
-              </a:ext>
-            </a:extLst>
-          </p:cNvPr>
-          <p:cNvSpPr>
-            <a:spLocks noGrp="1"/>
-          </p:cNvSpPr>
-          <p:nvPr>
-            <p:ph type="body" sz="quarter" idx="18"/>
-          </p:nvPr>
-        </p:nvSpPr>
-        <p:spPr/>
-        <p:txBody>
-          <a:bodyPr/>
-          <a:lstStyle/>
-          <a:p>
-            <a:r>
-              <a:rPr lang="en-US" dirty="0"/>
-              <a:t>Caption01 appears here</a:t>
-            </a:r>
-          </a:p>
-        </p:txBody>
-      </p:sp>
-      <p:sp>
-        <p:nvSpPr>
-          <p:cNvPr id="21" name="Text Placeholder 20">
-            <a:extLst>
-              <a:ext uri="{FF2B5EF4-FFF2-40B4-BE49-F238E27FC236}">
-                <a16:creationId xmlns:a16="http://schemas.microsoft.com/office/drawing/2014/main" id="{1B8F0371-4F69-4131-91BF-9AB99E6EE89B}"/>
-              </a:ext>
-            </a:extLst>
-          </p:cNvPr>
-          <p:cNvSpPr>
-            <a:spLocks noGrp="1"/>
-          </p:cNvSpPr>
-          <p:nvPr>
-            <p:ph type="body" sz="quarter" idx="20"/>
-          </p:nvPr>
-        </p:nvSpPr>
-        <p:spPr/>
-        <p:txBody>
-          <a:bodyPr/>
-          <a:lstStyle/>
-          <a:p>
-            <a:r>
-              <a:rPr lang="en-US" dirty="0"/>
-              <a:t>Caption03 appears here</a:t>
-            </a:r>
-          </a:p>
-        </p:txBody>
-      </p:sp>
-      <p:sp>
-        <p:nvSpPr>
-          <p:cNvPr id="22" name="Text Placeholder 21">
-            <a:extLst>
-              <a:ext uri="{FF2B5EF4-FFF2-40B4-BE49-F238E27FC236}">
-                <a16:creationId xmlns:a16="http://schemas.microsoft.com/office/drawing/2014/main" id="{78CACAF1-61EA-4605-A8FE-2EEE752B49FF}"/>
-              </a:ext>
-            </a:extLst>
-          </p:cNvPr>
-          <p:cNvSpPr>
-            <a:spLocks noGrp="1"/>
-          </p:cNvSpPr>
-          <p:nvPr>
-            <p:ph type="body" sz="quarter" idx="21"/>
-          </p:nvPr>
-        </p:nvSpPr>
-        <p:spPr/>
-        <p:txBody>
-          <a:bodyPr/>
-          <a:lstStyle/>
-          <a:p>
-            <a:r>
-              <a:rPr lang="en-US" dirty="0"/>
-              <a:t>Caption04 appears here</a:t>
-            </a:r>
-          </a:p>
-        </p:txBody>
-      </p:sp>
-      <p:sp>
-        <p:nvSpPr>
-          <p:cNvPr id="2" name="Slide Number Placeholder 1">
-            <a:extLst>
-              <a:ext uri="{FF2B5EF4-FFF2-40B4-BE49-F238E27FC236}">
-                <a16:creationId xmlns:a16="http://schemas.microsoft.com/office/drawing/2014/main" id="{2F478C69-0A1D-45FF-8600-ED903803FFE1}"/>
-              </a:ext>
-            </a:extLst>
-          </p:cNvPr>
-          <p:cNvSpPr>
-            <a:spLocks noGrp="1"/>
-          </p:cNvSpPr>
-          <p:nvPr>
-            <p:ph type="sldNum" sz="quarter" idx="12"/>
-          </p:nvPr>
-        </p:nvSpPr>
-        <p:spPr/>
-        <p:txBody>
-          <a:bodyPr/>
-          <a:lstStyle/>
-          <a:p>
-            <a:fld id="{C263D6C4-4840-40CC-AC84-17E24B3B7BDE}" type="slidenum">
-              <a:rPr lang="en-US" smtClean="0"/>
-              <a:pPr/>
-              <a:t>20</a:t>
-            </a:fld>
-            <a:endParaRPr lang="en-US" dirty="0"/>
-          </a:p>
-        </p:txBody>
-      </p:sp>
-    </p:spTree>
-    <p:extLst>
-      <p:ext uri="{BB962C8B-B14F-4D97-AF65-F5344CB8AC3E}">
-        <p14:creationId xmlns:p14="http://schemas.microsoft.com/office/powerpoint/2010/main" val="451187730"/>
-      </p:ext>
-    </p:extLst>
-  </p:cSld>
-  <p:clrMapOvr>
-    <a:masterClrMapping/>
-  </p:clrMapOvr>
-  <mc:AlternateContent xmlns:mc="http://schemas.openxmlformats.org/markup-compatibility/2006" xmlns:p14="http://schemas.microsoft.com/office/powerpoint/2010/main">
-    <mc:Choice Requires="p14">
-      <p:transition spd="med" p14:dur="700">
-        <p:fade/>
-      </p:transition>
-    </mc:Choice>
-    <mc:Fallback xmlns="">
-      <p:transition spd="med">
-        <p:fade/>
-      </p:transition>
-    </mc:Fallback>
-  </mc:AlternateContent>
-</p:sld>
-</file>
-
-<file path=ppt/slides/slide21.xml><?xml version="1.0" encoding="utf-8"?>
-<p:sld xmlns:a="http://schemas.openxmlformats.org/drawingml/2006/main" xmlns:r="http://schemas.openxmlformats.org/officeDocument/2006/relationships" xmlns:p="http://schemas.openxmlformats.org/presentationml/2006/main">
-  <p:cSld>
-    <p:spTree>
-      <p:nvGrpSpPr>
-        <p:cNvPr id="1" name=""/>
-        <p:cNvGrpSpPr/>
-        <p:nvPr/>
-      </p:nvGrpSpPr>
-      <p:grpSpPr>
-        <a:xfrm>
-          <a:off x="0" y="0"/>
-          <a:ext cx="0" cy="0"/>
-          <a:chOff x="0" y="0"/>
-          <a:chExt cx="0" cy="0"/>
-        </a:xfrm>
-      </p:grpSpPr>
-      <p:sp>
-        <p:nvSpPr>
-          <p:cNvPr id="4" name="Title 3">
-            <a:extLst>
-              <a:ext uri="{FF2B5EF4-FFF2-40B4-BE49-F238E27FC236}">
-                <a16:creationId xmlns:a16="http://schemas.microsoft.com/office/drawing/2014/main" id="{315E3981-F0D7-482C-A8E0-6A57700BECA7}"/>
-              </a:ext>
-            </a:extLst>
-          </p:cNvPr>
-          <p:cNvSpPr>
-            <a:spLocks noGrp="1"/>
-          </p:cNvSpPr>
-          <p:nvPr>
-            <p:ph type="title"/>
-          </p:nvPr>
-        </p:nvSpPr>
-        <p:spPr/>
-        <p:txBody>
-          <a:bodyPr/>
-          <a:lstStyle/>
-          <a:p>
-            <a:r>
-              <a:rPr lang="en-US" dirty="0"/>
-              <a:t>Content Title 04</a:t>
-            </a:r>
-          </a:p>
-        </p:txBody>
-      </p:sp>
-      <p:pic>
-        <p:nvPicPr>
-          <p:cNvPr id="8" name="Picture Placeholder 7" descr="Triangular pattern design with dimension">
-            <a:extLst>
-              <a:ext uri="{FF2B5EF4-FFF2-40B4-BE49-F238E27FC236}">
-                <a16:creationId xmlns:a16="http://schemas.microsoft.com/office/drawing/2014/main" id="{2301248D-7370-7643-9BE6-F8CDCFF4D460}"/>
-              </a:ext>
-            </a:extLst>
-          </p:cNvPr>
-          <p:cNvPicPr>
-            <a:picLocks noGrp="1" noChangeAspect="1"/>
-          </p:cNvPicPr>
-          <p:nvPr>
-            <p:ph type="pic" sz="quarter" idx="19"/>
-          </p:nvPr>
-        </p:nvPicPr>
-        <p:blipFill rotWithShape="1">
-          <a:blip r:embed="rId2">
-            <a:extLst>
-              <a:ext uri="{28A0092B-C50C-407E-A947-70E740481C1C}">
-                <a14:useLocalDpi xmlns:a14="http://schemas.microsoft.com/office/drawing/2010/main" val="0"/>
-              </a:ext>
-            </a:extLst>
-          </a:blip>
-          <a:srcRect/>
-          <a:stretch/>
-        </p:blipFill>
-        <p:spPr>
-          <a:xfrm>
-            <a:off x="-2" y="1352575"/>
-            <a:ext cx="12192002" cy="2289897"/>
-          </a:xfrm>
-        </p:spPr>
-      </p:pic>
-      <p:sp>
-        <p:nvSpPr>
-          <p:cNvPr id="19" name="Text Placeholder 18">
-            <a:extLst>
-              <a:ext uri="{FF2B5EF4-FFF2-40B4-BE49-F238E27FC236}">
-                <a16:creationId xmlns:a16="http://schemas.microsoft.com/office/drawing/2014/main" id="{782206B1-586F-4254-9B36-D06C4E294ACF}"/>
-              </a:ext>
-            </a:extLst>
-          </p:cNvPr>
-          <p:cNvSpPr>
-            <a:spLocks noGrp="1"/>
-          </p:cNvSpPr>
-          <p:nvPr>
-            <p:ph type="body" sz="quarter" idx="18"/>
-          </p:nvPr>
-        </p:nvSpPr>
-        <p:spPr/>
-        <p:txBody>
-          <a:bodyPr/>
-          <a:lstStyle/>
-          <a:p>
-            <a:r>
-              <a:rPr lang="en-US" dirty="0"/>
-              <a:t>Lorem ipsum dolor sit amet, consectetuer adipiscing elit. Maecenas porttitor congue massa. Fusce posuere, magna sed pulvinar ultricies, purus lectus malesuada libero, sit amet commodo magna eros quis urna. Nunc viverra imperdiet enim. Fusce est. Vivamus a tellus.</a:t>
-            </a:r>
-          </a:p>
-          <a:p>
-            <a:r>
-              <a:rPr lang="en-US" dirty="0"/>
-              <a:t>Pellentesque habitant morbi tristique senectus et netus et malesuada fames ac turpis egestas. Proin pharetra nonummy pede. Mauris et orci.</a:t>
-            </a:r>
-          </a:p>
-        </p:txBody>
-      </p:sp>
-      <p:sp>
-        <p:nvSpPr>
-          <p:cNvPr id="2" name="Slide Number Placeholder 1">
-            <a:extLst>
-              <a:ext uri="{FF2B5EF4-FFF2-40B4-BE49-F238E27FC236}">
-                <a16:creationId xmlns:a16="http://schemas.microsoft.com/office/drawing/2014/main" id="{FAC2D367-2A6E-41FE-A9EA-24FF17BCAA97}"/>
-              </a:ext>
-            </a:extLst>
-          </p:cNvPr>
-          <p:cNvSpPr>
-            <a:spLocks noGrp="1"/>
-          </p:cNvSpPr>
-          <p:nvPr>
-            <p:ph type="sldNum" sz="quarter" idx="12"/>
-          </p:nvPr>
-        </p:nvSpPr>
-        <p:spPr/>
-        <p:txBody>
-          <a:bodyPr/>
-          <a:lstStyle/>
-          <a:p>
-            <a:fld id="{C263D6C4-4840-40CC-AC84-17E24B3B7BDE}" type="slidenum">
-              <a:rPr lang="en-US" smtClean="0"/>
-              <a:pPr/>
-              <a:t>21</a:t>
-            </a:fld>
-            <a:endParaRPr lang="en-US" dirty="0"/>
-          </a:p>
-        </p:txBody>
-      </p:sp>
-    </p:spTree>
-    <p:extLst>
-      <p:ext uri="{BB962C8B-B14F-4D97-AF65-F5344CB8AC3E}">
-        <p14:creationId xmlns:p14="http://schemas.microsoft.com/office/powerpoint/2010/main" val="663103393"/>
-      </p:ext>
-    </p:extLst>
-  </p:cSld>
-  <p:clrMapOvr>
-    <a:masterClrMapping/>
-  </p:clrMapOvr>
-  <mc:AlternateContent xmlns:mc="http://schemas.openxmlformats.org/markup-compatibility/2006" xmlns:p14="http://schemas.microsoft.com/office/powerpoint/2010/main">
-    <mc:Choice Requires="p14">
-      <p:transition spd="med" p14:dur="700">
-        <p:fade/>
-      </p:transition>
-    </mc:Choice>
-    <mc:Fallback xmlns="">
-      <p:transition spd="med">
-        <p:fade/>
-      </p:transition>
-    </mc:Fallback>
-  </mc:AlternateContent>
-</p:sld>
-</file>
-
-<file path=ppt/slides/slide22.xml><?xml version="1.0" encoding="utf-8"?>
-<p:sld xmlns:a="http://schemas.openxmlformats.org/drawingml/2006/main" xmlns:r="http://schemas.openxmlformats.org/officeDocument/2006/relationships" xmlns:p="http://schemas.openxmlformats.org/presentationml/2006/main">
-  <p:cSld>
-    <p:spTree>
-      <p:nvGrpSpPr>
-        <p:cNvPr id="1" name=""/>
-        <p:cNvGrpSpPr/>
-        <p:nvPr/>
-      </p:nvGrpSpPr>
-      <p:grpSpPr>
-        <a:xfrm>
-          <a:off x="0" y="0"/>
-          <a:ext cx="0" cy="0"/>
-          <a:chOff x="0" y="0"/>
-          <a:chExt cx="0" cy="0"/>
-        </a:xfrm>
-      </p:grpSpPr>
-      <p:sp>
-        <p:nvSpPr>
-          <p:cNvPr id="5" name="Title 4">
-            <a:extLst>
-              <a:ext uri="{FF2B5EF4-FFF2-40B4-BE49-F238E27FC236}">
-                <a16:creationId xmlns:a16="http://schemas.microsoft.com/office/drawing/2014/main" id="{201323FB-427E-4A8D-B473-AB0657D8D23B}"/>
-              </a:ext>
-            </a:extLst>
-          </p:cNvPr>
-          <p:cNvSpPr>
-            <a:spLocks noGrp="1"/>
-          </p:cNvSpPr>
-          <p:nvPr>
-            <p:ph type="title"/>
-          </p:nvPr>
-        </p:nvSpPr>
-        <p:spPr/>
-        <p:txBody>
-          <a:bodyPr/>
-          <a:lstStyle/>
-          <a:p>
-            <a:r>
-              <a:rPr lang="en-US" dirty="0"/>
-              <a:t>Table</a:t>
-            </a:r>
-          </a:p>
-        </p:txBody>
-      </p:sp>
-      <p:graphicFrame>
-        <p:nvGraphicFramePr>
-          <p:cNvPr id="6" name="Table 5">
-            <a:extLst>
-              <a:ext uri="{FF2B5EF4-FFF2-40B4-BE49-F238E27FC236}">
-                <a16:creationId xmlns:a16="http://schemas.microsoft.com/office/drawing/2014/main" id="{E8EEB296-8554-4D20-B3B8-C0BBC380A58D}"/>
-              </a:ext>
-            </a:extLst>
-          </p:cNvPr>
-          <p:cNvGraphicFramePr>
-            <a:graphicFrameLocks noGrp="1"/>
-          </p:cNvGraphicFramePr>
-          <p:nvPr>
-            <p:extLst>
-              <p:ext uri="{D42A27DB-BD31-4B8C-83A1-F6EECF244321}">
-                <p14:modId xmlns:p14="http://schemas.microsoft.com/office/powerpoint/2010/main" val="2357960289"/>
-              </p:ext>
-            </p:extLst>
-          </p:nvPr>
-        </p:nvGraphicFramePr>
-        <p:xfrm>
-          <a:off x="1130300" y="1856740"/>
-          <a:ext cx="9931400" cy="3931920"/>
-        </p:xfrm>
-        <a:graphic>
-          <a:graphicData uri="http://schemas.openxmlformats.org/drawingml/2006/table">
-            <a:tbl>
-              <a:tblPr firstRow="1" bandRow="1">
-                <a:tableStyleId>{5C22544A-7EE6-4342-B048-85BDC9FD1C3A}</a:tableStyleId>
-              </a:tblPr>
-              <a:tblGrid>
-                <a:gridCol w="2482850">
-                  <a:extLst>
-                    <a:ext uri="{9D8B030D-6E8A-4147-A177-3AD203B41FA5}">
-                      <a16:colId xmlns:a16="http://schemas.microsoft.com/office/drawing/2014/main" val="3559833401"/>
-                    </a:ext>
-                  </a:extLst>
-                </a:gridCol>
-                <a:gridCol w="2482850">
-                  <a:extLst>
-                    <a:ext uri="{9D8B030D-6E8A-4147-A177-3AD203B41FA5}">
-                      <a16:colId xmlns:a16="http://schemas.microsoft.com/office/drawing/2014/main" val="82523989"/>
-                    </a:ext>
-                  </a:extLst>
-                </a:gridCol>
-                <a:gridCol w="2482850">
-                  <a:extLst>
-                    <a:ext uri="{9D8B030D-6E8A-4147-A177-3AD203B41FA5}">
-                      <a16:colId xmlns:a16="http://schemas.microsoft.com/office/drawing/2014/main" val="3211310719"/>
-                    </a:ext>
-                  </a:extLst>
-                </a:gridCol>
-                <a:gridCol w="2482850">
-                  <a:extLst>
-                    <a:ext uri="{9D8B030D-6E8A-4147-A177-3AD203B41FA5}">
-                      <a16:colId xmlns:a16="http://schemas.microsoft.com/office/drawing/2014/main" val="4160613981"/>
-                    </a:ext>
-                  </a:extLst>
-                </a:gridCol>
-              </a:tblGrid>
-              <a:tr h="640080">
-                <a:tc>
-                  <a:txBody>
-                    <a:bodyPr/>
-                    <a:lstStyle/>
-                    <a:p>
-                      <a:pPr algn="ctr"/>
-                      <a:r>
-                        <a:rPr lang="en-US" sz="1600" b="0" dirty="0">
-                          <a:latin typeface="+mn-lt"/>
-                          <a:cs typeface="Arial" panose="020B0604020202020204" pitchFamily="34" charset="0"/>
-                        </a:rPr>
-                        <a:t>Title</a:t>
-                      </a:r>
-                      <a:endParaRPr lang="en-GB" sz="1600" b="0" dirty="0">
-                        <a:latin typeface="+mn-lt"/>
-                        <a:cs typeface="Arial" panose="020B0604020202020204" pitchFamily="34" charset="0"/>
-                      </a:endParaRPr>
-                    </a:p>
-                  </a:txBody>
-                  <a:tcPr anchor="ctr">
-                    <a:lnL w="12700" cap="flat" cmpd="sng" algn="ctr">
-                      <a:noFill/>
-                      <a:prstDash val="solid"/>
-                      <a:round/>
-                      <a:headEnd type="none" w="med" len="med"/>
-                      <a:tailEnd type="none" w="med" len="med"/>
-                    </a:lnL>
-                    <a:lnR w="12700" cap="flat" cmpd="sng" algn="ctr">
-                      <a:solidFill>
-                        <a:schemeClr val="accent2">
-                          <a:lumMod val="75000"/>
-                        </a:schemeClr>
-                      </a:solidFill>
-                      <a:prstDash val="solid"/>
-                      <a:round/>
-                      <a:headEnd type="none" w="med" len="med"/>
-                      <a:tailEnd type="none" w="med" len="med"/>
-                    </a:lnR>
-                    <a:lnT w="38100" cap="flat" cmpd="sng" algn="ctr">
-                      <a:solidFill>
-                        <a:schemeClr val="accent2">
-                          <a:lumMod val="75000"/>
-                        </a:schemeClr>
-                      </a:solidFill>
-                      <a:prstDash val="solid"/>
-                      <a:round/>
-                      <a:headEnd type="none" w="med" len="med"/>
-                      <a:tailEnd type="none" w="med" len="med"/>
-                    </a:lnT>
-                    <a:lnB w="38100" cap="flat" cmpd="sng" algn="ctr">
-                      <a:solidFill>
-                        <a:schemeClr val="accent2">
-                          <a:lumMod val="75000"/>
-                        </a:schemeClr>
-                      </a:solidFill>
-                      <a:prstDash val="solid"/>
-                      <a:round/>
-                      <a:headEnd type="none" w="med" len="med"/>
-                      <a:tailEnd type="none" w="med" len="med"/>
-                    </a:lnB>
-                    <a:lnTlToBr w="12700" cmpd="sng">
-                      <a:noFill/>
-                      <a:prstDash val="solid"/>
-                    </a:lnTlToBr>
-                    <a:lnBlToTr w="12700" cmpd="sng">
-                      <a:noFill/>
-                      <a:prstDash val="solid"/>
-                    </a:lnBlToTr>
-                    <a:noFill/>
-                  </a:tcPr>
-                </a:tc>
-                <a:tc>
-                  <a:txBody>
-                    <a:bodyPr/>
-                    <a:lstStyle/>
-                    <a:p>
-                      <a:pPr marL="0" marR="0" lvl="0" indent="0" algn="ctr" defTabSz="914400" rtl="0" eaLnBrk="1" fontAlgn="auto" latinLnBrk="0" hangingPunct="1">
-                        <a:lnSpc>
-                          <a:spcPct val="100000"/>
-                        </a:lnSpc>
-                        <a:spcBef>
-                          <a:spcPts val="0"/>
-                        </a:spcBef>
-                        <a:spcAft>
-                          <a:spcPts val="0"/>
-                        </a:spcAft>
-                        <a:buClrTx/>
-                        <a:buSzTx/>
-                        <a:buFontTx/>
-                        <a:buNone/>
-                        <a:tabLst/>
-                        <a:defRPr/>
-                      </a:pPr>
-                      <a:r>
-                        <a:rPr lang="en-US" sz="1600" b="0" dirty="0">
-                          <a:latin typeface="+mn-lt"/>
-                          <a:cs typeface="Arial" panose="020B0604020202020204" pitchFamily="34" charset="0"/>
-                        </a:rPr>
-                        <a:t>Title</a:t>
-                      </a:r>
-                      <a:endParaRPr lang="en-GB" sz="1600" b="0" dirty="0">
-                        <a:latin typeface="+mn-lt"/>
-                        <a:cs typeface="Arial" panose="020B0604020202020204" pitchFamily="34" charset="0"/>
-                      </a:endParaRPr>
-                    </a:p>
-                  </a:txBody>
-                  <a:tcPr anchor="ctr">
-                    <a:lnL w="12700" cap="flat" cmpd="sng" algn="ctr">
-                      <a:solidFill>
-                        <a:schemeClr val="accent2">
-                          <a:lumMod val="75000"/>
-                        </a:schemeClr>
-                      </a:solidFill>
-                      <a:prstDash val="solid"/>
-                      <a:round/>
-                      <a:headEnd type="none" w="med" len="med"/>
-                      <a:tailEnd type="none" w="med" len="med"/>
-                    </a:lnL>
-                    <a:lnR w="12700" cap="flat" cmpd="sng" algn="ctr">
-                      <a:solidFill>
-                        <a:schemeClr val="accent2">
-                          <a:lumMod val="75000"/>
-                        </a:schemeClr>
-                      </a:solidFill>
-                      <a:prstDash val="solid"/>
-                      <a:round/>
-                      <a:headEnd type="none" w="med" len="med"/>
-                      <a:tailEnd type="none" w="med" len="med"/>
-                    </a:lnR>
-                    <a:lnT w="38100" cap="flat" cmpd="sng" algn="ctr">
-                      <a:solidFill>
-                        <a:schemeClr val="accent2">
-                          <a:lumMod val="75000"/>
-                        </a:schemeClr>
-                      </a:solidFill>
-                      <a:prstDash val="solid"/>
-                      <a:round/>
-                      <a:headEnd type="none" w="med" len="med"/>
-                      <a:tailEnd type="none" w="med" len="med"/>
-                    </a:lnT>
-                    <a:lnB w="38100" cap="flat" cmpd="sng" algn="ctr">
-                      <a:solidFill>
-                        <a:schemeClr val="accent2">
-                          <a:lumMod val="75000"/>
-                        </a:schemeClr>
-                      </a:solidFill>
-                      <a:prstDash val="solid"/>
-                      <a:round/>
-                      <a:headEnd type="none" w="med" len="med"/>
-                      <a:tailEnd type="none" w="med" len="med"/>
-                    </a:lnB>
-                    <a:lnTlToBr w="12700" cmpd="sng">
-                      <a:noFill/>
-                      <a:prstDash val="solid"/>
-                    </a:lnTlToBr>
-                    <a:lnBlToTr w="12700" cmpd="sng">
-                      <a:noFill/>
-                      <a:prstDash val="solid"/>
-                    </a:lnBlToTr>
-                    <a:noFill/>
-                  </a:tcPr>
-                </a:tc>
-                <a:tc>
-                  <a:txBody>
-                    <a:bodyPr/>
-                    <a:lstStyle/>
-                    <a:p>
-                      <a:pPr marL="0" marR="0" lvl="0" indent="0" algn="ctr" defTabSz="914400" rtl="0" eaLnBrk="1" fontAlgn="auto" latinLnBrk="0" hangingPunct="1">
-                        <a:lnSpc>
-                          <a:spcPct val="100000"/>
-                        </a:lnSpc>
-                        <a:spcBef>
-                          <a:spcPts val="0"/>
-                        </a:spcBef>
-                        <a:spcAft>
-                          <a:spcPts val="0"/>
-                        </a:spcAft>
-                        <a:buClrTx/>
-                        <a:buSzTx/>
-                        <a:buFontTx/>
-                        <a:buNone/>
-                        <a:tabLst/>
-                        <a:defRPr/>
-                      </a:pPr>
-                      <a:r>
-                        <a:rPr lang="en-US" sz="1600" b="0" dirty="0">
-                          <a:latin typeface="+mn-lt"/>
-                          <a:cs typeface="Arial" panose="020B0604020202020204" pitchFamily="34" charset="0"/>
-                        </a:rPr>
-                        <a:t>Title</a:t>
-                      </a:r>
-                      <a:endParaRPr lang="en-GB" sz="1600" b="0" dirty="0">
-                        <a:latin typeface="+mn-lt"/>
-                        <a:cs typeface="Arial" panose="020B0604020202020204" pitchFamily="34" charset="0"/>
-                      </a:endParaRPr>
-                    </a:p>
-                  </a:txBody>
-                  <a:tcPr anchor="ctr">
-                    <a:lnL w="12700" cap="flat" cmpd="sng" algn="ctr">
-                      <a:solidFill>
-                        <a:schemeClr val="accent2">
-                          <a:lumMod val="75000"/>
-                        </a:schemeClr>
-                      </a:solidFill>
-                      <a:prstDash val="solid"/>
-                      <a:round/>
-                      <a:headEnd type="none" w="med" len="med"/>
-                      <a:tailEnd type="none" w="med" len="med"/>
-                    </a:lnL>
-                    <a:lnR w="12700" cap="flat" cmpd="sng" algn="ctr">
-                      <a:solidFill>
-                        <a:schemeClr val="accent2">
-                          <a:lumMod val="75000"/>
-                        </a:schemeClr>
-                      </a:solidFill>
-                      <a:prstDash val="solid"/>
-                      <a:round/>
-                      <a:headEnd type="none" w="med" len="med"/>
-                      <a:tailEnd type="none" w="med" len="med"/>
-                    </a:lnR>
-                    <a:lnT w="38100" cap="flat" cmpd="sng" algn="ctr">
-                      <a:solidFill>
-                        <a:schemeClr val="accent2">
-                          <a:lumMod val="75000"/>
-                        </a:schemeClr>
-                      </a:solidFill>
-                      <a:prstDash val="solid"/>
-                      <a:round/>
-                      <a:headEnd type="none" w="med" len="med"/>
-                      <a:tailEnd type="none" w="med" len="med"/>
-                    </a:lnT>
-                    <a:lnB w="38100" cap="flat" cmpd="sng" algn="ctr">
-                      <a:solidFill>
-                        <a:schemeClr val="accent2">
-                          <a:lumMod val="75000"/>
-                        </a:schemeClr>
-                      </a:solidFill>
-                      <a:prstDash val="solid"/>
-                      <a:round/>
-                      <a:headEnd type="none" w="med" len="med"/>
-                      <a:tailEnd type="none" w="med" len="med"/>
-                    </a:lnB>
-                    <a:lnTlToBr w="12700" cmpd="sng">
-                      <a:noFill/>
-                      <a:prstDash val="solid"/>
-                    </a:lnTlToBr>
-                    <a:lnBlToTr w="12700" cmpd="sng">
-                      <a:noFill/>
-                      <a:prstDash val="solid"/>
-                    </a:lnBlToTr>
-                    <a:noFill/>
-                  </a:tcPr>
-                </a:tc>
-                <a:tc>
-                  <a:txBody>
-                    <a:bodyPr/>
-                    <a:lstStyle/>
-                    <a:p>
-                      <a:pPr marL="0" marR="0" lvl="0" indent="0" algn="ctr" defTabSz="914400" rtl="0" eaLnBrk="1" fontAlgn="auto" latinLnBrk="0" hangingPunct="1">
-                        <a:lnSpc>
-                          <a:spcPct val="100000"/>
-                        </a:lnSpc>
-                        <a:spcBef>
-                          <a:spcPts val="0"/>
-                        </a:spcBef>
-                        <a:spcAft>
-                          <a:spcPts val="0"/>
-                        </a:spcAft>
-                        <a:buClrTx/>
-                        <a:buSzTx/>
-                        <a:buFontTx/>
-                        <a:buNone/>
-                        <a:tabLst/>
-                        <a:defRPr/>
-                      </a:pPr>
-                      <a:r>
-                        <a:rPr lang="en-US" sz="1600" b="0" dirty="0">
-                          <a:latin typeface="+mn-lt"/>
-                          <a:cs typeface="Arial" panose="020B0604020202020204" pitchFamily="34" charset="0"/>
-                        </a:rPr>
-                        <a:t>Title</a:t>
-                      </a:r>
-                      <a:endParaRPr lang="en-GB" sz="1600" b="0" dirty="0">
-                        <a:latin typeface="+mn-lt"/>
-                        <a:cs typeface="Arial" panose="020B0604020202020204" pitchFamily="34" charset="0"/>
-                      </a:endParaRPr>
-                    </a:p>
-                  </a:txBody>
-                  <a:tcPr anchor="ctr">
-                    <a:lnL w="12700" cap="flat" cmpd="sng" algn="ctr">
-                      <a:solidFill>
-                        <a:schemeClr val="accent2">
-                          <a:lumMod val="75000"/>
-                        </a:schemeClr>
-                      </a:solidFill>
-                      <a:prstDash val="solid"/>
-                      <a:round/>
-                      <a:headEnd type="none" w="med" len="med"/>
-                      <a:tailEnd type="none" w="med" len="med"/>
-                    </a:lnL>
-                    <a:lnR w="12700" cap="flat" cmpd="sng" algn="ctr">
-                      <a:noFill/>
-                      <a:prstDash val="solid"/>
-                      <a:round/>
-                      <a:headEnd type="none" w="med" len="med"/>
-                      <a:tailEnd type="none" w="med" len="med"/>
-                    </a:lnR>
-                    <a:lnT w="38100" cap="flat" cmpd="sng" algn="ctr">
-                      <a:solidFill>
-                        <a:schemeClr val="accent2">
-                          <a:lumMod val="75000"/>
-                        </a:schemeClr>
-                      </a:solidFill>
-                      <a:prstDash val="solid"/>
-                      <a:round/>
-                      <a:headEnd type="none" w="med" len="med"/>
-                      <a:tailEnd type="none" w="med" len="med"/>
-                    </a:lnT>
-                    <a:lnB w="38100" cap="flat" cmpd="sng" algn="ctr">
-                      <a:solidFill>
-                        <a:schemeClr val="accent2">
-                          <a:lumMod val="75000"/>
-                        </a:schemeClr>
-                      </a:solidFill>
-                      <a:prstDash val="solid"/>
-                      <a:round/>
-                      <a:headEnd type="none" w="med" len="med"/>
-                      <a:tailEnd type="none" w="med" len="med"/>
-                    </a:lnB>
-                    <a:lnTlToBr w="12700" cmpd="sng">
-                      <a:noFill/>
-                      <a:prstDash val="solid"/>
-                    </a:lnTlToBr>
-                    <a:lnBlToTr w="12700" cmpd="sng">
-                      <a:noFill/>
-                      <a:prstDash val="solid"/>
-                    </a:lnBlToTr>
-                    <a:noFill/>
-                  </a:tcPr>
-                </a:tc>
-                <a:extLst>
-                  <a:ext uri="{0D108BD9-81ED-4DB2-BD59-A6C34878D82A}">
-                    <a16:rowId xmlns:a16="http://schemas.microsoft.com/office/drawing/2014/main" val="3766630617"/>
-                  </a:ext>
-                </a:extLst>
-              </a:tr>
-              <a:tr h="548640">
-                <a:tc>
-                  <a:txBody>
-                    <a:bodyPr/>
-                    <a:lstStyle/>
-                    <a:p>
-                      <a:endParaRPr lang="en-GB" sz="1400" dirty="0">
-                        <a:latin typeface="+mn-lt"/>
-                      </a:endParaRPr>
-                    </a:p>
-                  </a:txBody>
-                  <a:tcPr anchor="ctr">
-                    <a:lnL w="38100" cap="flat" cmpd="sng" algn="ctr">
-                      <a:noFill/>
-                      <a:prstDash val="solid"/>
-                      <a:round/>
-                      <a:headEnd type="none" w="med" len="med"/>
-                      <a:tailEnd type="none" w="med" len="med"/>
-                    </a:lnL>
-                    <a:lnR w="12700" cap="flat" cmpd="sng" algn="ctr">
-                      <a:solidFill>
-                        <a:schemeClr val="accent2">
-                          <a:lumMod val="75000"/>
-                        </a:schemeClr>
-                      </a:solidFill>
-                      <a:prstDash val="solid"/>
-                      <a:round/>
-                      <a:headEnd type="none" w="med" len="med"/>
-                      <a:tailEnd type="none" w="med" len="med"/>
-                    </a:lnR>
-                    <a:lnT w="38100" cap="flat" cmpd="sng" algn="ctr">
-                      <a:solidFill>
-                        <a:schemeClr val="accent2">
-                          <a:lumMod val="75000"/>
-                        </a:schemeClr>
-                      </a:solidFill>
-                      <a:prstDash val="solid"/>
-                      <a:round/>
-                      <a:headEnd type="none" w="med" len="med"/>
-                      <a:tailEnd type="none" w="med" len="med"/>
-                    </a:lnT>
-                    <a:lnB w="12700" cap="flat" cmpd="sng" algn="ctr">
-                      <a:solidFill>
-                        <a:schemeClr val="accent2">
-                          <a:lumMod val="75000"/>
-                        </a:schemeClr>
-                      </a:solidFill>
-                      <a:prstDash val="solid"/>
-                      <a:round/>
-                      <a:headEnd type="none" w="med" len="med"/>
-                      <a:tailEnd type="none" w="med" len="med"/>
-                    </a:lnB>
-                    <a:noFill/>
-                  </a:tcPr>
-                </a:tc>
-                <a:tc>
-                  <a:txBody>
-                    <a:bodyPr/>
-                    <a:lstStyle/>
-                    <a:p>
-                      <a:endParaRPr lang="en-GB" sz="1400" dirty="0">
-                        <a:latin typeface="+mn-lt"/>
-                      </a:endParaRPr>
-                    </a:p>
-                  </a:txBody>
-                  <a:tcPr anchor="ctr">
-                    <a:lnL w="12700" cap="flat" cmpd="sng" algn="ctr">
-                      <a:solidFill>
-                        <a:schemeClr val="accent2">
-                          <a:lumMod val="75000"/>
-                        </a:schemeClr>
-                      </a:solidFill>
-                      <a:prstDash val="solid"/>
-                      <a:round/>
-                      <a:headEnd type="none" w="med" len="med"/>
-                      <a:tailEnd type="none" w="med" len="med"/>
-                    </a:lnL>
-                    <a:lnR w="12700" cap="flat" cmpd="sng" algn="ctr">
-                      <a:solidFill>
-                        <a:schemeClr val="accent2">
-                          <a:lumMod val="75000"/>
-                        </a:schemeClr>
-                      </a:solidFill>
-                      <a:prstDash val="solid"/>
-                      <a:round/>
-                      <a:headEnd type="none" w="med" len="med"/>
-                      <a:tailEnd type="none" w="med" len="med"/>
-                    </a:lnR>
-                    <a:lnT w="38100" cap="flat" cmpd="sng" algn="ctr">
-                      <a:solidFill>
-                        <a:schemeClr val="accent2">
-                          <a:lumMod val="75000"/>
-                        </a:schemeClr>
-                      </a:solidFill>
-                      <a:prstDash val="solid"/>
-                      <a:round/>
-                      <a:headEnd type="none" w="med" len="med"/>
-                      <a:tailEnd type="none" w="med" len="med"/>
-                    </a:lnT>
-                    <a:lnB w="12700" cap="flat" cmpd="sng" algn="ctr">
-                      <a:solidFill>
-                        <a:schemeClr val="accent2">
-                          <a:lumMod val="75000"/>
-                        </a:schemeClr>
-                      </a:solidFill>
-                      <a:prstDash val="solid"/>
-                      <a:round/>
-                      <a:headEnd type="none" w="med" len="med"/>
-                      <a:tailEnd type="none" w="med" len="med"/>
-                    </a:lnB>
-                    <a:noFill/>
-                  </a:tcPr>
-                </a:tc>
-                <a:tc>
-                  <a:txBody>
-                    <a:bodyPr/>
-                    <a:lstStyle/>
-                    <a:p>
-                      <a:endParaRPr lang="en-GB" sz="1400" dirty="0">
-                        <a:latin typeface="+mn-lt"/>
-                      </a:endParaRPr>
-                    </a:p>
-                  </a:txBody>
-                  <a:tcPr anchor="ctr">
-                    <a:lnL w="12700" cap="flat" cmpd="sng" algn="ctr">
-                      <a:solidFill>
-                        <a:schemeClr val="accent2">
-                          <a:lumMod val="75000"/>
-                        </a:schemeClr>
-                      </a:solidFill>
-                      <a:prstDash val="solid"/>
-                      <a:round/>
-                      <a:headEnd type="none" w="med" len="med"/>
-                      <a:tailEnd type="none" w="med" len="med"/>
-                    </a:lnL>
-                    <a:lnR w="12700" cap="flat" cmpd="sng" algn="ctr">
-                      <a:solidFill>
-                        <a:schemeClr val="accent2">
-                          <a:lumMod val="75000"/>
-                        </a:schemeClr>
-                      </a:solidFill>
-                      <a:prstDash val="solid"/>
-                      <a:round/>
-                      <a:headEnd type="none" w="med" len="med"/>
-                      <a:tailEnd type="none" w="med" len="med"/>
-                    </a:lnR>
-                    <a:lnT w="38100" cap="flat" cmpd="sng" algn="ctr">
-                      <a:solidFill>
-                        <a:schemeClr val="accent2">
-                          <a:lumMod val="75000"/>
-                        </a:schemeClr>
-                      </a:solidFill>
-                      <a:prstDash val="solid"/>
-                      <a:round/>
-                      <a:headEnd type="none" w="med" len="med"/>
-                      <a:tailEnd type="none" w="med" len="med"/>
-                    </a:lnT>
-                    <a:lnB w="12700" cap="flat" cmpd="sng" algn="ctr">
-                      <a:solidFill>
-                        <a:schemeClr val="accent2">
-                          <a:lumMod val="75000"/>
-                        </a:schemeClr>
-                      </a:solidFill>
-                      <a:prstDash val="solid"/>
-                      <a:round/>
-                      <a:headEnd type="none" w="med" len="med"/>
-                      <a:tailEnd type="none" w="med" len="med"/>
-                    </a:lnB>
-                    <a:noFill/>
-                  </a:tcPr>
-                </a:tc>
-                <a:tc>
-                  <a:txBody>
-                    <a:bodyPr/>
-                    <a:lstStyle/>
-                    <a:p>
-                      <a:endParaRPr lang="en-GB" sz="1400" dirty="0">
-                        <a:latin typeface="+mn-lt"/>
-                      </a:endParaRPr>
-                    </a:p>
-                  </a:txBody>
-                  <a:tcPr anchor="ctr">
-                    <a:lnL w="12700" cap="flat" cmpd="sng" algn="ctr">
-                      <a:solidFill>
-                        <a:schemeClr val="accent2">
-                          <a:lumMod val="75000"/>
-                        </a:schemeClr>
-                      </a:solidFill>
-                      <a:prstDash val="solid"/>
-                      <a:round/>
-                      <a:headEnd type="none" w="med" len="med"/>
-                      <a:tailEnd type="none" w="med" len="med"/>
-                    </a:lnL>
-                    <a:lnR w="38100" cap="flat" cmpd="sng" algn="ctr">
-                      <a:noFill/>
-                      <a:prstDash val="solid"/>
-                      <a:round/>
-                      <a:headEnd type="none" w="med" len="med"/>
-                      <a:tailEnd type="none" w="med" len="med"/>
-                    </a:lnR>
-                    <a:lnT w="38100" cap="flat" cmpd="sng" algn="ctr">
-                      <a:solidFill>
-                        <a:schemeClr val="accent2">
-                          <a:lumMod val="75000"/>
-                        </a:schemeClr>
-                      </a:solidFill>
-                      <a:prstDash val="solid"/>
-                      <a:round/>
-                      <a:headEnd type="none" w="med" len="med"/>
-                      <a:tailEnd type="none" w="med" len="med"/>
-                    </a:lnT>
-                    <a:lnB w="12700" cap="flat" cmpd="sng" algn="ctr">
-                      <a:solidFill>
-                        <a:schemeClr val="accent2">
-                          <a:lumMod val="75000"/>
-                        </a:schemeClr>
-                      </a:solidFill>
-                      <a:prstDash val="solid"/>
-                      <a:round/>
-                      <a:headEnd type="none" w="med" len="med"/>
-                      <a:tailEnd type="none" w="med" len="med"/>
-                    </a:lnB>
-                    <a:noFill/>
-                  </a:tcPr>
-                </a:tc>
-                <a:extLst>
-                  <a:ext uri="{0D108BD9-81ED-4DB2-BD59-A6C34878D82A}">
-                    <a16:rowId xmlns:a16="http://schemas.microsoft.com/office/drawing/2014/main" val="3446274366"/>
-                  </a:ext>
-                </a:extLst>
-              </a:tr>
-              <a:tr h="548640">
-                <a:tc>
-                  <a:txBody>
-                    <a:bodyPr/>
-                    <a:lstStyle/>
-                    <a:p>
-                      <a:endParaRPr lang="en-GB" sz="1400" dirty="0">
-                        <a:latin typeface="+mn-lt"/>
-                      </a:endParaRPr>
-                    </a:p>
-                  </a:txBody>
-                  <a:tcPr anchor="ctr">
-                    <a:lnL w="38100" cap="flat" cmpd="sng" algn="ctr">
-                      <a:noFill/>
-                      <a:prstDash val="solid"/>
-                      <a:round/>
-                      <a:headEnd type="none" w="med" len="med"/>
-                      <a:tailEnd type="none" w="med" len="med"/>
-                    </a:lnL>
-                    <a:lnR w="12700" cap="flat" cmpd="sng" algn="ctr">
-                      <a:solidFill>
-                        <a:schemeClr val="accent2">
-                          <a:lumMod val="75000"/>
-                        </a:schemeClr>
-                      </a:solidFill>
-                      <a:prstDash val="solid"/>
-                      <a:round/>
-                      <a:headEnd type="none" w="med" len="med"/>
-                      <a:tailEnd type="none" w="med" len="med"/>
-                    </a:lnR>
-                    <a:lnT w="12700" cap="flat" cmpd="sng" algn="ctr">
-                      <a:solidFill>
-                        <a:schemeClr val="accent2">
-                          <a:lumMod val="75000"/>
-                        </a:schemeClr>
-                      </a:solidFill>
-                      <a:prstDash val="solid"/>
-                      <a:round/>
-                      <a:headEnd type="none" w="med" len="med"/>
-                      <a:tailEnd type="none" w="med" len="med"/>
-                    </a:lnT>
-                    <a:lnB w="12700" cap="flat" cmpd="sng" algn="ctr">
-                      <a:solidFill>
-                        <a:schemeClr val="accent2">
-                          <a:lumMod val="75000"/>
-                        </a:schemeClr>
-                      </a:solidFill>
-                      <a:prstDash val="solid"/>
-                      <a:round/>
-                      <a:headEnd type="none" w="med" len="med"/>
-                      <a:tailEnd type="none" w="med" len="med"/>
-                    </a:lnB>
-                    <a:solidFill>
-                      <a:schemeClr val="accent5"/>
-                    </a:solidFill>
-                  </a:tcPr>
-                </a:tc>
-                <a:tc>
-                  <a:txBody>
-                    <a:bodyPr/>
-                    <a:lstStyle/>
-                    <a:p>
-                      <a:endParaRPr lang="en-GB" sz="1400" dirty="0">
-                        <a:latin typeface="+mn-lt"/>
-                      </a:endParaRPr>
-                    </a:p>
-                  </a:txBody>
-                  <a:tcPr anchor="ctr">
-                    <a:lnL w="12700" cap="flat" cmpd="sng" algn="ctr">
-                      <a:solidFill>
-                        <a:schemeClr val="accent2">
-                          <a:lumMod val="75000"/>
-                        </a:schemeClr>
-                      </a:solidFill>
-                      <a:prstDash val="solid"/>
-                      <a:round/>
-                      <a:headEnd type="none" w="med" len="med"/>
-                      <a:tailEnd type="none" w="med" len="med"/>
-                    </a:lnL>
-                    <a:lnR w="12700" cap="flat" cmpd="sng" algn="ctr">
-                      <a:solidFill>
-                        <a:schemeClr val="accent2">
-                          <a:lumMod val="75000"/>
-                        </a:schemeClr>
-                      </a:solidFill>
-                      <a:prstDash val="solid"/>
-                      <a:round/>
-                      <a:headEnd type="none" w="med" len="med"/>
-                      <a:tailEnd type="none" w="med" len="med"/>
-                    </a:lnR>
-                    <a:lnT w="12700" cap="flat" cmpd="sng" algn="ctr">
-                      <a:solidFill>
-                        <a:schemeClr val="accent2">
-                          <a:lumMod val="75000"/>
-                        </a:schemeClr>
-                      </a:solidFill>
-                      <a:prstDash val="solid"/>
-                      <a:round/>
-                      <a:headEnd type="none" w="med" len="med"/>
-                      <a:tailEnd type="none" w="med" len="med"/>
-                    </a:lnT>
-                    <a:lnB w="12700" cap="flat" cmpd="sng" algn="ctr">
-                      <a:solidFill>
-                        <a:schemeClr val="accent2">
-                          <a:lumMod val="75000"/>
-                        </a:schemeClr>
-                      </a:solidFill>
-                      <a:prstDash val="solid"/>
-                      <a:round/>
-                      <a:headEnd type="none" w="med" len="med"/>
-                      <a:tailEnd type="none" w="med" len="med"/>
-                    </a:lnB>
-                    <a:solidFill>
-                      <a:schemeClr val="accent5"/>
-                    </a:solidFill>
-                  </a:tcPr>
-                </a:tc>
-                <a:tc>
-                  <a:txBody>
-                    <a:bodyPr/>
-                    <a:lstStyle/>
-                    <a:p>
-                      <a:endParaRPr lang="en-GB" sz="1400" dirty="0">
-                        <a:latin typeface="+mn-lt"/>
-                      </a:endParaRPr>
-                    </a:p>
-                  </a:txBody>
-                  <a:tcPr anchor="ctr">
-                    <a:lnL w="12700" cap="flat" cmpd="sng" algn="ctr">
-                      <a:solidFill>
-                        <a:schemeClr val="accent2">
-                          <a:lumMod val="75000"/>
-                        </a:schemeClr>
-                      </a:solidFill>
-                      <a:prstDash val="solid"/>
-                      <a:round/>
-                      <a:headEnd type="none" w="med" len="med"/>
-                      <a:tailEnd type="none" w="med" len="med"/>
-                    </a:lnL>
-                    <a:lnR w="12700" cap="flat" cmpd="sng" algn="ctr">
-                      <a:solidFill>
-                        <a:schemeClr val="accent2">
-                          <a:lumMod val="75000"/>
-                        </a:schemeClr>
-                      </a:solidFill>
-                      <a:prstDash val="solid"/>
-                      <a:round/>
-                      <a:headEnd type="none" w="med" len="med"/>
-                      <a:tailEnd type="none" w="med" len="med"/>
-                    </a:lnR>
-                    <a:lnT w="12700" cap="flat" cmpd="sng" algn="ctr">
-                      <a:solidFill>
-                        <a:schemeClr val="accent2">
-                          <a:lumMod val="75000"/>
-                        </a:schemeClr>
-                      </a:solidFill>
-                      <a:prstDash val="solid"/>
-                      <a:round/>
-                      <a:headEnd type="none" w="med" len="med"/>
-                      <a:tailEnd type="none" w="med" len="med"/>
-                    </a:lnT>
-                    <a:lnB w="12700" cap="flat" cmpd="sng" algn="ctr">
-                      <a:solidFill>
-                        <a:schemeClr val="accent2">
-                          <a:lumMod val="75000"/>
-                        </a:schemeClr>
-                      </a:solidFill>
-                      <a:prstDash val="solid"/>
-                      <a:round/>
-                      <a:headEnd type="none" w="med" len="med"/>
-                      <a:tailEnd type="none" w="med" len="med"/>
-                    </a:lnB>
-                    <a:solidFill>
-                      <a:schemeClr val="accent5"/>
-                    </a:solidFill>
-                  </a:tcPr>
-                </a:tc>
-                <a:tc>
-                  <a:txBody>
-                    <a:bodyPr/>
-                    <a:lstStyle/>
-                    <a:p>
-                      <a:endParaRPr lang="en-GB" sz="1400" dirty="0">
-                        <a:latin typeface="+mn-lt"/>
-                      </a:endParaRPr>
-                    </a:p>
-                  </a:txBody>
-                  <a:tcPr anchor="ctr">
-                    <a:lnL w="12700" cap="flat" cmpd="sng" algn="ctr">
-                      <a:solidFill>
-                        <a:schemeClr val="accent2">
-                          <a:lumMod val="75000"/>
-                        </a:schemeClr>
-                      </a:solidFill>
-                      <a:prstDash val="solid"/>
-                      <a:round/>
-                      <a:headEnd type="none" w="med" len="med"/>
-                      <a:tailEnd type="none" w="med" len="med"/>
-                    </a:lnL>
-                    <a:lnR w="38100" cap="flat" cmpd="sng" algn="ctr">
-                      <a:noFill/>
-                      <a:prstDash val="solid"/>
-                      <a:round/>
-                      <a:headEnd type="none" w="med" len="med"/>
-                      <a:tailEnd type="none" w="med" len="med"/>
-                    </a:lnR>
-                    <a:lnT w="12700" cap="flat" cmpd="sng" algn="ctr">
-                      <a:solidFill>
-                        <a:schemeClr val="accent2">
-                          <a:lumMod val="75000"/>
-                        </a:schemeClr>
-                      </a:solidFill>
-                      <a:prstDash val="solid"/>
-                      <a:round/>
-                      <a:headEnd type="none" w="med" len="med"/>
-                      <a:tailEnd type="none" w="med" len="med"/>
-                    </a:lnT>
-                    <a:lnB w="12700" cap="flat" cmpd="sng" algn="ctr">
-                      <a:solidFill>
-                        <a:schemeClr val="accent2">
-                          <a:lumMod val="75000"/>
-                        </a:schemeClr>
-                      </a:solidFill>
-                      <a:prstDash val="solid"/>
-                      <a:round/>
-                      <a:headEnd type="none" w="med" len="med"/>
-                      <a:tailEnd type="none" w="med" len="med"/>
-                    </a:lnB>
-                    <a:solidFill>
-                      <a:schemeClr val="accent5"/>
-                    </a:solidFill>
-                  </a:tcPr>
-                </a:tc>
-                <a:extLst>
-                  <a:ext uri="{0D108BD9-81ED-4DB2-BD59-A6C34878D82A}">
-                    <a16:rowId xmlns:a16="http://schemas.microsoft.com/office/drawing/2014/main" val="1758271508"/>
-                  </a:ext>
-                </a:extLst>
-              </a:tr>
-              <a:tr h="548640">
-                <a:tc>
-                  <a:txBody>
-                    <a:bodyPr/>
-                    <a:lstStyle/>
-                    <a:p>
-                      <a:endParaRPr lang="en-GB" sz="1400" dirty="0">
-                        <a:latin typeface="+mn-lt"/>
-                      </a:endParaRPr>
-                    </a:p>
-                  </a:txBody>
-                  <a:tcPr anchor="ctr">
-                    <a:lnL w="38100" cap="flat" cmpd="sng" algn="ctr">
-                      <a:noFill/>
-                      <a:prstDash val="solid"/>
-                      <a:round/>
-                      <a:headEnd type="none" w="med" len="med"/>
-                      <a:tailEnd type="none" w="med" len="med"/>
-                    </a:lnL>
-                    <a:lnR w="12700" cap="flat" cmpd="sng" algn="ctr">
-                      <a:solidFill>
-                        <a:schemeClr val="accent2">
-                          <a:lumMod val="75000"/>
-                        </a:schemeClr>
-                      </a:solidFill>
-                      <a:prstDash val="solid"/>
-                      <a:round/>
-                      <a:headEnd type="none" w="med" len="med"/>
-                      <a:tailEnd type="none" w="med" len="med"/>
-                    </a:lnR>
-                    <a:lnT w="12700" cap="flat" cmpd="sng" algn="ctr">
-                      <a:solidFill>
-                        <a:schemeClr val="accent2">
-                          <a:lumMod val="75000"/>
-                        </a:schemeClr>
-                      </a:solidFill>
-                      <a:prstDash val="solid"/>
-                      <a:round/>
-                      <a:headEnd type="none" w="med" len="med"/>
-                      <a:tailEnd type="none" w="med" len="med"/>
-                    </a:lnT>
-                    <a:lnB w="12700" cap="flat" cmpd="sng" algn="ctr">
-                      <a:solidFill>
-                        <a:schemeClr val="accent2">
-                          <a:lumMod val="75000"/>
-                        </a:schemeClr>
-                      </a:solidFill>
-                      <a:prstDash val="solid"/>
-                      <a:round/>
-                      <a:headEnd type="none" w="med" len="med"/>
-                      <a:tailEnd type="none" w="med" len="med"/>
-                    </a:lnB>
-                    <a:noFill/>
-                  </a:tcPr>
-                </a:tc>
-                <a:tc>
-                  <a:txBody>
-                    <a:bodyPr/>
-                    <a:lstStyle/>
-                    <a:p>
-                      <a:endParaRPr lang="en-GB" sz="1400" dirty="0">
-                        <a:latin typeface="+mn-lt"/>
-                      </a:endParaRPr>
-                    </a:p>
-                  </a:txBody>
-                  <a:tcPr anchor="ctr">
-                    <a:lnL w="12700" cap="flat" cmpd="sng" algn="ctr">
-                      <a:solidFill>
-                        <a:schemeClr val="accent2">
-                          <a:lumMod val="75000"/>
-                        </a:schemeClr>
-                      </a:solidFill>
-                      <a:prstDash val="solid"/>
-                      <a:round/>
-                      <a:headEnd type="none" w="med" len="med"/>
-                      <a:tailEnd type="none" w="med" len="med"/>
-                    </a:lnL>
-                    <a:lnR w="12700" cap="flat" cmpd="sng" algn="ctr">
-                      <a:solidFill>
-                        <a:schemeClr val="accent2">
-                          <a:lumMod val="75000"/>
-                        </a:schemeClr>
-                      </a:solidFill>
-                      <a:prstDash val="solid"/>
-                      <a:round/>
-                      <a:headEnd type="none" w="med" len="med"/>
-                      <a:tailEnd type="none" w="med" len="med"/>
-                    </a:lnR>
-                    <a:lnT w="12700" cap="flat" cmpd="sng" algn="ctr">
-                      <a:solidFill>
-                        <a:schemeClr val="accent2">
-                          <a:lumMod val="75000"/>
-                        </a:schemeClr>
-                      </a:solidFill>
-                      <a:prstDash val="solid"/>
-                      <a:round/>
-                      <a:headEnd type="none" w="med" len="med"/>
-                      <a:tailEnd type="none" w="med" len="med"/>
-                    </a:lnT>
-                    <a:lnB w="12700" cap="flat" cmpd="sng" algn="ctr">
-                      <a:solidFill>
-                        <a:schemeClr val="accent2">
-                          <a:lumMod val="75000"/>
-                        </a:schemeClr>
-                      </a:solidFill>
-                      <a:prstDash val="solid"/>
-                      <a:round/>
-                      <a:headEnd type="none" w="med" len="med"/>
-                      <a:tailEnd type="none" w="med" len="med"/>
-                    </a:lnB>
-                    <a:noFill/>
-                  </a:tcPr>
-                </a:tc>
-                <a:tc>
-                  <a:txBody>
-                    <a:bodyPr/>
-                    <a:lstStyle/>
-                    <a:p>
-                      <a:endParaRPr lang="en-GB" sz="1400" dirty="0">
-                        <a:latin typeface="+mn-lt"/>
-                      </a:endParaRPr>
-                    </a:p>
-                  </a:txBody>
-                  <a:tcPr anchor="ctr">
-                    <a:lnL w="12700" cap="flat" cmpd="sng" algn="ctr">
-                      <a:solidFill>
-                        <a:schemeClr val="accent2">
-                          <a:lumMod val="75000"/>
-                        </a:schemeClr>
-                      </a:solidFill>
-                      <a:prstDash val="solid"/>
-                      <a:round/>
-                      <a:headEnd type="none" w="med" len="med"/>
-                      <a:tailEnd type="none" w="med" len="med"/>
-                    </a:lnL>
-                    <a:lnR w="12700" cap="flat" cmpd="sng" algn="ctr">
-                      <a:solidFill>
-                        <a:schemeClr val="accent2">
-                          <a:lumMod val="75000"/>
-                        </a:schemeClr>
-                      </a:solidFill>
-                      <a:prstDash val="solid"/>
-                      <a:round/>
-                      <a:headEnd type="none" w="med" len="med"/>
-                      <a:tailEnd type="none" w="med" len="med"/>
-                    </a:lnR>
-                    <a:lnT w="12700" cap="flat" cmpd="sng" algn="ctr">
-                      <a:solidFill>
-                        <a:schemeClr val="accent2">
-                          <a:lumMod val="75000"/>
-                        </a:schemeClr>
-                      </a:solidFill>
-                      <a:prstDash val="solid"/>
-                      <a:round/>
-                      <a:headEnd type="none" w="med" len="med"/>
-                      <a:tailEnd type="none" w="med" len="med"/>
-                    </a:lnT>
-                    <a:lnB w="12700" cap="flat" cmpd="sng" algn="ctr">
-                      <a:solidFill>
-                        <a:schemeClr val="accent2">
-                          <a:lumMod val="75000"/>
-                        </a:schemeClr>
-                      </a:solidFill>
-                      <a:prstDash val="solid"/>
-                      <a:round/>
-                      <a:headEnd type="none" w="med" len="med"/>
-                      <a:tailEnd type="none" w="med" len="med"/>
-                    </a:lnB>
-                    <a:noFill/>
-                  </a:tcPr>
-                </a:tc>
-                <a:tc>
-                  <a:txBody>
-                    <a:bodyPr/>
-                    <a:lstStyle/>
-                    <a:p>
-                      <a:endParaRPr lang="en-GB" sz="1400" dirty="0">
-                        <a:latin typeface="+mn-lt"/>
-                      </a:endParaRPr>
-                    </a:p>
-                  </a:txBody>
-                  <a:tcPr anchor="ctr">
-                    <a:lnL w="12700" cap="flat" cmpd="sng" algn="ctr">
-                      <a:solidFill>
-                        <a:schemeClr val="accent2">
-                          <a:lumMod val="75000"/>
-                        </a:schemeClr>
-                      </a:solidFill>
-                      <a:prstDash val="solid"/>
-                      <a:round/>
-                      <a:headEnd type="none" w="med" len="med"/>
-                      <a:tailEnd type="none" w="med" len="med"/>
-                    </a:lnL>
-                    <a:lnR w="38100" cap="flat" cmpd="sng" algn="ctr">
-                      <a:noFill/>
-                      <a:prstDash val="solid"/>
-                      <a:round/>
-                      <a:headEnd type="none" w="med" len="med"/>
-                      <a:tailEnd type="none" w="med" len="med"/>
-                    </a:lnR>
-                    <a:lnT w="12700" cap="flat" cmpd="sng" algn="ctr">
-                      <a:solidFill>
-                        <a:schemeClr val="accent2">
-                          <a:lumMod val="75000"/>
-                        </a:schemeClr>
-                      </a:solidFill>
-                      <a:prstDash val="solid"/>
-                      <a:round/>
-                      <a:headEnd type="none" w="med" len="med"/>
-                      <a:tailEnd type="none" w="med" len="med"/>
-                    </a:lnT>
-                    <a:lnB w="12700" cap="flat" cmpd="sng" algn="ctr">
-                      <a:solidFill>
-                        <a:schemeClr val="accent2">
-                          <a:lumMod val="75000"/>
-                        </a:schemeClr>
-                      </a:solidFill>
-                      <a:prstDash val="solid"/>
-                      <a:round/>
-                      <a:headEnd type="none" w="med" len="med"/>
-                      <a:tailEnd type="none" w="med" len="med"/>
-                    </a:lnB>
-                    <a:noFill/>
-                  </a:tcPr>
-                </a:tc>
-                <a:extLst>
-                  <a:ext uri="{0D108BD9-81ED-4DB2-BD59-A6C34878D82A}">
-                    <a16:rowId xmlns:a16="http://schemas.microsoft.com/office/drawing/2014/main" val="3736384641"/>
-                  </a:ext>
-                </a:extLst>
-              </a:tr>
-              <a:tr h="548640">
-                <a:tc>
-                  <a:txBody>
-                    <a:bodyPr/>
-                    <a:lstStyle/>
-                    <a:p>
-                      <a:endParaRPr lang="en-GB" sz="1400" dirty="0">
-                        <a:latin typeface="+mn-lt"/>
-                      </a:endParaRPr>
-                    </a:p>
-                  </a:txBody>
-                  <a:tcPr anchor="ctr">
-                    <a:lnL w="38100" cap="flat" cmpd="sng" algn="ctr">
-                      <a:noFill/>
-                      <a:prstDash val="solid"/>
-                      <a:round/>
-                      <a:headEnd type="none" w="med" len="med"/>
-                      <a:tailEnd type="none" w="med" len="med"/>
-                    </a:lnL>
-                    <a:lnR w="12700" cap="flat" cmpd="sng" algn="ctr">
-                      <a:solidFill>
-                        <a:schemeClr val="accent2">
-                          <a:lumMod val="75000"/>
-                        </a:schemeClr>
-                      </a:solidFill>
-                      <a:prstDash val="solid"/>
-                      <a:round/>
-                      <a:headEnd type="none" w="med" len="med"/>
-                      <a:tailEnd type="none" w="med" len="med"/>
-                    </a:lnR>
-                    <a:lnT w="12700" cap="flat" cmpd="sng" algn="ctr">
-                      <a:solidFill>
-                        <a:schemeClr val="accent2">
-                          <a:lumMod val="75000"/>
-                        </a:schemeClr>
-                      </a:solidFill>
-                      <a:prstDash val="solid"/>
-                      <a:round/>
-                      <a:headEnd type="none" w="med" len="med"/>
-                      <a:tailEnd type="none" w="med" len="med"/>
-                    </a:lnT>
-                    <a:lnB w="12700" cap="flat" cmpd="sng" algn="ctr">
-                      <a:solidFill>
-                        <a:schemeClr val="accent2">
-                          <a:lumMod val="75000"/>
-                        </a:schemeClr>
-                      </a:solidFill>
-                      <a:prstDash val="solid"/>
-                      <a:round/>
-                      <a:headEnd type="none" w="med" len="med"/>
-                      <a:tailEnd type="none" w="med" len="med"/>
-                    </a:lnB>
-                    <a:solidFill>
-                      <a:schemeClr val="accent5"/>
-                    </a:solidFill>
-                  </a:tcPr>
-                </a:tc>
-                <a:tc>
-                  <a:txBody>
-                    <a:bodyPr/>
-                    <a:lstStyle/>
-                    <a:p>
-                      <a:endParaRPr lang="en-GB" sz="1400" dirty="0">
-                        <a:latin typeface="+mn-lt"/>
-                      </a:endParaRPr>
-                    </a:p>
-                  </a:txBody>
-                  <a:tcPr anchor="ctr">
-                    <a:lnL w="12700" cap="flat" cmpd="sng" algn="ctr">
-                      <a:solidFill>
-                        <a:schemeClr val="accent2">
-                          <a:lumMod val="75000"/>
-                        </a:schemeClr>
-                      </a:solidFill>
-                      <a:prstDash val="solid"/>
-                      <a:round/>
-                      <a:headEnd type="none" w="med" len="med"/>
-                      <a:tailEnd type="none" w="med" len="med"/>
-                    </a:lnL>
-                    <a:lnR w="12700" cap="flat" cmpd="sng" algn="ctr">
-                      <a:solidFill>
-                        <a:schemeClr val="accent2">
-                          <a:lumMod val="75000"/>
-                        </a:schemeClr>
-                      </a:solidFill>
-                      <a:prstDash val="solid"/>
-                      <a:round/>
-                      <a:headEnd type="none" w="med" len="med"/>
-                      <a:tailEnd type="none" w="med" len="med"/>
-                    </a:lnR>
-                    <a:lnT w="12700" cap="flat" cmpd="sng" algn="ctr">
-                      <a:solidFill>
-                        <a:schemeClr val="accent2">
-                          <a:lumMod val="75000"/>
-                        </a:schemeClr>
-                      </a:solidFill>
-                      <a:prstDash val="solid"/>
-                      <a:round/>
-                      <a:headEnd type="none" w="med" len="med"/>
-                      <a:tailEnd type="none" w="med" len="med"/>
-                    </a:lnT>
-                    <a:lnB w="12700" cap="flat" cmpd="sng" algn="ctr">
-                      <a:solidFill>
-                        <a:schemeClr val="accent2">
-                          <a:lumMod val="75000"/>
-                        </a:schemeClr>
-                      </a:solidFill>
-                      <a:prstDash val="solid"/>
-                      <a:round/>
-                      <a:headEnd type="none" w="med" len="med"/>
-                      <a:tailEnd type="none" w="med" len="med"/>
-                    </a:lnB>
-                    <a:solidFill>
-                      <a:schemeClr val="accent5"/>
-                    </a:solidFill>
-                  </a:tcPr>
-                </a:tc>
-                <a:tc>
-                  <a:txBody>
-                    <a:bodyPr/>
-                    <a:lstStyle/>
-                    <a:p>
-                      <a:endParaRPr lang="en-GB" sz="1400" dirty="0">
-                        <a:latin typeface="+mn-lt"/>
-                      </a:endParaRPr>
-                    </a:p>
-                  </a:txBody>
-                  <a:tcPr anchor="ctr">
-                    <a:lnL w="12700" cap="flat" cmpd="sng" algn="ctr">
-                      <a:solidFill>
-                        <a:schemeClr val="accent2">
-                          <a:lumMod val="75000"/>
-                        </a:schemeClr>
-                      </a:solidFill>
-                      <a:prstDash val="solid"/>
-                      <a:round/>
-                      <a:headEnd type="none" w="med" len="med"/>
-                      <a:tailEnd type="none" w="med" len="med"/>
-                    </a:lnL>
-                    <a:lnR w="12700" cap="flat" cmpd="sng" algn="ctr">
-                      <a:solidFill>
-                        <a:schemeClr val="accent2">
-                          <a:lumMod val="75000"/>
-                        </a:schemeClr>
-                      </a:solidFill>
-                      <a:prstDash val="solid"/>
-                      <a:round/>
-                      <a:headEnd type="none" w="med" len="med"/>
-                      <a:tailEnd type="none" w="med" len="med"/>
-                    </a:lnR>
-                    <a:lnT w="12700" cap="flat" cmpd="sng" algn="ctr">
-                      <a:solidFill>
-                        <a:schemeClr val="accent2">
-                          <a:lumMod val="75000"/>
-                        </a:schemeClr>
-                      </a:solidFill>
-                      <a:prstDash val="solid"/>
-                      <a:round/>
-                      <a:headEnd type="none" w="med" len="med"/>
-                      <a:tailEnd type="none" w="med" len="med"/>
-                    </a:lnT>
-                    <a:lnB w="12700" cap="flat" cmpd="sng" algn="ctr">
-                      <a:solidFill>
-                        <a:schemeClr val="accent2">
-                          <a:lumMod val="75000"/>
-                        </a:schemeClr>
-                      </a:solidFill>
-                      <a:prstDash val="solid"/>
-                      <a:round/>
-                      <a:headEnd type="none" w="med" len="med"/>
-                      <a:tailEnd type="none" w="med" len="med"/>
-                    </a:lnB>
-                    <a:solidFill>
-                      <a:schemeClr val="accent5"/>
-                    </a:solidFill>
-                  </a:tcPr>
-                </a:tc>
-                <a:tc>
-                  <a:txBody>
-                    <a:bodyPr/>
-                    <a:lstStyle/>
-                    <a:p>
-                      <a:endParaRPr lang="en-GB" sz="1400" dirty="0">
-                        <a:latin typeface="+mn-lt"/>
-                      </a:endParaRPr>
-                    </a:p>
-                  </a:txBody>
-                  <a:tcPr anchor="ctr">
-                    <a:lnL w="12700" cap="flat" cmpd="sng" algn="ctr">
-                      <a:solidFill>
-                        <a:schemeClr val="accent2">
-                          <a:lumMod val="75000"/>
-                        </a:schemeClr>
-                      </a:solidFill>
-                      <a:prstDash val="solid"/>
-                      <a:round/>
-                      <a:headEnd type="none" w="med" len="med"/>
-                      <a:tailEnd type="none" w="med" len="med"/>
-                    </a:lnL>
-                    <a:lnR w="38100" cap="flat" cmpd="sng" algn="ctr">
-                      <a:noFill/>
-                      <a:prstDash val="solid"/>
-                      <a:round/>
-                      <a:headEnd type="none" w="med" len="med"/>
-                      <a:tailEnd type="none" w="med" len="med"/>
-                    </a:lnR>
-                    <a:lnT w="12700" cap="flat" cmpd="sng" algn="ctr">
-                      <a:solidFill>
-                        <a:schemeClr val="accent2">
-                          <a:lumMod val="75000"/>
-                        </a:schemeClr>
-                      </a:solidFill>
-                      <a:prstDash val="solid"/>
-                      <a:round/>
-                      <a:headEnd type="none" w="med" len="med"/>
-                      <a:tailEnd type="none" w="med" len="med"/>
-                    </a:lnT>
-                    <a:lnB w="12700" cap="flat" cmpd="sng" algn="ctr">
-                      <a:solidFill>
-                        <a:schemeClr val="accent2">
-                          <a:lumMod val="75000"/>
-                        </a:schemeClr>
-                      </a:solidFill>
-                      <a:prstDash val="solid"/>
-                      <a:round/>
-                      <a:headEnd type="none" w="med" len="med"/>
-                      <a:tailEnd type="none" w="med" len="med"/>
-                    </a:lnB>
-                    <a:solidFill>
-                      <a:schemeClr val="accent5"/>
-                    </a:solidFill>
-                  </a:tcPr>
-                </a:tc>
-                <a:extLst>
-                  <a:ext uri="{0D108BD9-81ED-4DB2-BD59-A6C34878D82A}">
-                    <a16:rowId xmlns:a16="http://schemas.microsoft.com/office/drawing/2014/main" val="3090935587"/>
-                  </a:ext>
-                </a:extLst>
-              </a:tr>
-              <a:tr h="548640">
-                <a:tc>
-                  <a:txBody>
-                    <a:bodyPr/>
-                    <a:lstStyle/>
-                    <a:p>
-                      <a:endParaRPr lang="en-GB" sz="1400" dirty="0">
-                        <a:latin typeface="+mn-lt"/>
-                      </a:endParaRPr>
-                    </a:p>
-                  </a:txBody>
-                  <a:tcPr anchor="ctr">
-                    <a:lnL w="38100" cap="flat" cmpd="sng" algn="ctr">
-                      <a:noFill/>
-                      <a:prstDash val="solid"/>
-                      <a:round/>
-                      <a:headEnd type="none" w="med" len="med"/>
-                      <a:tailEnd type="none" w="med" len="med"/>
-                    </a:lnL>
-                    <a:lnR w="12700" cap="flat" cmpd="sng" algn="ctr">
-                      <a:solidFill>
-                        <a:schemeClr val="accent2">
-                          <a:lumMod val="75000"/>
-                        </a:schemeClr>
-                      </a:solidFill>
-                      <a:prstDash val="solid"/>
-                      <a:round/>
-                      <a:headEnd type="none" w="med" len="med"/>
-                      <a:tailEnd type="none" w="med" len="med"/>
-                    </a:lnR>
-                    <a:lnT w="12700" cap="flat" cmpd="sng" algn="ctr">
-                      <a:solidFill>
-                        <a:schemeClr val="accent2">
-                          <a:lumMod val="75000"/>
-                        </a:schemeClr>
-                      </a:solidFill>
-                      <a:prstDash val="solid"/>
-                      <a:round/>
-                      <a:headEnd type="none" w="med" len="med"/>
-                      <a:tailEnd type="none" w="med" len="med"/>
-                    </a:lnT>
-                    <a:lnB w="12700" cap="flat" cmpd="sng" algn="ctr">
-                      <a:solidFill>
-                        <a:schemeClr val="accent2">
-                          <a:lumMod val="75000"/>
-                        </a:schemeClr>
-                      </a:solidFill>
-                      <a:prstDash val="solid"/>
-                      <a:round/>
-                      <a:headEnd type="none" w="med" len="med"/>
-                      <a:tailEnd type="none" w="med" len="med"/>
-                    </a:lnB>
-                    <a:noFill/>
-                  </a:tcPr>
-                </a:tc>
-                <a:tc>
-                  <a:txBody>
-                    <a:bodyPr/>
-                    <a:lstStyle/>
-                    <a:p>
-                      <a:endParaRPr lang="en-GB" sz="1400" dirty="0">
-                        <a:latin typeface="+mn-lt"/>
-                      </a:endParaRPr>
-                    </a:p>
-                  </a:txBody>
-                  <a:tcPr anchor="ctr">
-                    <a:lnL w="12700" cap="flat" cmpd="sng" algn="ctr">
-                      <a:solidFill>
-                        <a:schemeClr val="accent2">
-                          <a:lumMod val="75000"/>
-                        </a:schemeClr>
-                      </a:solidFill>
-                      <a:prstDash val="solid"/>
-                      <a:round/>
-                      <a:headEnd type="none" w="med" len="med"/>
-                      <a:tailEnd type="none" w="med" len="med"/>
-                    </a:lnL>
-                    <a:lnR w="12700" cap="flat" cmpd="sng" algn="ctr">
-                      <a:solidFill>
-                        <a:schemeClr val="accent2">
-                          <a:lumMod val="75000"/>
-                        </a:schemeClr>
-                      </a:solidFill>
-                      <a:prstDash val="solid"/>
-                      <a:round/>
-                      <a:headEnd type="none" w="med" len="med"/>
-                      <a:tailEnd type="none" w="med" len="med"/>
-                    </a:lnR>
-                    <a:lnT w="12700" cap="flat" cmpd="sng" algn="ctr">
-                      <a:solidFill>
-                        <a:schemeClr val="accent2">
-                          <a:lumMod val="75000"/>
-                        </a:schemeClr>
-                      </a:solidFill>
-                      <a:prstDash val="solid"/>
-                      <a:round/>
-                      <a:headEnd type="none" w="med" len="med"/>
-                      <a:tailEnd type="none" w="med" len="med"/>
-                    </a:lnT>
-                    <a:lnB w="12700" cap="flat" cmpd="sng" algn="ctr">
-                      <a:solidFill>
-                        <a:schemeClr val="accent2">
-                          <a:lumMod val="75000"/>
-                        </a:schemeClr>
-                      </a:solidFill>
-                      <a:prstDash val="solid"/>
-                      <a:round/>
-                      <a:headEnd type="none" w="med" len="med"/>
-                      <a:tailEnd type="none" w="med" len="med"/>
-                    </a:lnB>
-                    <a:noFill/>
-                  </a:tcPr>
-                </a:tc>
-                <a:tc>
-                  <a:txBody>
-                    <a:bodyPr/>
-                    <a:lstStyle/>
-                    <a:p>
-                      <a:endParaRPr lang="en-GB" sz="1400" dirty="0">
-                        <a:latin typeface="+mn-lt"/>
-                      </a:endParaRPr>
-                    </a:p>
-                  </a:txBody>
-                  <a:tcPr anchor="ctr">
-                    <a:lnL w="12700" cap="flat" cmpd="sng" algn="ctr">
-                      <a:solidFill>
-                        <a:schemeClr val="accent2">
-                          <a:lumMod val="75000"/>
-                        </a:schemeClr>
-                      </a:solidFill>
-                      <a:prstDash val="solid"/>
-                      <a:round/>
-                      <a:headEnd type="none" w="med" len="med"/>
-                      <a:tailEnd type="none" w="med" len="med"/>
-                    </a:lnL>
-                    <a:lnR w="12700" cap="flat" cmpd="sng" algn="ctr">
-                      <a:solidFill>
-                        <a:schemeClr val="accent2">
-                          <a:lumMod val="75000"/>
-                        </a:schemeClr>
-                      </a:solidFill>
-                      <a:prstDash val="solid"/>
-                      <a:round/>
-                      <a:headEnd type="none" w="med" len="med"/>
-                      <a:tailEnd type="none" w="med" len="med"/>
-                    </a:lnR>
-                    <a:lnT w="12700" cap="flat" cmpd="sng" algn="ctr">
-                      <a:solidFill>
-                        <a:schemeClr val="accent2">
-                          <a:lumMod val="75000"/>
-                        </a:schemeClr>
-                      </a:solidFill>
-                      <a:prstDash val="solid"/>
-                      <a:round/>
-                      <a:headEnd type="none" w="med" len="med"/>
-                      <a:tailEnd type="none" w="med" len="med"/>
-                    </a:lnT>
-                    <a:lnB w="12700" cap="flat" cmpd="sng" algn="ctr">
-                      <a:solidFill>
-                        <a:schemeClr val="accent2">
-                          <a:lumMod val="75000"/>
-                        </a:schemeClr>
-                      </a:solidFill>
-                      <a:prstDash val="solid"/>
-                      <a:round/>
-                      <a:headEnd type="none" w="med" len="med"/>
-                      <a:tailEnd type="none" w="med" len="med"/>
-                    </a:lnB>
-                    <a:noFill/>
-                  </a:tcPr>
-                </a:tc>
-                <a:tc>
-                  <a:txBody>
-                    <a:bodyPr/>
-                    <a:lstStyle/>
-                    <a:p>
-                      <a:endParaRPr lang="en-GB" sz="1400" dirty="0">
-                        <a:latin typeface="+mn-lt"/>
-                      </a:endParaRPr>
-                    </a:p>
-                  </a:txBody>
-                  <a:tcPr anchor="ctr">
-                    <a:lnL w="12700" cap="flat" cmpd="sng" algn="ctr">
-                      <a:solidFill>
-                        <a:schemeClr val="accent2">
-                          <a:lumMod val="75000"/>
-                        </a:schemeClr>
-                      </a:solidFill>
-                      <a:prstDash val="solid"/>
-                      <a:round/>
-                      <a:headEnd type="none" w="med" len="med"/>
-                      <a:tailEnd type="none" w="med" len="med"/>
-                    </a:lnL>
-                    <a:lnR w="38100" cap="flat" cmpd="sng" algn="ctr">
-                      <a:noFill/>
-                      <a:prstDash val="solid"/>
-                      <a:round/>
-                      <a:headEnd type="none" w="med" len="med"/>
-                      <a:tailEnd type="none" w="med" len="med"/>
-                    </a:lnR>
-                    <a:lnT w="12700" cap="flat" cmpd="sng" algn="ctr">
-                      <a:solidFill>
-                        <a:schemeClr val="accent2">
-                          <a:lumMod val="75000"/>
-                        </a:schemeClr>
-                      </a:solidFill>
-                      <a:prstDash val="solid"/>
-                      <a:round/>
-                      <a:headEnd type="none" w="med" len="med"/>
-                      <a:tailEnd type="none" w="med" len="med"/>
-                    </a:lnT>
-                    <a:lnB w="12700" cap="flat" cmpd="sng" algn="ctr">
-                      <a:solidFill>
-                        <a:schemeClr val="accent2">
-                          <a:lumMod val="75000"/>
-                        </a:schemeClr>
-                      </a:solidFill>
-                      <a:prstDash val="solid"/>
-                      <a:round/>
-                      <a:headEnd type="none" w="med" len="med"/>
-                      <a:tailEnd type="none" w="med" len="med"/>
-                    </a:lnB>
-                    <a:noFill/>
-                  </a:tcPr>
-                </a:tc>
-                <a:extLst>
-                  <a:ext uri="{0D108BD9-81ED-4DB2-BD59-A6C34878D82A}">
-                    <a16:rowId xmlns:a16="http://schemas.microsoft.com/office/drawing/2014/main" val="446909641"/>
-                  </a:ext>
-                </a:extLst>
-              </a:tr>
-              <a:tr h="548640">
-                <a:tc>
-                  <a:txBody>
-                    <a:bodyPr/>
-                    <a:lstStyle/>
-                    <a:p>
-                      <a:endParaRPr lang="en-GB" sz="1400" dirty="0">
-                        <a:latin typeface="+mn-lt"/>
-                      </a:endParaRPr>
-                    </a:p>
-                  </a:txBody>
-                  <a:tcPr anchor="ctr">
-                    <a:lnL w="38100" cap="flat" cmpd="sng" algn="ctr">
-                      <a:noFill/>
-                      <a:prstDash val="solid"/>
-                      <a:round/>
-                      <a:headEnd type="none" w="med" len="med"/>
-                      <a:tailEnd type="none" w="med" len="med"/>
-                    </a:lnL>
-                    <a:lnR w="12700" cap="flat" cmpd="sng" algn="ctr">
-                      <a:solidFill>
-                        <a:schemeClr val="accent2">
-                          <a:lumMod val="75000"/>
-                        </a:schemeClr>
-                      </a:solidFill>
-                      <a:prstDash val="solid"/>
-                      <a:round/>
-                      <a:headEnd type="none" w="med" len="med"/>
-                      <a:tailEnd type="none" w="med" len="med"/>
-                    </a:lnR>
-                    <a:lnT w="12700" cap="flat" cmpd="sng" algn="ctr">
-                      <a:solidFill>
-                        <a:schemeClr val="accent2">
-                          <a:lumMod val="75000"/>
-                        </a:schemeClr>
-                      </a:solidFill>
-                      <a:prstDash val="solid"/>
-                      <a:round/>
-                      <a:headEnd type="none" w="med" len="med"/>
-                      <a:tailEnd type="none" w="med" len="med"/>
-                    </a:lnT>
-                    <a:lnB w="12700" cap="flat" cmpd="sng" algn="ctr">
-                      <a:solidFill>
-                        <a:schemeClr val="accent2">
-                          <a:lumMod val="75000"/>
-                        </a:schemeClr>
-                      </a:solidFill>
-                      <a:prstDash val="solid"/>
-                      <a:round/>
-                      <a:headEnd type="none" w="med" len="med"/>
-                      <a:tailEnd type="none" w="med" len="med"/>
-                    </a:lnB>
-                    <a:solidFill>
-                      <a:schemeClr val="accent5"/>
-                    </a:solidFill>
-                  </a:tcPr>
-                </a:tc>
-                <a:tc>
-                  <a:txBody>
-                    <a:bodyPr/>
-                    <a:lstStyle/>
-                    <a:p>
-                      <a:endParaRPr lang="en-GB" sz="1400" dirty="0">
-                        <a:latin typeface="+mn-lt"/>
-                      </a:endParaRPr>
-                    </a:p>
-                  </a:txBody>
-                  <a:tcPr anchor="ctr">
-                    <a:lnL w="12700" cap="flat" cmpd="sng" algn="ctr">
-                      <a:solidFill>
-                        <a:schemeClr val="accent2">
-                          <a:lumMod val="75000"/>
-                        </a:schemeClr>
-                      </a:solidFill>
-                      <a:prstDash val="solid"/>
-                      <a:round/>
-                      <a:headEnd type="none" w="med" len="med"/>
-                      <a:tailEnd type="none" w="med" len="med"/>
-                    </a:lnL>
-                    <a:lnR w="12700" cap="flat" cmpd="sng" algn="ctr">
-                      <a:solidFill>
-                        <a:schemeClr val="accent2">
-                          <a:lumMod val="75000"/>
-                        </a:schemeClr>
-                      </a:solidFill>
-                      <a:prstDash val="solid"/>
-                      <a:round/>
-                      <a:headEnd type="none" w="med" len="med"/>
-                      <a:tailEnd type="none" w="med" len="med"/>
-                    </a:lnR>
-                    <a:lnT w="12700" cap="flat" cmpd="sng" algn="ctr">
-                      <a:solidFill>
-                        <a:schemeClr val="accent2">
-                          <a:lumMod val="75000"/>
-                        </a:schemeClr>
-                      </a:solidFill>
-                      <a:prstDash val="solid"/>
-                      <a:round/>
-                      <a:headEnd type="none" w="med" len="med"/>
-                      <a:tailEnd type="none" w="med" len="med"/>
-                    </a:lnT>
-                    <a:lnB w="12700" cap="flat" cmpd="sng" algn="ctr">
-                      <a:solidFill>
-                        <a:schemeClr val="accent2">
-                          <a:lumMod val="75000"/>
-                        </a:schemeClr>
-                      </a:solidFill>
-                      <a:prstDash val="solid"/>
-                      <a:round/>
-                      <a:headEnd type="none" w="med" len="med"/>
-                      <a:tailEnd type="none" w="med" len="med"/>
-                    </a:lnB>
-                    <a:solidFill>
-                      <a:schemeClr val="accent5"/>
-                    </a:solidFill>
-                  </a:tcPr>
-                </a:tc>
-                <a:tc>
-                  <a:txBody>
-                    <a:bodyPr/>
-                    <a:lstStyle/>
-                    <a:p>
-                      <a:endParaRPr lang="en-GB" sz="1400" dirty="0">
-                        <a:latin typeface="+mn-lt"/>
-                      </a:endParaRPr>
-                    </a:p>
-                  </a:txBody>
-                  <a:tcPr anchor="ctr">
-                    <a:lnL w="12700" cap="flat" cmpd="sng" algn="ctr">
-                      <a:solidFill>
-                        <a:schemeClr val="accent2">
-                          <a:lumMod val="75000"/>
-                        </a:schemeClr>
-                      </a:solidFill>
-                      <a:prstDash val="solid"/>
-                      <a:round/>
-                      <a:headEnd type="none" w="med" len="med"/>
-                      <a:tailEnd type="none" w="med" len="med"/>
-                    </a:lnL>
-                    <a:lnR w="12700" cap="flat" cmpd="sng" algn="ctr">
-                      <a:solidFill>
-                        <a:schemeClr val="accent2">
-                          <a:lumMod val="75000"/>
-                        </a:schemeClr>
-                      </a:solidFill>
-                      <a:prstDash val="solid"/>
-                      <a:round/>
-                      <a:headEnd type="none" w="med" len="med"/>
-                      <a:tailEnd type="none" w="med" len="med"/>
-                    </a:lnR>
-                    <a:lnT w="12700" cap="flat" cmpd="sng" algn="ctr">
-                      <a:solidFill>
-                        <a:schemeClr val="accent2">
-                          <a:lumMod val="75000"/>
-                        </a:schemeClr>
-                      </a:solidFill>
-                      <a:prstDash val="solid"/>
-                      <a:round/>
-                      <a:headEnd type="none" w="med" len="med"/>
-                      <a:tailEnd type="none" w="med" len="med"/>
-                    </a:lnT>
-                    <a:lnB w="12700" cap="flat" cmpd="sng" algn="ctr">
-                      <a:solidFill>
-                        <a:schemeClr val="accent2">
-                          <a:lumMod val="75000"/>
-                        </a:schemeClr>
-                      </a:solidFill>
-                      <a:prstDash val="solid"/>
-                      <a:round/>
-                      <a:headEnd type="none" w="med" len="med"/>
-                      <a:tailEnd type="none" w="med" len="med"/>
-                    </a:lnB>
-                    <a:solidFill>
-                      <a:schemeClr val="accent5"/>
-                    </a:solidFill>
-                  </a:tcPr>
-                </a:tc>
-                <a:tc>
-                  <a:txBody>
-                    <a:bodyPr/>
-                    <a:lstStyle/>
-                    <a:p>
-                      <a:endParaRPr lang="en-GB" sz="1400" dirty="0">
-                        <a:latin typeface="+mn-lt"/>
-                      </a:endParaRPr>
-                    </a:p>
-                  </a:txBody>
-                  <a:tcPr anchor="ctr">
-                    <a:lnL w="12700" cap="flat" cmpd="sng" algn="ctr">
-                      <a:solidFill>
-                        <a:schemeClr val="accent2">
-                          <a:lumMod val="75000"/>
-                        </a:schemeClr>
-                      </a:solidFill>
-                      <a:prstDash val="solid"/>
-                      <a:round/>
-                      <a:headEnd type="none" w="med" len="med"/>
-                      <a:tailEnd type="none" w="med" len="med"/>
-                    </a:lnL>
-                    <a:lnR w="38100" cap="flat" cmpd="sng" algn="ctr">
-                      <a:noFill/>
-                      <a:prstDash val="solid"/>
-                      <a:round/>
-                      <a:headEnd type="none" w="med" len="med"/>
-                      <a:tailEnd type="none" w="med" len="med"/>
-                    </a:lnR>
-                    <a:lnT w="12700" cap="flat" cmpd="sng" algn="ctr">
-                      <a:solidFill>
-                        <a:schemeClr val="accent2">
-                          <a:lumMod val="75000"/>
-                        </a:schemeClr>
-                      </a:solidFill>
-                      <a:prstDash val="solid"/>
-                      <a:round/>
-                      <a:headEnd type="none" w="med" len="med"/>
-                      <a:tailEnd type="none" w="med" len="med"/>
-                    </a:lnT>
-                    <a:lnB w="12700" cap="flat" cmpd="sng" algn="ctr">
-                      <a:solidFill>
-                        <a:schemeClr val="accent2">
-                          <a:lumMod val="75000"/>
-                        </a:schemeClr>
-                      </a:solidFill>
-                      <a:prstDash val="solid"/>
-                      <a:round/>
-                      <a:headEnd type="none" w="med" len="med"/>
-                      <a:tailEnd type="none" w="med" len="med"/>
-                    </a:lnB>
-                    <a:solidFill>
-                      <a:schemeClr val="accent5"/>
-                    </a:solidFill>
-                  </a:tcPr>
-                </a:tc>
-                <a:extLst>
-                  <a:ext uri="{0D108BD9-81ED-4DB2-BD59-A6C34878D82A}">
-                    <a16:rowId xmlns:a16="http://schemas.microsoft.com/office/drawing/2014/main" val="3472044516"/>
-                  </a:ext>
-                </a:extLst>
-              </a:tr>
-            </a:tbl>
-          </a:graphicData>
-        </a:graphic>
-      </p:graphicFrame>
-      <p:sp>
-        <p:nvSpPr>
-          <p:cNvPr id="2" name="Slide Number Placeholder 1">
-            <a:extLst>
-              <a:ext uri="{FF2B5EF4-FFF2-40B4-BE49-F238E27FC236}">
-                <a16:creationId xmlns:a16="http://schemas.microsoft.com/office/drawing/2014/main" id="{E4398C1C-6656-4A73-A680-62A81CDC27FD}"/>
-              </a:ext>
-            </a:extLst>
-          </p:cNvPr>
-          <p:cNvSpPr>
-            <a:spLocks noGrp="1"/>
-          </p:cNvSpPr>
-          <p:nvPr>
-            <p:ph type="sldNum" sz="quarter" idx="12"/>
-          </p:nvPr>
-        </p:nvSpPr>
-        <p:spPr/>
-        <p:txBody>
-          <a:bodyPr/>
-          <a:lstStyle/>
-          <a:p>
-            <a:fld id="{C263D6C4-4840-40CC-AC84-17E24B3B7BDE}" type="slidenum">
-              <a:rPr lang="en-US" smtClean="0"/>
-              <a:pPr/>
-              <a:t>22</a:t>
-            </a:fld>
-            <a:endParaRPr lang="en-US" dirty="0"/>
-          </a:p>
-        </p:txBody>
-      </p:sp>
-    </p:spTree>
-    <p:extLst>
-      <p:ext uri="{BB962C8B-B14F-4D97-AF65-F5344CB8AC3E}">
-        <p14:creationId xmlns:p14="http://schemas.microsoft.com/office/powerpoint/2010/main" val="1065425595"/>
-      </p:ext>
-    </p:extLst>
-  </p:cSld>
-  <p:clrMapOvr>
-    <a:masterClrMapping/>
-  </p:clrMapOvr>
-  <mc:AlternateContent xmlns:mc="http://schemas.openxmlformats.org/markup-compatibility/2006" xmlns:p14="http://schemas.microsoft.com/office/powerpoint/2010/main">
-    <mc:Choice Requires="p14">
-      <p:transition spd="med" p14:dur="700">
-        <p:fade/>
-      </p:transition>
-    </mc:Choice>
-    <mc:Fallback xmlns="">
-      <p:transition spd="med">
-        <p:fade/>
-      </p:transition>
-    </mc:Fallback>
-  </mc:AlternateContent>
-</p:sld>
-</file>
-
-<file path=ppt/slides/slide23.xml><?xml version="1.0" encoding="utf-8"?>
-<p:sld xmlns:a="http://schemas.openxmlformats.org/drawingml/2006/main" xmlns:r="http://schemas.openxmlformats.org/officeDocument/2006/relationships" xmlns:p="http://schemas.openxmlformats.org/presentationml/2006/main">
-  <p:cSld>
-    <p:spTree>
-      <p:nvGrpSpPr>
-        <p:cNvPr id="1" name=""/>
-        <p:cNvGrpSpPr/>
-        <p:nvPr/>
-      </p:nvGrpSpPr>
-      <p:grpSpPr>
-        <a:xfrm>
-          <a:off x="0" y="0"/>
-          <a:ext cx="0" cy="0"/>
-          <a:chOff x="0" y="0"/>
-          <a:chExt cx="0" cy="0"/>
-        </a:xfrm>
-      </p:grpSpPr>
-      <p:sp>
-        <p:nvSpPr>
-          <p:cNvPr id="6" name="Title 5">
-            <a:extLst>
-              <a:ext uri="{FF2B5EF4-FFF2-40B4-BE49-F238E27FC236}">
-                <a16:creationId xmlns:a16="http://schemas.microsoft.com/office/drawing/2014/main" id="{A4CD37D6-FE32-48E3-A3AD-F07BE6A19FA1}"/>
-              </a:ext>
-            </a:extLst>
-          </p:cNvPr>
-          <p:cNvSpPr>
-            <a:spLocks noGrp="1"/>
-          </p:cNvSpPr>
-          <p:nvPr>
-            <p:ph type="title"/>
-          </p:nvPr>
-        </p:nvSpPr>
-        <p:spPr>
-          <a:xfrm>
-            <a:off x="533399" y="3200400"/>
-            <a:ext cx="7551057" cy="2859313"/>
-          </a:xfrm>
-        </p:spPr>
-        <p:txBody>
-          <a:bodyPr/>
-          <a:lstStyle/>
-          <a:p>
-            <a:r>
-              <a:rPr lang="en-US" dirty="0"/>
-              <a:t>Quote appears here </a:t>
-            </a:r>
-            <a:br>
-              <a:rPr lang="en-US" dirty="0"/>
-            </a:br>
-            <a:r>
-              <a:rPr lang="en-US" dirty="0"/>
-              <a:t>Lorem ipsum dolor sit amet, consectetuer adipiscing elit.” </a:t>
-            </a:r>
-            <a:br>
-              <a:rPr lang="en-US" dirty="0"/>
-            </a:br>
-            <a:r>
-              <a:rPr lang="en-US" sz="2400" dirty="0"/>
-              <a:t>- Author</a:t>
-            </a:r>
-            <a:endParaRPr lang="en-US" dirty="0"/>
-          </a:p>
-        </p:txBody>
-      </p:sp>
-      <p:sp>
-        <p:nvSpPr>
-          <p:cNvPr id="2" name="Slide Number Placeholder 1">
-            <a:extLst>
-              <a:ext uri="{FF2B5EF4-FFF2-40B4-BE49-F238E27FC236}">
-                <a16:creationId xmlns:a16="http://schemas.microsoft.com/office/drawing/2014/main" id="{8EDC7217-2779-44E0-9E6D-3B3879516A1D}"/>
-              </a:ext>
-            </a:extLst>
-          </p:cNvPr>
-          <p:cNvSpPr>
-            <a:spLocks noGrp="1"/>
-          </p:cNvSpPr>
-          <p:nvPr>
-            <p:ph type="sldNum" sz="quarter" idx="12"/>
-          </p:nvPr>
-        </p:nvSpPr>
-        <p:spPr/>
-        <p:txBody>
-          <a:bodyPr/>
-          <a:lstStyle/>
-          <a:p>
-            <a:fld id="{C263D6C4-4840-40CC-AC84-17E24B3B7BDE}" type="slidenum">
-              <a:rPr lang="en-US" smtClean="0"/>
-              <a:pPr/>
-              <a:t>23</a:t>
-            </a:fld>
-            <a:endParaRPr lang="en-US" dirty="0"/>
-          </a:p>
-        </p:txBody>
-      </p:sp>
-    </p:spTree>
-    <p:extLst>
-      <p:ext uri="{BB962C8B-B14F-4D97-AF65-F5344CB8AC3E}">
-        <p14:creationId xmlns:p14="http://schemas.microsoft.com/office/powerpoint/2010/main" val="914134537"/>
       </p:ext>
     </p:extLst>
   </p:cSld>
@@ -30053,7 +27026,7 @@
           <a:p>
             <a:r>
               <a:rPr lang="en-GB" dirty="0"/>
-              <a:t>The whiteboard can be used as a learning tool for both personal, business and educational use or in any working or collaborative environment. This is because of its networking ability allowing it to be shared across multiple devices, meaning many people can work or view the whiteboard at once.</a:t>
+              <a:t>The whiteboard can be used as a learning tool for personal, business and educational use or in any working or collaborative environment. This is because of it’s networking ability allowing it to be shared across multiple devices, meaning many people can work or view the whiteboard at once.</a:t>
             </a:r>
           </a:p>
           <a:p>
@@ -30089,7 +27062,7 @@
           <a:p>
             <a:r>
               <a:rPr lang="en-GB" sz="1800" dirty="0"/>
-              <a:t>In the UK (especially England) due to a £15 billion pound push in 2015, wall mounted whiteboards are extremely common in classrooms</a:t>
+              <a:t>In the UK (especially England) due to a 15-billion-pound push in 2015, wall mounted whiteboards are extremely common in classrooms</a:t>
             </a:r>
             <a:r>
               <a:rPr lang="en-GB" sz="1800" baseline="30000" dirty="0"/>
@@ -30097,7 +27070,7 @@
             </a:r>
             <a:r>
               <a:rPr lang="en-GB" sz="1800" dirty="0"/>
-              <a:t>. Study's have suggested that students prefer to use a whiteboard and that it makes the lesson more interesting and that its easier to concentrate</a:t>
+              <a:t>. Study's have suggested that students prefer to use a whiteboard and that it makes the lesson more interesting and that it’s easier to concentrate</a:t>
             </a:r>
             <a:r>
               <a:rPr lang="en-GB" sz="1800" baseline="30000" dirty="0"/>
@@ -30138,8 +27111,8 @@
         </p:nvSpPr>
         <p:spPr>
           <a:xfrm>
-            <a:off x="958791" y="6034045"/>
-            <a:ext cx="10274417" cy="861774"/>
+            <a:off x="958791" y="6181642"/>
+            <a:ext cx="10274417" cy="707886"/>
           </a:xfrm>
           <a:prstGeom prst="rect">
             <a:avLst/>
@@ -30153,7 +27126,7 @@
           <a:lstStyle/>
           <a:p>
             <a:r>
-              <a:rPr lang="en-GB" sz="900" dirty="0">
+              <a:rPr lang="en-GB" sz="800" dirty="0">
                 <a:solidFill>
                   <a:schemeClr val="bg1"/>
                 </a:solidFill>
@@ -30164,7 +27137,7 @@
               <a:t>[1]S. DiGregorio P “The Effects of Interactive Whiteboards (IWBs) on Student Performance and Learning: A Literature Review.”, </a:t>
             </a:r>
             <a:r>
-              <a:rPr lang="en-GB" sz="900" i="1" dirty="0">
+              <a:rPr lang="en-GB" sz="800" i="1" dirty="0">
                 <a:solidFill>
                   <a:schemeClr val="bg1"/>
                 </a:solidFill>
@@ -30175,7 +27148,7 @@
               <a:t>Journal of Educational Technology Systems</a:t>
             </a:r>
             <a:r>
-              <a:rPr lang="en-GB" sz="900" dirty="0">
+              <a:rPr lang="en-GB" sz="800" dirty="0">
                 <a:solidFill>
                   <a:schemeClr val="bg1"/>
                 </a:solidFill>
@@ -30186,7 +27159,7 @@
               <a:t>, 2010. [Online]. Available: </a:t>
             </a:r>
             <a:r>
-              <a:rPr lang="en-GB" sz="900" u="sng" dirty="0">
+              <a:rPr lang="en-GB" sz="800" u="sng" dirty="0">
                 <a:solidFill>
                   <a:schemeClr val="bg1"/>
                 </a:solidFill>
@@ -30204,7 +27177,7 @@
               </a:rPr>
               <a:t>https://journals.sagepub.com/doi/pdf/10.2190/ET.38.3.b</a:t>
             </a:r>
-            <a:endParaRPr lang="en-GB" sz="900" u="sng" dirty="0">
+            <a:endParaRPr lang="en-GB" sz="800" u="sng" dirty="0">
               <a:solidFill>
                 <a:schemeClr val="bg1"/>
               </a:solidFill>
@@ -30216,7 +27189,7 @@
           </a:p>
           <a:p>
             <a:r>
-              <a:rPr lang="en-GB" sz="900" dirty="0">
+              <a:rPr lang="en-GB" sz="800" dirty="0">
                 <a:solidFill>
                   <a:schemeClr val="bg1"/>
                 </a:solidFill>
@@ -30224,32 +27197,10 @@
                 <a:latin typeface="Arial" panose="020B0604020202020204" pitchFamily="34" charset="0"/>
                 <a:ea typeface="Calibri" panose="020F0502020204030204" pitchFamily="34" charset="0"/>
               </a:rPr>
-              <a:t>[2]</a:t>
+              <a:t>[2] W. </a:t>
             </a:r>
             <a:r>
-              <a:rPr lang="en-GB" sz="1400" dirty="0">
-                <a:solidFill>
-                  <a:schemeClr val="bg1"/>
-                </a:solidFill>
-                <a:effectLst/>
-                <a:latin typeface="Arial" panose="020B0604020202020204" pitchFamily="34" charset="0"/>
-                <a:ea typeface="Calibri" panose="020F0502020204030204" pitchFamily="34" charset="0"/>
-              </a:rPr>
-              <a:t> </a:t>
-            </a:r>
-            <a:r>
-              <a:rPr lang="en-GB" sz="900" dirty="0">
-                <a:solidFill>
-                  <a:schemeClr val="bg1"/>
-                </a:solidFill>
-                <a:effectLst/>
-                <a:latin typeface="Arial" panose="020B0604020202020204" pitchFamily="34" charset="0"/>
-                <a:ea typeface="Calibri" panose="020F0502020204030204" pitchFamily="34" charset="0"/>
-              </a:rPr>
-              <a:t>W. </a:t>
-            </a:r>
-            <a:r>
-              <a:rPr lang="en-GB" sz="900" dirty="0" err="1">
+              <a:rPr lang="en-GB" sz="800" dirty="0" err="1">
                 <a:solidFill>
                   <a:schemeClr val="bg1"/>
                 </a:solidFill>
@@ -30260,7 +27211,7 @@
               <a:t>Beeland</a:t>
             </a:r>
             <a:r>
-              <a:rPr lang="en-GB" sz="900" dirty="0">
+              <a:rPr lang="en-GB" sz="800" dirty="0">
                 <a:solidFill>
                   <a:schemeClr val="bg1"/>
                 </a:solidFill>
@@ -30271,7 +27222,7 @@
               <a:t>, "Student Engagement, Visual Learning and Technology: Can Interactive Whiteboards Help?", </a:t>
             </a:r>
             <a:r>
-              <a:rPr lang="en-GB" sz="900" i="1" dirty="0">
+              <a:rPr lang="en-GB" sz="800" i="1" dirty="0">
                 <a:solidFill>
                   <a:schemeClr val="bg1"/>
                 </a:solidFill>
@@ -30282,7 +27233,7 @@
               <a:t>Vtext.valdosta.edu</a:t>
             </a:r>
             <a:r>
-              <a:rPr lang="en-GB" sz="900" dirty="0">
+              <a:rPr lang="en-GB" sz="800" dirty="0">
                 <a:solidFill>
                   <a:schemeClr val="bg1"/>
                 </a:solidFill>
@@ -30295,7 +27246,7 @@
           </a:p>
           <a:p>
             <a:r>
-              <a:rPr lang="en-GB" sz="900" dirty="0">
+              <a:rPr lang="en-GB" sz="800" dirty="0">
                 <a:solidFill>
                   <a:schemeClr val="bg1"/>
                 </a:solidFill>
@@ -30303,7 +27254,7 @@
               </a:rPr>
               <a:t>[3] Sean Coughlan “Tablet computers in '70% of schools’”, 2014. [Online] Available: https://www.bbc.co.uk/news/education-30216408</a:t>
             </a:r>
-            <a:endParaRPr lang="en-GB" sz="900" dirty="0">
+            <a:endParaRPr lang="en-GB" sz="800" dirty="0">
               <a:solidFill>
                 <a:schemeClr val="bg1"/>
               </a:solidFill>
@@ -30531,7 +27482,7 @@
           <a:p>
             <a:r>
               <a:rPr lang="en-US" dirty="0"/>
-              <a:t>Canvas for whiteboard with the facilities to change the color of what you are drawing, undo the last drawing and clear the whiteboard</a:t>
+              <a:t>A canvas for the whiteboard with the facilities to change the color of what you are drawing, undo the last drawing and clear the whiteboard</a:t>
             </a:r>
           </a:p>
         </p:txBody>
@@ -30643,7 +27594,7 @@
           <a:p>
             <a:r>
               <a:rPr lang="en-US" dirty="0"/>
-              <a:t>The storage of whiteboards in a database (meaning whiteboards can be saved across server restarts or if a user joins the whiteboard, they can see current progress)</a:t>
+              <a:t>The saving &amp; retrieval of whiteboards in a database (meaning whiteboards can be saved across server restarts or if a user joins the whiteboard, they can see current progress)</a:t>
             </a:r>
           </a:p>
         </p:txBody>
@@ -31041,7 +27992,7 @@
             </a:pPr>
             <a:r>
               <a:rPr lang="en-US" sz="1400" dirty="0"/>
-              <a:t>As previously mentioned, the whiteboard can be drawn onto by lines, shapes or text. This can be done in any of the colors provided. This data is then sent to the server, whilst the user is drawing it’s distributed to any connected clients who is also currently viewing that whiteboard. The server also stores any actions into a MongoDB collection, titled the name of the whiteboard (</a:t>
+              <a:t>As previously mentioned, the whiteboard can be drawn onto by lines, shapes or text. This can be done in any of the colors provided. This data is then sent to the server, and whilst the user is drawing it’s distributed to any connected clients who is also currently viewing that whiteboard. The server also stores any actions into a MongoDB collection, titled the name of the generated whiteboard (</a:t>
             </a:r>
             <a:r>
               <a:rPr lang="en-US" sz="1400" dirty="0" err="1"/>
@@ -31070,7 +28021,7 @@
             </a:pPr>
             <a:r>
               <a:rPr lang="en-US" sz="1400" dirty="0"/>
-              <a:t>I chose MongoDB because of its flexibility when inserting data. Rather than the database just having a pre-designed set of columns, which would mean id need a bunch of redundant columns in certain cases or have to do lots of array processing on the server every time a request is made which makes SQL quite redundant as I might as well be writing it to a file at that point – putting aside the I/O overhead. MongoDB lets me store the data in a format similar to JSON files which gives me great flexibility in how I store data.</a:t>
+              <a:t>I chose MongoDB because of it’s flexibility when inserting data. This is rather than the database just having a pre-designed set of columns. This is because I would of needed a bunch of redundant columns in certain cases or alternatively having to do lots of array processing on the server every time a request is made, which makes SQL pointless as I might as well be reading/writing to a file at that point – putting aside the I/O overhead. MongoDB lets me store the data in a format similar to JSON files which gives me great flexibility in how I store data.</a:t>
             </a:r>
           </a:p>
           <a:p>
@@ -31272,7 +28223,7 @@
           <a:p>
             <a:r>
               <a:rPr lang="en-US" sz="1800" dirty="0"/>
-              <a:t>When something is being drawn it records the author of who is drawing, the type of object they are drawing (</a:t>
+              <a:t>When something is being drawn it stores the author of who is drawing, the type of object they are drawing (</a:t>
             </a:r>
             <a:r>
               <a:rPr lang="en-US" sz="1800" dirty="0" err="1"/>
@@ -31280,7 +28231,7 @@
             </a:r>
             <a:r>
               <a:rPr lang="en-US" sz="1800" dirty="0"/>
-              <a:t> “line”, “text”, “circle”), and its data which consists of it’s starting positions, ending positions, text data (if applicable) &amp; color. In future it will also store sizes like line size, text size.</a:t>
+              <a:t> “line”, “text”, “circle”), and it’s data which consists of it’s starting positions, ending positions, text data (if applicable) &amp; color. In future it will also store sizes like the line size or text size.</a:t>
             </a:r>
           </a:p>
           <a:p>
@@ -31319,13 +28270,13 @@
   <p:clrMapOvr>
     <a:masterClrMapping/>
   </p:clrMapOvr>
-  <mc:AlternateContent xmlns:mc="http://schemas.openxmlformats.org/markup-compatibility/2006">
-    <mc:Choice xmlns:p14="http://schemas.microsoft.com/office/powerpoint/2010/main" Requires="p14">
+  <mc:AlternateContent xmlns:mc="http://schemas.openxmlformats.org/markup-compatibility/2006" xmlns:p14="http://schemas.microsoft.com/office/powerpoint/2010/main">
+    <mc:Choice Requires="p14">
       <p:transition spd="med" p14:dur="700">
         <p:fade/>
       </p:transition>
     </mc:Choice>
-    <mc:Fallback>
+    <mc:Fallback xmlns="">
       <p:transition spd="med">
         <p:fade/>
       </p:transition>
@@ -32441,14 +29392,6 @@
 </file>
 
 <file path=customXml/item1.xml><?xml version="1.0" encoding="utf-8"?>
-<p:properties xmlns:p="http://schemas.microsoft.com/office/2006/metadata/properties" xmlns:xsi="http://www.w3.org/2001/XMLSchema-instance" xmlns:pc="http://schemas.microsoft.com/office/infopath/2007/PartnerControls">
-  <documentManagement>
-    <MediaServiceKeyPoints xmlns="71af3243-3dd4-4a8d-8c0d-dd76da1f02a5" xsi:nil="true"/>
-  </documentManagement>
-</p:properties>
-</file>
-
-<file path=customXml/item2.xml><?xml version="1.0" encoding="utf-8"?>
 <ct:contentTypeSchema xmlns:ct="http://schemas.microsoft.com/office/2006/metadata/contentType" xmlns:ma="http://schemas.microsoft.com/office/2006/metadata/properties/metaAttributes" ct:_="" ma:_="" ma:contentTypeName="Document" ma:contentTypeID="0x01010079F111ED35F8CC479449609E8A0923A6" ma:contentTypeVersion="11" ma:contentTypeDescription="Create a new document." ma:contentTypeScope="" ma:versionID="96291512c1ee715ab617f4c07df79fc1">
   <xsd:schema xmlns:xsd="http://www.w3.org/2001/XMLSchema" xmlns:xs="http://www.w3.org/2001/XMLSchema" xmlns:p="http://schemas.microsoft.com/office/2006/metadata/properties" xmlns:ns2="71af3243-3dd4-4a8d-8c0d-dd76da1f02a5" xmlns:ns3="16c05727-aa75-4e4a-9b5f-8a80a1165891" targetNamespace="http://schemas.microsoft.com/office/2006/metadata/properties" ma:root="true" ma:fieldsID="8256c27c40ca5c40ce1cf6c44f0205df" ns2:_="" ns3:_="">
     <xsd:import namespace="71af3243-3dd4-4a8d-8c0d-dd76da1f02a5"/>
@@ -32659,6 +29602,14 @@
 </ct:contentTypeSchema>
 </file>
 
+<file path=customXml/item2.xml><?xml version="1.0" encoding="utf-8"?>
+<p:properties xmlns:p="http://schemas.microsoft.com/office/2006/metadata/properties" xmlns:xsi="http://www.w3.org/2001/XMLSchema-instance" xmlns:pc="http://schemas.microsoft.com/office/infopath/2007/PartnerControls">
+  <documentManagement>
+    <MediaServiceKeyPoints xmlns="71af3243-3dd4-4a8d-8c0d-dd76da1f02a5" xsi:nil="true"/>
+  </documentManagement>
+</p:properties>
+</file>
+
 <file path=customXml/item3.xml><?xml version="1.0" encoding="utf-8"?>
 <?mso-contentType ?>
 <FormTemplates xmlns="http://schemas.microsoft.com/sharepoint/v3/contenttype/forms">
@@ -32669,16 +29620,6 @@
 </file>
 
 <file path=customXml/itemProps1.xml><?xml version="1.0" encoding="utf-8"?>
-<ds:datastoreItem xmlns:ds="http://schemas.openxmlformats.org/officeDocument/2006/customXml" ds:itemID="{F5757914-1161-4661-9696-421FD6935CDD}">
-  <ds:schemaRefs>
-    <ds:schemaRef ds:uri="http://schemas.microsoft.com/office/2006/metadata/properties"/>
-    <ds:schemaRef ds:uri="http://schemas.microsoft.com/office/infopath/2007/PartnerControls"/>
-    <ds:schemaRef ds:uri="71af3243-3dd4-4a8d-8c0d-dd76da1f02a5"/>
-  </ds:schemaRefs>
-</ds:datastoreItem>
-</file>
-
-<file path=customXml/itemProps2.xml><?xml version="1.0" encoding="utf-8"?>
 <ds:datastoreItem xmlns:ds="http://schemas.openxmlformats.org/officeDocument/2006/customXml" ds:itemID="{4C103400-4A22-4E35-B588-4C4D42638959}">
   <ds:schemaRefs>
     <ds:schemaRef ds:uri="http://schemas.microsoft.com/office/2006/metadata/contentType"/>
@@ -32697,6 +29638,16 @@
 </ds:datastoreItem>
 </file>
 
+<file path=customXml/itemProps2.xml><?xml version="1.0" encoding="utf-8"?>
+<ds:datastoreItem xmlns:ds="http://schemas.openxmlformats.org/officeDocument/2006/customXml" ds:itemID="{F5757914-1161-4661-9696-421FD6935CDD}">
+  <ds:schemaRefs>
+    <ds:schemaRef ds:uri="http://schemas.microsoft.com/office/2006/metadata/properties"/>
+    <ds:schemaRef ds:uri="http://schemas.microsoft.com/office/infopath/2007/PartnerControls"/>
+    <ds:schemaRef ds:uri="71af3243-3dd4-4a8d-8c0d-dd76da1f02a5"/>
+  </ds:schemaRefs>
+</ds:datastoreItem>
+</file>
+
 <file path=customXml/itemProps3.xml><?xml version="1.0" encoding="utf-8"?>
 <ds:datastoreItem xmlns:ds="http://schemas.openxmlformats.org/officeDocument/2006/customXml" ds:itemID="{5B26E0C9-B2AA-42E6-97B6-E1B7D9EAF129}">
   <ds:schemaRefs>

--- a/docs/oral_presentation.pptx
+++ b/docs/oral_presentation.pptx
@@ -5,10 +5,10 @@
     <p:sldMasterId id="2147483648" r:id="rId4"/>
   </p:sldMasterIdLst>
   <p:notesMasterIdLst>
-    <p:notesMasterId r:id="rId22"/>
+    <p:notesMasterId r:id="rId23"/>
   </p:notesMasterIdLst>
   <p:handoutMasterIdLst>
-    <p:handoutMasterId r:id="rId23"/>
+    <p:handoutMasterId r:id="rId24"/>
   </p:handoutMasterIdLst>
   <p:sldIdLst>
     <p:sldId id="256" r:id="rId5"/>
@@ -20,14 +20,15 @@
     <p:sldId id="294" r:id="rId11"/>
     <p:sldId id="292" r:id="rId12"/>
     <p:sldId id="293" r:id="rId13"/>
-    <p:sldId id="285" r:id="rId14"/>
-    <p:sldId id="288" r:id="rId15"/>
-    <p:sldId id="284" r:id="rId16"/>
-    <p:sldId id="291" r:id="rId17"/>
-    <p:sldId id="290" r:id="rId18"/>
-    <p:sldId id="295" r:id="rId19"/>
-    <p:sldId id="269" r:id="rId20"/>
-    <p:sldId id="268" r:id="rId21"/>
+    <p:sldId id="296" r:id="rId14"/>
+    <p:sldId id="285" r:id="rId15"/>
+    <p:sldId id="288" r:id="rId16"/>
+    <p:sldId id="284" r:id="rId17"/>
+    <p:sldId id="291" r:id="rId18"/>
+    <p:sldId id="290" r:id="rId19"/>
+    <p:sldId id="295" r:id="rId20"/>
+    <p:sldId id="269" r:id="rId21"/>
+    <p:sldId id="268" r:id="rId22"/>
   </p:sldIdLst>
   <p:sldSz cx="12192000" cy="6858000"/>
   <p:notesSz cx="6858000" cy="9144000"/>
@@ -25580,6 +25581,225 @@
       </p:grpSpPr>
       <p:sp>
         <p:nvSpPr>
+          <p:cNvPr id="2" name="Title 1">
+            <a:extLst>
+              <a:ext uri="{FF2B5EF4-FFF2-40B4-BE49-F238E27FC236}">
+                <a16:creationId xmlns:a16="http://schemas.microsoft.com/office/drawing/2014/main" id="{CE54C260-7807-48CD-9DA8-586E0AC73247}"/>
+              </a:ext>
+            </a:extLst>
+          </p:cNvPr>
+          <p:cNvSpPr>
+            <a:spLocks noGrp="1"/>
+          </p:cNvSpPr>
+          <p:nvPr>
+            <p:ph type="title"/>
+          </p:nvPr>
+        </p:nvSpPr>
+        <p:spPr>
+          <a:xfrm>
+            <a:off x="444500" y="542925"/>
+            <a:ext cx="11214100" cy="535531"/>
+          </a:xfrm>
+        </p:spPr>
+        <p:txBody>
+          <a:bodyPr wrap="square" anchor="t">
+            <a:normAutofit/>
+          </a:bodyPr>
+          <a:lstStyle/>
+          <a:p>
+            <a:r>
+              <a:rPr lang="en-GB" dirty="0"/>
+              <a:t>The problems</a:t>
+            </a:r>
+          </a:p>
+        </p:txBody>
+      </p:sp>
+      <p:sp>
+        <p:nvSpPr>
+          <p:cNvPr id="3" name="Slide Number Placeholder 2">
+            <a:extLst>
+              <a:ext uri="{FF2B5EF4-FFF2-40B4-BE49-F238E27FC236}">
+                <a16:creationId xmlns:a16="http://schemas.microsoft.com/office/drawing/2014/main" id="{212CA330-044E-484B-9020-08BF2A44AF0B}"/>
+              </a:ext>
+            </a:extLst>
+          </p:cNvPr>
+          <p:cNvSpPr>
+            <a:spLocks noGrp="1"/>
+          </p:cNvSpPr>
+          <p:nvPr>
+            <p:ph type="sldNum" sz="quarter" idx="12"/>
+          </p:nvPr>
+        </p:nvSpPr>
+        <p:spPr>
+          <a:xfrm>
+            <a:off x="11252200" y="6315075"/>
+            <a:ext cx="406400" cy="365125"/>
+          </a:xfrm>
+        </p:spPr>
+        <p:txBody>
+          <a:bodyPr anchor="ctr">
+            <a:normAutofit/>
+          </a:bodyPr>
+          <a:lstStyle/>
+          <a:p>
+            <a:pPr>
+              <a:spcAft>
+                <a:spcPts val="600"/>
+              </a:spcAft>
+            </a:pPr>
+            <a:fld id="{C263D6C4-4840-40CC-AC84-17E24B3B7BDE}" type="slidenum">
+              <a:rPr lang="en-US" noProof="0" smtClean="0"/>
+              <a:pPr>
+                <a:spcAft>
+                  <a:spcPts val="600"/>
+                </a:spcAft>
+              </a:pPr>
+              <a:t>10</a:t>
+            </a:fld>
+            <a:endParaRPr lang="en-US" noProof="0"/>
+          </a:p>
+        </p:txBody>
+      </p:sp>
+      <p:sp>
+        <p:nvSpPr>
+          <p:cNvPr id="4" name="Text Placeholder 3">
+            <a:extLst>
+              <a:ext uri="{FF2B5EF4-FFF2-40B4-BE49-F238E27FC236}">
+                <a16:creationId xmlns:a16="http://schemas.microsoft.com/office/drawing/2014/main" id="{9CB971BE-4F20-4C7F-ABDD-094A2F0474CB}"/>
+              </a:ext>
+            </a:extLst>
+          </p:cNvPr>
+          <p:cNvSpPr>
+            <a:spLocks noGrp="1"/>
+          </p:cNvSpPr>
+          <p:nvPr>
+            <p:ph sz="half" idx="1"/>
+          </p:nvPr>
+        </p:nvSpPr>
+        <p:spPr>
+          <a:xfrm>
+            <a:off x="443365" y="1517715"/>
+            <a:ext cx="5184437" cy="4659248"/>
+          </a:xfrm>
+        </p:spPr>
+        <p:txBody>
+          <a:bodyPr>
+            <a:normAutofit/>
+          </a:bodyPr>
+          <a:lstStyle/>
+          <a:p>
+            <a:pPr marL="0" indent="0">
+              <a:buNone/>
+            </a:pPr>
+            <a:r>
+              <a:rPr lang="en-GB" dirty="0"/>
+              <a:t>I have only really encountered one major issue so far, with that being the undo system. As there is no native undo functionality of the HTML canvas element, I have to keep track of all objects drawn onto the whiteboard independently. </a:t>
+            </a:r>
+          </a:p>
+          <a:p>
+            <a:pPr marL="0" indent="0">
+              <a:buNone/>
+            </a:pPr>
+            <a:r>
+              <a:rPr lang="en-GB" dirty="0"/>
+              <a:t>My first approach was to loop through every plot of the item that was to be undone and using an eraser like effect following the coordinates of the object. This caused a weird jaggery effect however for when it came to curves and had the added disadvantage that it would delete anything under the line.</a:t>
+            </a:r>
+          </a:p>
+        </p:txBody>
+      </p:sp>
+      <p:pic>
+        <p:nvPicPr>
+          <p:cNvPr id="5" name="Picture 4">
+            <a:extLst>
+              <a:ext uri="{FF2B5EF4-FFF2-40B4-BE49-F238E27FC236}">
+                <a16:creationId xmlns:a16="http://schemas.microsoft.com/office/drawing/2014/main" id="{7F471F1E-E5EB-42AC-901B-10E8D3291409}"/>
+              </a:ext>
+            </a:extLst>
+          </p:cNvPr>
+          <p:cNvPicPr>
+            <a:picLocks noChangeAspect="1"/>
+          </p:cNvPicPr>
+          <p:nvPr/>
+        </p:nvPicPr>
+        <p:blipFill>
+          <a:blip r:embed="rId2"/>
+          <a:stretch>
+            <a:fillRect/>
+          </a:stretch>
+        </p:blipFill>
+        <p:spPr>
+          <a:xfrm>
+            <a:off x="6474163" y="3015915"/>
+            <a:ext cx="5184437" cy="2898717"/>
+          </a:xfrm>
+          <a:prstGeom prst="rect">
+            <a:avLst/>
+          </a:prstGeom>
+          <a:noFill/>
+        </p:spPr>
+      </p:pic>
+      <p:pic>
+        <p:nvPicPr>
+          <p:cNvPr id="6" name="Picture 5">
+            <a:extLst>
+              <a:ext uri="{FF2B5EF4-FFF2-40B4-BE49-F238E27FC236}">
+                <a16:creationId xmlns:a16="http://schemas.microsoft.com/office/drawing/2014/main" id="{D53211EC-7D48-4233-BC10-BFAFED3A2BDE}"/>
+              </a:ext>
+            </a:extLst>
+          </p:cNvPr>
+          <p:cNvPicPr>
+            <a:picLocks noChangeAspect="1"/>
+          </p:cNvPicPr>
+          <p:nvPr/>
+        </p:nvPicPr>
+        <p:blipFill>
+          <a:blip r:embed="rId3"/>
+          <a:stretch>
+            <a:fillRect/>
+          </a:stretch>
+        </p:blipFill>
+        <p:spPr>
+          <a:xfrm>
+            <a:off x="6474163" y="1517715"/>
+            <a:ext cx="5184436" cy="1289654"/>
+          </a:xfrm>
+          <a:prstGeom prst="rect">
+            <a:avLst/>
+          </a:prstGeom>
+        </p:spPr>
+      </p:pic>
+    </p:spTree>
+    <p:extLst>
+      <p:ext uri="{BB962C8B-B14F-4D97-AF65-F5344CB8AC3E}">
+        <p14:creationId xmlns:p14="http://schemas.microsoft.com/office/powerpoint/2010/main" val="1326981025"/>
+      </p:ext>
+    </p:extLst>
+  </p:cSld>
+  <p:clrMapOvr>
+    <a:masterClrMapping/>
+  </p:clrMapOvr>
+</p:sld>
+</file>
+
+<file path=ppt/slides/slide11.xml><?xml version="1.0" encoding="utf-8"?>
+<p:sld xmlns:a="http://schemas.openxmlformats.org/drawingml/2006/main" xmlns:r="http://schemas.openxmlformats.org/officeDocument/2006/relationships" xmlns:p="http://schemas.openxmlformats.org/presentationml/2006/main">
+  <p:cSld>
+    <p:spTree>
+      <p:nvGrpSpPr>
+        <p:cNvPr id="1" name=""/>
+        <p:cNvGrpSpPr/>
+        <p:nvPr/>
+      </p:nvGrpSpPr>
+      <p:grpSpPr>
+        <a:xfrm>
+          <a:off x="0" y="0"/>
+          <a:ext cx="0" cy="0"/>
+          <a:chOff x="0" y="0"/>
+          <a:chExt cx="0" cy="0"/>
+        </a:xfrm>
+      </p:grpSpPr>
+      <p:sp>
+        <p:nvSpPr>
           <p:cNvPr id="4" name="Title 3">
             <a:extLst>
               <a:ext uri="{FF2B5EF4-FFF2-40B4-BE49-F238E27FC236}">
@@ -25630,7 +25850,7 @@
             <a:fld id="{C263D6C4-4840-40CC-AC84-17E24B3B7BDE}" type="slidenum">
               <a:rPr lang="en-US" smtClean="0"/>
               <a:pPr/>
-              <a:t>10</a:t>
+              <a:t>11</a:t>
             </a:fld>
             <a:endParaRPr lang="en-US" dirty="0"/>
           </a:p>
@@ -25686,7 +25906,7 @@
 </p:sld>
 </file>
 
-<file path=ppt/slides/slide11.xml><?xml version="1.0" encoding="utf-8"?>
+<file path=ppt/slides/slide12.xml><?xml version="1.0" encoding="utf-8"?>
 <p:sld xmlns:a="http://schemas.openxmlformats.org/drawingml/2006/main" xmlns:r="http://schemas.openxmlformats.org/officeDocument/2006/relationships" xmlns:p="http://schemas.openxmlformats.org/presentationml/2006/main">
   <p:cSld>
     <p:spTree>
@@ -25796,6 +26016,12 @@
           <a:p>
             <a:r>
               <a:rPr lang="en-GB" dirty="0"/>
+              <a:t>The eraser ability</a:t>
+            </a:r>
+          </a:p>
+          <a:p>
+            <a:r>
+              <a:rPr lang="en-GB" dirty="0"/>
               <a:t>The ability to rescale the whiteboard (both zooming in and out and moving in any direction)</a:t>
             </a:r>
           </a:p>
@@ -25843,7 +26069,7 @@
             <a:fld id="{C263D6C4-4840-40CC-AC84-17E24B3B7BDE}" type="slidenum">
               <a:rPr lang="en-US" smtClean="0"/>
               <a:pPr/>
-              <a:t>11</a:t>
+              <a:t>12</a:t>
             </a:fld>
             <a:endParaRPr lang="en-US" dirty="0"/>
           </a:p>
@@ -25853,131 +26079,6 @@
     <p:extLst>
       <p:ext uri="{BB962C8B-B14F-4D97-AF65-F5344CB8AC3E}">
         <p14:creationId xmlns:p14="http://schemas.microsoft.com/office/powerpoint/2010/main" val="2873016066"/>
-      </p:ext>
-    </p:extLst>
-  </p:cSld>
-  <p:clrMapOvr>
-    <a:masterClrMapping/>
-  </p:clrMapOvr>
-  <mc:AlternateContent xmlns:mc="http://schemas.openxmlformats.org/markup-compatibility/2006" xmlns:p14="http://schemas.microsoft.com/office/powerpoint/2010/main">
-    <mc:Choice Requires="p14">
-      <p:transition spd="med" p14:dur="700">
-        <p:fade/>
-      </p:transition>
-    </mc:Choice>
-    <mc:Fallback xmlns="">
-      <p:transition spd="med">
-        <p:fade/>
-      </p:transition>
-    </mc:Fallback>
-  </mc:AlternateContent>
-</p:sld>
-</file>
-
-<file path=ppt/slides/slide12.xml><?xml version="1.0" encoding="utf-8"?>
-<p:sld xmlns:a="http://schemas.openxmlformats.org/drawingml/2006/main" xmlns:r="http://schemas.openxmlformats.org/officeDocument/2006/relationships" xmlns:p="http://schemas.openxmlformats.org/presentationml/2006/main">
-  <p:cSld>
-    <p:spTree>
-      <p:nvGrpSpPr>
-        <p:cNvPr id="1" name=""/>
-        <p:cNvGrpSpPr/>
-        <p:nvPr/>
-      </p:nvGrpSpPr>
-      <p:grpSpPr>
-        <a:xfrm>
-          <a:off x="0" y="0"/>
-          <a:ext cx="0" cy="0"/>
-          <a:chOff x="0" y="0"/>
-          <a:chExt cx="0" cy="0"/>
-        </a:xfrm>
-      </p:grpSpPr>
-      <p:sp>
-        <p:nvSpPr>
-          <p:cNvPr id="4" name="Title 3">
-            <a:extLst>
-              <a:ext uri="{FF2B5EF4-FFF2-40B4-BE49-F238E27FC236}">
-                <a16:creationId xmlns:a16="http://schemas.microsoft.com/office/drawing/2014/main" id="{E3BD8413-C238-49D7-A4E1-E8FEF1811A0E}"/>
-              </a:ext>
-            </a:extLst>
-          </p:cNvPr>
-          <p:cNvSpPr>
-            <a:spLocks noGrp="1"/>
-          </p:cNvSpPr>
-          <p:nvPr>
-            <p:ph type="title"/>
-          </p:nvPr>
-        </p:nvSpPr>
-        <p:spPr/>
-        <p:txBody>
-          <a:bodyPr/>
-          <a:lstStyle/>
-          <a:p>
-            <a:r>
-              <a:rPr lang="en-US" dirty="0"/>
-              <a:t>Jira &amp; Git</a:t>
-            </a:r>
-          </a:p>
-        </p:txBody>
-      </p:sp>
-      <p:sp>
-        <p:nvSpPr>
-          <p:cNvPr id="2" name="Slide Number Placeholder 1">
-            <a:extLst>
-              <a:ext uri="{FF2B5EF4-FFF2-40B4-BE49-F238E27FC236}">
-                <a16:creationId xmlns:a16="http://schemas.microsoft.com/office/drawing/2014/main" id="{0B24BF10-2B55-43AB-9F77-F1A1410384A9}"/>
-              </a:ext>
-            </a:extLst>
-          </p:cNvPr>
-          <p:cNvSpPr>
-            <a:spLocks noGrp="1"/>
-          </p:cNvSpPr>
-          <p:nvPr>
-            <p:ph type="sldNum" sz="quarter" idx="12"/>
-          </p:nvPr>
-        </p:nvSpPr>
-        <p:spPr/>
-        <p:txBody>
-          <a:bodyPr/>
-          <a:lstStyle/>
-          <a:p>
-            <a:fld id="{C263D6C4-4840-40CC-AC84-17E24B3B7BDE}" type="slidenum">
-              <a:rPr lang="en-US" smtClean="0"/>
-              <a:pPr/>
-              <a:t>12</a:t>
-            </a:fld>
-            <a:endParaRPr lang="en-US" dirty="0"/>
-          </a:p>
-        </p:txBody>
-      </p:sp>
-      <p:sp>
-        <p:nvSpPr>
-          <p:cNvPr id="6" name="Text Placeholder 5">
-            <a:extLst>
-              <a:ext uri="{FF2B5EF4-FFF2-40B4-BE49-F238E27FC236}">
-                <a16:creationId xmlns:a16="http://schemas.microsoft.com/office/drawing/2014/main" id="{9DFAC933-A558-4471-B927-BED767E3D9EB}"/>
-              </a:ext>
-            </a:extLst>
-          </p:cNvPr>
-          <p:cNvSpPr>
-            <a:spLocks noGrp="1"/>
-          </p:cNvSpPr>
-          <p:nvPr>
-            <p:ph type="body" idx="1"/>
-          </p:nvPr>
-        </p:nvSpPr>
-        <p:spPr/>
-        <p:txBody>
-          <a:bodyPr/>
-          <a:lstStyle/>
-          <a:p>
-            <a:endParaRPr lang="en-GB"/>
-          </a:p>
-        </p:txBody>
-      </p:sp>
-    </p:spTree>
-    <p:extLst>
-      <p:ext uri="{BB962C8B-B14F-4D97-AF65-F5344CB8AC3E}">
-        <p14:creationId xmlns:p14="http://schemas.microsoft.com/office/powerpoint/2010/main" val="1160177489"/>
       </p:ext>
     </p:extLst>
   </p:cSld>
@@ -26018,6 +26119,131 @@
       </p:grpSpPr>
       <p:sp>
         <p:nvSpPr>
+          <p:cNvPr id="4" name="Title 3">
+            <a:extLst>
+              <a:ext uri="{FF2B5EF4-FFF2-40B4-BE49-F238E27FC236}">
+                <a16:creationId xmlns:a16="http://schemas.microsoft.com/office/drawing/2014/main" id="{E3BD8413-C238-49D7-A4E1-E8FEF1811A0E}"/>
+              </a:ext>
+            </a:extLst>
+          </p:cNvPr>
+          <p:cNvSpPr>
+            <a:spLocks noGrp="1"/>
+          </p:cNvSpPr>
+          <p:nvPr>
+            <p:ph type="title"/>
+          </p:nvPr>
+        </p:nvSpPr>
+        <p:spPr/>
+        <p:txBody>
+          <a:bodyPr/>
+          <a:lstStyle/>
+          <a:p>
+            <a:r>
+              <a:rPr lang="en-US" dirty="0"/>
+              <a:t>Jira &amp; Git</a:t>
+            </a:r>
+          </a:p>
+        </p:txBody>
+      </p:sp>
+      <p:sp>
+        <p:nvSpPr>
+          <p:cNvPr id="2" name="Slide Number Placeholder 1">
+            <a:extLst>
+              <a:ext uri="{FF2B5EF4-FFF2-40B4-BE49-F238E27FC236}">
+                <a16:creationId xmlns:a16="http://schemas.microsoft.com/office/drawing/2014/main" id="{0B24BF10-2B55-43AB-9F77-F1A1410384A9}"/>
+              </a:ext>
+            </a:extLst>
+          </p:cNvPr>
+          <p:cNvSpPr>
+            <a:spLocks noGrp="1"/>
+          </p:cNvSpPr>
+          <p:nvPr>
+            <p:ph type="sldNum" sz="quarter" idx="12"/>
+          </p:nvPr>
+        </p:nvSpPr>
+        <p:spPr/>
+        <p:txBody>
+          <a:bodyPr/>
+          <a:lstStyle/>
+          <a:p>
+            <a:fld id="{C263D6C4-4840-40CC-AC84-17E24B3B7BDE}" type="slidenum">
+              <a:rPr lang="en-US" smtClean="0"/>
+              <a:pPr/>
+              <a:t>13</a:t>
+            </a:fld>
+            <a:endParaRPr lang="en-US" dirty="0"/>
+          </a:p>
+        </p:txBody>
+      </p:sp>
+      <p:sp>
+        <p:nvSpPr>
+          <p:cNvPr id="6" name="Text Placeholder 5">
+            <a:extLst>
+              <a:ext uri="{FF2B5EF4-FFF2-40B4-BE49-F238E27FC236}">
+                <a16:creationId xmlns:a16="http://schemas.microsoft.com/office/drawing/2014/main" id="{9DFAC933-A558-4471-B927-BED767E3D9EB}"/>
+              </a:ext>
+            </a:extLst>
+          </p:cNvPr>
+          <p:cNvSpPr>
+            <a:spLocks noGrp="1"/>
+          </p:cNvSpPr>
+          <p:nvPr>
+            <p:ph type="body" idx="1"/>
+          </p:nvPr>
+        </p:nvSpPr>
+        <p:spPr/>
+        <p:txBody>
+          <a:bodyPr/>
+          <a:lstStyle/>
+          <a:p>
+            <a:endParaRPr lang="en-GB"/>
+          </a:p>
+        </p:txBody>
+      </p:sp>
+    </p:spTree>
+    <p:extLst>
+      <p:ext uri="{BB962C8B-B14F-4D97-AF65-F5344CB8AC3E}">
+        <p14:creationId xmlns:p14="http://schemas.microsoft.com/office/powerpoint/2010/main" val="1160177489"/>
+      </p:ext>
+    </p:extLst>
+  </p:cSld>
+  <p:clrMapOvr>
+    <a:masterClrMapping/>
+  </p:clrMapOvr>
+  <mc:AlternateContent xmlns:mc="http://schemas.openxmlformats.org/markup-compatibility/2006" xmlns:p14="http://schemas.microsoft.com/office/powerpoint/2010/main">
+    <mc:Choice Requires="p14">
+      <p:transition spd="med" p14:dur="700">
+        <p:fade/>
+      </p:transition>
+    </mc:Choice>
+    <mc:Fallback xmlns="">
+      <p:transition spd="med">
+        <p:fade/>
+      </p:transition>
+    </mc:Fallback>
+  </mc:AlternateContent>
+</p:sld>
+</file>
+
+<file path=ppt/slides/slide14.xml><?xml version="1.0" encoding="utf-8"?>
+<p:sld xmlns:a="http://schemas.openxmlformats.org/drawingml/2006/main" xmlns:r="http://schemas.openxmlformats.org/officeDocument/2006/relationships" xmlns:p="http://schemas.openxmlformats.org/presentationml/2006/main">
+  <p:cSld>
+    <p:spTree>
+      <p:nvGrpSpPr>
+        <p:cNvPr id="1" name=""/>
+        <p:cNvGrpSpPr/>
+        <p:nvPr/>
+      </p:nvGrpSpPr>
+      <p:grpSpPr>
+        <a:xfrm>
+          <a:off x="0" y="0"/>
+          <a:ext cx="0" cy="0"/>
+          <a:chOff x="0" y="0"/>
+          <a:chExt cx="0" cy="0"/>
+        </a:xfrm>
+      </p:grpSpPr>
+      <p:sp>
+        <p:nvSpPr>
           <p:cNvPr id="7" name="Title 6">
             <a:extLst>
               <a:ext uri="{FF2B5EF4-FFF2-40B4-BE49-F238E27FC236}">
@@ -26099,7 +26325,7 @@
             <a:fld id="{C263D6C4-4840-40CC-AC84-17E24B3B7BDE}" type="slidenum">
               <a:rPr lang="en-US" smtClean="0"/>
               <a:pPr/>
-              <a:t>13</a:t>
+              <a:t>14</a:t>
             </a:fld>
             <a:endParaRPr lang="en-US" dirty="0"/>
           </a:p>
@@ -26220,7 +26446,7 @@
 </p:sld>
 </file>
 
-<file path=ppt/slides/slide14.xml><?xml version="1.0" encoding="utf-8"?>
+<file path=ppt/slides/slide15.xml><?xml version="1.0" encoding="utf-8"?>
 <p:sld xmlns:a="http://schemas.openxmlformats.org/drawingml/2006/main" xmlns:r="http://schemas.openxmlformats.org/officeDocument/2006/relationships" xmlns:p="http://schemas.openxmlformats.org/presentationml/2006/main">
   <p:cSld>
     <p:spTree>
@@ -26328,7 +26554,7 @@
             <a:fld id="{C263D6C4-4840-40CC-AC84-17E24B3B7BDE}" type="slidenum">
               <a:rPr lang="en-US" smtClean="0"/>
               <a:pPr/>
-              <a:t>14</a:t>
+              <a:t>15</a:t>
             </a:fld>
             <a:endParaRPr lang="en-US" dirty="0"/>
           </a:p>
@@ -26449,7 +26675,7 @@
 </p:sld>
 </file>
 
-<file path=ppt/slides/slide15.xml><?xml version="1.0" encoding="utf-8"?>
+<file path=ppt/slides/slide16.xml><?xml version="1.0" encoding="utf-8"?>
 <p:sld xmlns:a="http://schemas.openxmlformats.org/drawingml/2006/main" xmlns:r="http://schemas.openxmlformats.org/officeDocument/2006/relationships" xmlns:p="http://schemas.openxmlformats.org/presentationml/2006/main">
   <p:cSld>
     <p:spTree>
@@ -26549,7 +26775,7 @@
             <a:fld id="{C263D6C4-4840-40CC-AC84-17E24B3B7BDE}" type="slidenum">
               <a:rPr lang="en-US" smtClean="0"/>
               <a:pPr/>
-              <a:t>15</a:t>
+              <a:t>16</a:t>
             </a:fld>
             <a:endParaRPr lang="en-US" dirty="0"/>
           </a:p>
@@ -26595,13 +26821,13 @@
   <p:clrMapOvr>
     <a:masterClrMapping/>
   </p:clrMapOvr>
-  <mc:AlternateContent xmlns:mc="http://schemas.openxmlformats.org/markup-compatibility/2006">
-    <mc:Choice xmlns:p14="http://schemas.microsoft.com/office/powerpoint/2010/main" Requires="p14">
+  <mc:AlternateContent xmlns:mc="http://schemas.openxmlformats.org/markup-compatibility/2006" xmlns:p14="http://schemas.microsoft.com/office/powerpoint/2010/main">
+    <mc:Choice Requires="p14">
       <p:transition spd="med" p14:dur="700">
         <p:fade/>
       </p:transition>
     </mc:Choice>
-    <mc:Fallback>
+    <mc:Fallback xmlns="">
       <p:transition spd="med">
         <p:fade/>
       </p:transition>
@@ -26610,7 +26836,7 @@
 </p:sld>
 </file>
 
-<file path=ppt/slides/slide16.xml><?xml version="1.0" encoding="utf-8"?>
+<file path=ppt/slides/slide17.xml><?xml version="1.0" encoding="utf-8"?>
 <p:sld xmlns:a="http://schemas.openxmlformats.org/drawingml/2006/main" xmlns:r="http://schemas.openxmlformats.org/officeDocument/2006/relationships" xmlns:p="http://schemas.openxmlformats.org/presentationml/2006/main">
   <p:cSld>
     <p:spTree>
@@ -26672,7 +26898,7 @@
 </p:sld>
 </file>
 
-<file path=ppt/slides/slide17.xml><?xml version="1.0" encoding="utf-8"?>
+<file path=ppt/slides/slide18.xml><?xml version="1.0" encoding="utf-8"?>
 <p:sld xmlns:a="http://schemas.openxmlformats.org/drawingml/2006/main" xmlns:r="http://schemas.openxmlformats.org/officeDocument/2006/relationships" xmlns:p="http://schemas.openxmlformats.org/presentationml/2006/main">
   <p:cSld>
     <p:spTree>
@@ -29392,6 +29618,14 @@
 </file>
 
 <file path=customXml/item1.xml><?xml version="1.0" encoding="utf-8"?>
+<p:properties xmlns:p="http://schemas.microsoft.com/office/2006/metadata/properties" xmlns:xsi="http://www.w3.org/2001/XMLSchema-instance" xmlns:pc="http://schemas.microsoft.com/office/infopath/2007/PartnerControls">
+  <documentManagement>
+    <MediaServiceKeyPoints xmlns="71af3243-3dd4-4a8d-8c0d-dd76da1f02a5" xsi:nil="true"/>
+  </documentManagement>
+</p:properties>
+</file>
+
+<file path=customXml/item2.xml><?xml version="1.0" encoding="utf-8"?>
 <ct:contentTypeSchema xmlns:ct="http://schemas.microsoft.com/office/2006/metadata/contentType" xmlns:ma="http://schemas.microsoft.com/office/2006/metadata/properties/metaAttributes" ct:_="" ma:_="" ma:contentTypeName="Document" ma:contentTypeID="0x01010079F111ED35F8CC479449609E8A0923A6" ma:contentTypeVersion="11" ma:contentTypeDescription="Create a new document." ma:contentTypeScope="" ma:versionID="96291512c1ee715ab617f4c07df79fc1">
   <xsd:schema xmlns:xsd="http://www.w3.org/2001/XMLSchema" xmlns:xs="http://www.w3.org/2001/XMLSchema" xmlns:p="http://schemas.microsoft.com/office/2006/metadata/properties" xmlns:ns2="71af3243-3dd4-4a8d-8c0d-dd76da1f02a5" xmlns:ns3="16c05727-aa75-4e4a-9b5f-8a80a1165891" targetNamespace="http://schemas.microsoft.com/office/2006/metadata/properties" ma:root="true" ma:fieldsID="8256c27c40ca5c40ce1cf6c44f0205df" ns2:_="" ns3:_="">
     <xsd:import namespace="71af3243-3dd4-4a8d-8c0d-dd76da1f02a5"/>
@@ -29602,14 +29836,6 @@
 </ct:contentTypeSchema>
 </file>
 
-<file path=customXml/item2.xml><?xml version="1.0" encoding="utf-8"?>
-<p:properties xmlns:p="http://schemas.microsoft.com/office/2006/metadata/properties" xmlns:xsi="http://www.w3.org/2001/XMLSchema-instance" xmlns:pc="http://schemas.microsoft.com/office/infopath/2007/PartnerControls">
-  <documentManagement>
-    <MediaServiceKeyPoints xmlns="71af3243-3dd4-4a8d-8c0d-dd76da1f02a5" xsi:nil="true"/>
-  </documentManagement>
-</p:properties>
-</file>
-
 <file path=customXml/item3.xml><?xml version="1.0" encoding="utf-8"?>
 <?mso-contentType ?>
 <FormTemplates xmlns="http://schemas.microsoft.com/sharepoint/v3/contenttype/forms">
@@ -29620,6 +29846,16 @@
 </file>
 
 <file path=customXml/itemProps1.xml><?xml version="1.0" encoding="utf-8"?>
+<ds:datastoreItem xmlns:ds="http://schemas.openxmlformats.org/officeDocument/2006/customXml" ds:itemID="{F5757914-1161-4661-9696-421FD6935CDD}">
+  <ds:schemaRefs>
+    <ds:schemaRef ds:uri="http://schemas.microsoft.com/office/2006/metadata/properties"/>
+    <ds:schemaRef ds:uri="http://schemas.microsoft.com/office/infopath/2007/PartnerControls"/>
+    <ds:schemaRef ds:uri="71af3243-3dd4-4a8d-8c0d-dd76da1f02a5"/>
+  </ds:schemaRefs>
+</ds:datastoreItem>
+</file>
+
+<file path=customXml/itemProps2.xml><?xml version="1.0" encoding="utf-8"?>
 <ds:datastoreItem xmlns:ds="http://schemas.openxmlformats.org/officeDocument/2006/customXml" ds:itemID="{4C103400-4A22-4E35-B588-4C4D42638959}">
   <ds:schemaRefs>
     <ds:schemaRef ds:uri="http://schemas.microsoft.com/office/2006/metadata/contentType"/>
@@ -29638,16 +29874,6 @@
 </ds:datastoreItem>
 </file>
 
-<file path=customXml/itemProps2.xml><?xml version="1.0" encoding="utf-8"?>
-<ds:datastoreItem xmlns:ds="http://schemas.openxmlformats.org/officeDocument/2006/customXml" ds:itemID="{F5757914-1161-4661-9696-421FD6935CDD}">
-  <ds:schemaRefs>
-    <ds:schemaRef ds:uri="http://schemas.microsoft.com/office/2006/metadata/properties"/>
-    <ds:schemaRef ds:uri="http://schemas.microsoft.com/office/infopath/2007/PartnerControls"/>
-    <ds:schemaRef ds:uri="71af3243-3dd4-4a8d-8c0d-dd76da1f02a5"/>
-  </ds:schemaRefs>
-</ds:datastoreItem>
-</file>
-
 <file path=customXml/itemProps3.xml><?xml version="1.0" encoding="utf-8"?>
 <ds:datastoreItem xmlns:ds="http://schemas.openxmlformats.org/officeDocument/2006/customXml" ds:itemID="{5B26E0C9-B2AA-42E6-97B6-E1B7D9EAF129}">
   <ds:schemaRefs>
